--- a/Status Updates/2014 02 21.pptx
+++ b/Status Updates/2014 02 21.pptx
@@ -6,6 +6,15 @@
   </p:sldMasterIdLst>
   <p:sldIdLst>
     <p:sldId id="256" r:id="rId2"/>
+    <p:sldId id="257" r:id="rId3"/>
+    <p:sldId id="265" r:id="rId4"/>
+    <p:sldId id="264" r:id="rId5"/>
+    <p:sldId id="258" r:id="rId6"/>
+    <p:sldId id="259" r:id="rId7"/>
+    <p:sldId id="260" r:id="rId8"/>
+    <p:sldId id="261" r:id="rId9"/>
+    <p:sldId id="262" r:id="rId10"/>
+    <p:sldId id="263" r:id="rId11"/>
   </p:sldIdLst>
   <p:sldSz cx="9144000" cy="6858000" type="screen4x3"/>
   <p:notesSz cx="7010400" cy="9296400"/>
@@ -3227,11 +3236,7 @@
             </a:r>
             <a:r>
               <a:rPr lang="en-US" dirty="0" smtClean="0"/>
-              <a:t>2</a:t>
-            </a:r>
-            <a:r>
-              <a:rPr lang="en-US" dirty="0" smtClean="0"/>
-              <a:t>/21/14</a:t>
+              <a:t>2/21/14</a:t>
             </a:r>
             <a:endParaRPr lang="en-US" dirty="0"/>
           </a:p>
@@ -3297,6 +3302,7082 @@
       </p:par>
     </p:tnLst>
   </p:timing>
+</p:sld>
+</file>
+
+<file path=ppt/slides/slide10.xml><?xml version="1.0" encoding="utf-8"?>
+<p:sld xmlns:a="http://schemas.openxmlformats.org/drawingml/2006/main" xmlns:r="http://schemas.openxmlformats.org/officeDocument/2006/relationships" xmlns:p="http://schemas.openxmlformats.org/presentationml/2006/main">
+  <p:cSld>
+    <p:spTree>
+      <p:nvGrpSpPr>
+        <p:cNvPr id="1" name=""/>
+        <p:cNvGrpSpPr/>
+        <p:nvPr/>
+      </p:nvGrpSpPr>
+      <p:grpSpPr>
+        <a:xfrm>
+          <a:off x="0" y="0"/>
+          <a:ext cx="0" cy="0"/>
+          <a:chOff x="0" y="0"/>
+          <a:chExt cx="0" cy="0"/>
+        </a:xfrm>
+      </p:grpSpPr>
+      <p:sp>
+        <p:nvSpPr>
+          <p:cNvPr id="2" name="Title 1"/>
+          <p:cNvSpPr>
+            <a:spLocks noGrp="1"/>
+          </p:cNvSpPr>
+          <p:nvPr>
+            <p:ph type="ctrTitle"/>
+          </p:nvPr>
+        </p:nvSpPr>
+        <p:spPr>
+          <a:xfrm>
+            <a:off x="6178" y="1"/>
+            <a:ext cx="8528222" cy="838199"/>
+          </a:xfrm>
+        </p:spPr>
+        <p:txBody>
+          <a:bodyPr>
+            <a:normAutofit fontScale="90000"/>
+          </a:bodyPr>
+          <a:lstStyle/>
+          <a:p>
+            <a:r>
+              <a:rPr lang="en-US" sz="4000" dirty="0" smtClean="0"/>
+              <a:t>Serial Communication with </a:t>
+            </a:r>
+            <a:r>
+              <a:rPr lang="en-US" sz="4000" dirty="0" err="1" smtClean="0"/>
+              <a:t>RepRap</a:t>
+            </a:r>
+            <a:r>
+              <a:rPr lang="en-US" sz="4000" dirty="0" smtClean="0"/>
+              <a:t> Marlin</a:t>
+            </a:r>
+            <a:endParaRPr lang="en-US" sz="4000" dirty="0"/>
+          </a:p>
+        </p:txBody>
+      </p:sp>
+      <p:sp>
+        <p:nvSpPr>
+          <p:cNvPr id="3" name="Subtitle 2"/>
+          <p:cNvSpPr>
+            <a:spLocks noGrp="1"/>
+          </p:cNvSpPr>
+          <p:nvPr>
+            <p:ph type="subTitle" idx="1"/>
+          </p:nvPr>
+        </p:nvSpPr>
+        <p:spPr>
+          <a:xfrm>
+            <a:off x="92676" y="1301579"/>
+            <a:ext cx="6858000" cy="5420497"/>
+          </a:xfrm>
+        </p:spPr>
+        <p:txBody>
+          <a:bodyPr>
+            <a:normAutofit/>
+          </a:bodyPr>
+          <a:lstStyle/>
+          <a:p>
+            <a:pPr algn="l"/>
+            <a:r>
+              <a:rPr lang="en-US" b="1" dirty="0" smtClean="0"/>
+              <a:t>Problems:</a:t>
+            </a:r>
+          </a:p>
+          <a:p>
+            <a:pPr marL="342900" indent="-342900" algn="l">
+              <a:buFont typeface="Arial" charset="0"/>
+              <a:buChar char="•"/>
+            </a:pPr>
+            <a:r>
+              <a:rPr lang="en-US" dirty="0" smtClean="0"/>
+              <a:t>Sparse Documentation </a:t>
+            </a:r>
+          </a:p>
+          <a:p>
+            <a:pPr marL="800100" lvl="1" indent="-342900" algn="l">
+              <a:buFont typeface="Arial" charset="0"/>
+              <a:buChar char="•"/>
+            </a:pPr>
+            <a:r>
+              <a:rPr lang="en-US" dirty="0" smtClean="0"/>
+              <a:t>Dig </a:t>
+            </a:r>
+            <a:r>
+              <a:rPr lang="en-US" dirty="0" smtClean="0"/>
+              <a:t>through tons of C++ code. </a:t>
+            </a:r>
+          </a:p>
+          <a:p>
+            <a:pPr marL="800100" lvl="1" indent="-342900" algn="l">
+              <a:buFont typeface="Arial" panose="020B0604020202020204" pitchFamily="34" charset="0"/>
+              <a:buChar char="•"/>
+            </a:pPr>
+            <a:r>
+              <a:rPr lang="en-US" dirty="0" smtClean="0"/>
+              <a:t>Specifics are very unclear</a:t>
+            </a:r>
+          </a:p>
+          <a:p>
+            <a:pPr algn="l"/>
+            <a:endParaRPr lang="en-US" dirty="0" smtClean="0"/>
+          </a:p>
+          <a:p>
+            <a:pPr algn="l"/>
+            <a:r>
+              <a:rPr lang="en-US" b="1" dirty="0" smtClean="0"/>
+              <a:t>Solution:</a:t>
+            </a:r>
+          </a:p>
+          <a:p>
+            <a:pPr marL="342900" indent="-342900" algn="l">
+              <a:buFont typeface="Arial" panose="020B0604020202020204" pitchFamily="34" charset="0"/>
+              <a:buChar char="•"/>
+            </a:pPr>
+            <a:r>
+              <a:rPr lang="en-US" dirty="0" smtClean="0"/>
+              <a:t>Look at some of the other </a:t>
+            </a:r>
+            <a:r>
+              <a:rPr lang="en-US" dirty="0" err="1" smtClean="0"/>
+              <a:t>RepRap</a:t>
+            </a:r>
+            <a:r>
+              <a:rPr lang="en-US" dirty="0" smtClean="0"/>
+              <a:t> </a:t>
+            </a:r>
+            <a:r>
+              <a:rPr lang="en-US" dirty="0" err="1" smtClean="0"/>
+              <a:t>firmwares</a:t>
+            </a:r>
+            <a:r>
+              <a:rPr lang="en-US" dirty="0" smtClean="0"/>
+              <a:t> that are well documented.</a:t>
+            </a:r>
+          </a:p>
+          <a:p>
+            <a:pPr marL="342900" indent="-342900" algn="l">
+              <a:buFont typeface="Arial" panose="020B0604020202020204" pitchFamily="34" charset="0"/>
+              <a:buChar char="•"/>
+            </a:pPr>
+            <a:r>
+              <a:rPr lang="en-US" dirty="0" smtClean="0"/>
+              <a:t>Look at the Rumba board’s USB controller documentation</a:t>
+            </a:r>
+          </a:p>
+          <a:p>
+            <a:pPr algn="l"/>
+            <a:r>
+              <a:rPr lang="en-US" b="1" dirty="0" smtClean="0"/>
+              <a:t>Findings:</a:t>
+            </a:r>
+          </a:p>
+          <a:p>
+            <a:pPr algn="l"/>
+            <a:r>
+              <a:rPr lang="en-US" b="1" dirty="0" smtClean="0"/>
+              <a:t>*</a:t>
+            </a:r>
+            <a:r>
+              <a:rPr lang="en-US" dirty="0" smtClean="0"/>
+              <a:t> Uses “Virtual Serial” communication. Behaves like a serial (COM) port, but uses the USB interface. USB is rather complicated</a:t>
+            </a:r>
+            <a:endParaRPr lang="en-US" b="1" dirty="0"/>
+          </a:p>
+        </p:txBody>
+      </p:sp>
+    </p:spTree>
+    <p:extLst>
+      <p:ext uri="{BB962C8B-B14F-4D97-AF65-F5344CB8AC3E}">
+        <p14:creationId xmlns:p14="http://schemas.microsoft.com/office/powerpoint/2010/main" val="3473293491"/>
+      </p:ext>
+    </p:extLst>
+  </p:cSld>
+  <p:clrMapOvr>
+    <a:masterClrMapping/>
+  </p:clrMapOvr>
+</p:sld>
+</file>
+
+<file path=ppt/slides/slide2.xml><?xml version="1.0" encoding="utf-8"?>
+<p:sld xmlns:a="http://schemas.openxmlformats.org/drawingml/2006/main" xmlns:r="http://schemas.openxmlformats.org/officeDocument/2006/relationships" xmlns:p="http://schemas.openxmlformats.org/presentationml/2006/main">
+  <p:cSld>
+    <p:spTree>
+      <p:nvGrpSpPr>
+        <p:cNvPr id="1" name=""/>
+        <p:cNvGrpSpPr/>
+        <p:nvPr/>
+      </p:nvGrpSpPr>
+      <p:grpSpPr>
+        <a:xfrm>
+          <a:off x="0" y="0"/>
+          <a:ext cx="0" cy="0"/>
+          <a:chOff x="0" y="0"/>
+          <a:chExt cx="0" cy="0"/>
+        </a:xfrm>
+      </p:grpSpPr>
+      <p:sp>
+        <p:nvSpPr>
+          <p:cNvPr id="2" name="Title 1"/>
+          <p:cNvSpPr>
+            <a:spLocks noGrp="1"/>
+          </p:cNvSpPr>
+          <p:nvPr>
+            <p:ph type="title"/>
+          </p:nvPr>
+        </p:nvSpPr>
+        <p:spPr>
+          <a:xfrm>
+            <a:off x="457200" y="0"/>
+            <a:ext cx="7620000" cy="609600"/>
+          </a:xfrm>
+        </p:spPr>
+        <p:txBody>
+          <a:bodyPr/>
+          <a:lstStyle/>
+          <a:p>
+            <a:r>
+              <a:rPr lang="en-US" sz="4200" dirty="0" smtClean="0"/>
+              <a:t>Project Status</a:t>
+            </a:r>
+            <a:endParaRPr lang="en-US" sz="4200" dirty="0"/>
+          </a:p>
+        </p:txBody>
+      </p:sp>
+      <p:graphicFrame>
+        <p:nvGraphicFramePr>
+          <p:cNvPr id="3" name="Table 2"/>
+          <p:cNvGraphicFramePr>
+            <a:graphicFrameLocks noGrp="1"/>
+          </p:cNvGraphicFramePr>
+          <p:nvPr>
+            <p:extLst>
+              <p:ext uri="{D42A27DB-BD31-4B8C-83A1-F6EECF244321}">
+                <p14:modId xmlns:p14="http://schemas.microsoft.com/office/powerpoint/2010/main" val="1957120025"/>
+              </p:ext>
+            </p:extLst>
+          </p:nvPr>
+        </p:nvGraphicFramePr>
+        <p:xfrm>
+          <a:off x="152400" y="685800"/>
+          <a:ext cx="8229599" cy="6095994"/>
+        </p:xfrm>
+        <a:graphic>
+          <a:graphicData uri="http://schemas.openxmlformats.org/drawingml/2006/table">
+            <a:tbl>
+              <a:tblPr>
+                <a:tableStyleId>{5C22544A-7EE6-4342-B048-85BDC9FD1C3A}</a:tableStyleId>
+              </a:tblPr>
+              <a:tblGrid>
+                <a:gridCol w="865888"/>
+                <a:gridCol w="3052620"/>
+                <a:gridCol w="1045669"/>
+                <a:gridCol w="1045669"/>
+                <a:gridCol w="557691"/>
+                <a:gridCol w="454957"/>
+                <a:gridCol w="733803"/>
+                <a:gridCol w="473302"/>
+              </a:tblGrid>
+              <a:tr h="538394">
+                <a:tc>
+                  <a:txBody>
+                    <a:bodyPr/>
+                    <a:lstStyle/>
+                    <a:p>
+                      <a:pPr algn="l" fontAlgn="ctr"/>
+                      <a:r>
+                        <a:rPr lang="en-US" sz="1000" u="none" strike="noStrike" dirty="0">
+                          <a:effectLst/>
+                        </a:rPr>
+                        <a:t>Task Number</a:t>
+                      </a:r>
+                      <a:endParaRPr lang="en-US" sz="1000" b="0" i="0" u="none" strike="noStrike" dirty="0">
+                        <a:solidFill>
+                          <a:srgbClr val="363636"/>
+                        </a:solidFill>
+                        <a:effectLst/>
+                        <a:latin typeface="Segoe UI"/>
+                      </a:endParaRPr>
+                    </a:p>
+                  </a:txBody>
+                  <a:tcPr marL="6838" marR="6838" marT="6838" marB="0" anchor="ctr"/>
+                </a:tc>
+                <a:tc>
+                  <a:txBody>
+                    <a:bodyPr/>
+                    <a:lstStyle/>
+                    <a:p>
+                      <a:pPr algn="l" fontAlgn="ctr"/>
+                      <a:r>
+                        <a:rPr lang="en-US" sz="1000" u="none" strike="noStrike" dirty="0">
+                          <a:effectLst/>
+                        </a:rPr>
+                        <a:t>Task Name</a:t>
+                      </a:r>
+                      <a:endParaRPr lang="en-US" sz="1000" b="0" i="0" u="none" strike="noStrike" dirty="0">
+                        <a:solidFill>
+                          <a:srgbClr val="363636"/>
+                        </a:solidFill>
+                        <a:effectLst/>
+                        <a:latin typeface="Segoe UI"/>
+                      </a:endParaRPr>
+                    </a:p>
+                  </a:txBody>
+                  <a:tcPr marL="6838" marR="6838" marT="6838" marB="0" anchor="ctr"/>
+                </a:tc>
+                <a:tc>
+                  <a:txBody>
+                    <a:bodyPr/>
+                    <a:lstStyle/>
+                    <a:p>
+                      <a:pPr algn="l" fontAlgn="ctr"/>
+                      <a:r>
+                        <a:rPr lang="en-US" sz="1000" u="none" strike="noStrike">
+                          <a:effectLst/>
+                        </a:rPr>
+                        <a:t>Planned Start</a:t>
+                      </a:r>
+                      <a:endParaRPr lang="en-US" sz="1000" b="0" i="0" u="none" strike="noStrike">
+                        <a:solidFill>
+                          <a:srgbClr val="363636"/>
+                        </a:solidFill>
+                        <a:effectLst/>
+                        <a:latin typeface="Segoe UI"/>
+                      </a:endParaRPr>
+                    </a:p>
+                  </a:txBody>
+                  <a:tcPr marL="6838" marR="6838" marT="6838" marB="0" anchor="ctr"/>
+                </a:tc>
+                <a:tc>
+                  <a:txBody>
+                    <a:bodyPr/>
+                    <a:lstStyle/>
+                    <a:p>
+                      <a:pPr algn="l" fontAlgn="ctr"/>
+                      <a:r>
+                        <a:rPr lang="en-US" sz="1000" u="none" strike="noStrike">
+                          <a:effectLst/>
+                        </a:rPr>
+                        <a:t>Planned Finish</a:t>
+                      </a:r>
+                      <a:endParaRPr lang="en-US" sz="1000" b="0" i="0" u="none" strike="noStrike">
+                        <a:solidFill>
+                          <a:srgbClr val="363636"/>
+                        </a:solidFill>
+                        <a:effectLst/>
+                        <a:latin typeface="Segoe UI"/>
+                      </a:endParaRPr>
+                    </a:p>
+                  </a:txBody>
+                  <a:tcPr marL="6838" marR="6838" marT="6838" marB="0" anchor="ctr"/>
+                </a:tc>
+                <a:tc>
+                  <a:txBody>
+                    <a:bodyPr/>
+                    <a:lstStyle/>
+                    <a:p>
+                      <a:pPr algn="l" fontAlgn="ctr"/>
+                      <a:r>
+                        <a:rPr lang="en-US" sz="1000" u="none" strike="noStrike">
+                          <a:effectLst/>
+                        </a:rPr>
+                        <a:t>Planned Work Hours</a:t>
+                      </a:r>
+                      <a:endParaRPr lang="en-US" sz="1000" b="0" i="0" u="none" strike="noStrike">
+                        <a:solidFill>
+                          <a:srgbClr val="363636"/>
+                        </a:solidFill>
+                        <a:effectLst/>
+                        <a:latin typeface="Segoe UI"/>
+                      </a:endParaRPr>
+                    </a:p>
+                  </a:txBody>
+                  <a:tcPr marL="6838" marR="6838" marT="6838" marB="0" anchor="ctr"/>
+                </a:tc>
+                <a:tc>
+                  <a:txBody>
+                    <a:bodyPr/>
+                    <a:lstStyle/>
+                    <a:p>
+                      <a:pPr algn="l" fontAlgn="ctr"/>
+                      <a:r>
+                        <a:rPr lang="en-US" sz="1000" u="none" strike="noStrike">
+                          <a:effectLst/>
+                        </a:rPr>
+                        <a:t>Actual Work Hours</a:t>
+                      </a:r>
+                      <a:endParaRPr lang="en-US" sz="1000" b="0" i="0" u="none" strike="noStrike">
+                        <a:solidFill>
+                          <a:srgbClr val="363636"/>
+                        </a:solidFill>
+                        <a:effectLst/>
+                        <a:latin typeface="Segoe UI"/>
+                      </a:endParaRPr>
+                    </a:p>
+                  </a:txBody>
+                  <a:tcPr marL="6838" marR="6838" marT="6838" marB="0" anchor="ctr"/>
+                </a:tc>
+                <a:tc>
+                  <a:txBody>
+                    <a:bodyPr/>
+                    <a:lstStyle/>
+                    <a:p>
+                      <a:pPr algn="l" fontAlgn="ctr"/>
+                      <a:r>
+                        <a:rPr lang="en-US" sz="1000" u="none" strike="noStrike">
+                          <a:effectLst/>
+                        </a:rPr>
+                        <a:t>% Work Completed</a:t>
+                      </a:r>
+                      <a:endParaRPr lang="en-US" sz="1000" b="0" i="0" u="none" strike="noStrike">
+                        <a:solidFill>
+                          <a:srgbClr val="363636"/>
+                        </a:solidFill>
+                        <a:effectLst/>
+                        <a:latin typeface="Segoe UI"/>
+                      </a:endParaRPr>
+                    </a:p>
+                  </a:txBody>
+                  <a:tcPr marL="6838" marR="6838" marT="6838" marB="0" anchor="ctr"/>
+                </a:tc>
+                <a:tc>
+                  <a:txBody>
+                    <a:bodyPr/>
+                    <a:lstStyle/>
+                    <a:p>
+                      <a:pPr algn="l" fontAlgn="ctr"/>
+                      <a:r>
+                        <a:rPr lang="en-US" sz="1000" u="none" strike="noStrike">
+                          <a:effectLst/>
+                        </a:rPr>
+                        <a:t>Earned Vaule</a:t>
+                      </a:r>
+                      <a:endParaRPr lang="en-US" sz="1000" b="0" i="0" u="none" strike="noStrike">
+                        <a:solidFill>
+                          <a:srgbClr val="363636"/>
+                        </a:solidFill>
+                        <a:effectLst/>
+                        <a:latin typeface="Segoe UI"/>
+                      </a:endParaRPr>
+                    </a:p>
+                  </a:txBody>
+                  <a:tcPr marL="6838" marR="6838" marT="6838" marB="0" anchor="ctr"/>
+                </a:tc>
+              </a:tr>
+              <a:tr h="173675">
+                <a:tc>
+                  <a:txBody>
+                    <a:bodyPr/>
+                    <a:lstStyle/>
+                    <a:p>
+                      <a:pPr algn="l" fontAlgn="ctr"/>
+                      <a:r>
+                        <a:rPr lang="en-US" sz="1000" u="none" strike="noStrike">
+                          <a:effectLst/>
+                        </a:rPr>
+                        <a:t>2</a:t>
+                      </a:r>
+                      <a:endParaRPr lang="en-US" sz="1000" b="1" i="0" u="none" strike="noStrike">
+                        <a:solidFill>
+                          <a:srgbClr val="000000"/>
+                        </a:solidFill>
+                        <a:effectLst/>
+                        <a:latin typeface="Calibri"/>
+                      </a:endParaRPr>
+                    </a:p>
+                  </a:txBody>
+                  <a:tcPr marL="6838" marR="6838" marT="6838" marB="0" anchor="ctr"/>
+                </a:tc>
+                <a:tc>
+                  <a:txBody>
+                    <a:bodyPr/>
+                    <a:lstStyle/>
+                    <a:p>
+                      <a:pPr algn="l" fontAlgn="ctr"/>
+                      <a:r>
+                        <a:rPr lang="en-US" sz="1000" u="none" strike="noStrike">
+                          <a:effectLst/>
+                        </a:rPr>
+                        <a:t>Senior Design 2</a:t>
+                      </a:r>
+                      <a:endParaRPr lang="en-US" sz="1000" b="1" i="0" u="none" strike="noStrike">
+                        <a:solidFill>
+                          <a:srgbClr val="000000"/>
+                        </a:solidFill>
+                        <a:effectLst/>
+                        <a:latin typeface="Calibri"/>
+                      </a:endParaRPr>
+                    </a:p>
+                  </a:txBody>
+                  <a:tcPr marL="6838" marR="6838" marT="6838" marB="0" anchor="ctr"/>
+                </a:tc>
+                <a:tc>
+                  <a:txBody>
+                    <a:bodyPr/>
+                    <a:lstStyle/>
+                    <a:p>
+                      <a:pPr algn="l" fontAlgn="ctr"/>
+                      <a:r>
+                        <a:rPr lang="en-US" sz="1000" u="none" strike="noStrike">
+                          <a:effectLst/>
+                        </a:rPr>
+                        <a:t>Wed 1/15/14</a:t>
+                      </a:r>
+                      <a:endParaRPr lang="en-US" sz="1000" b="1" i="0" u="none" strike="noStrike">
+                        <a:solidFill>
+                          <a:srgbClr val="000000"/>
+                        </a:solidFill>
+                        <a:effectLst/>
+                        <a:latin typeface="Calibri"/>
+                      </a:endParaRPr>
+                    </a:p>
+                  </a:txBody>
+                  <a:tcPr marL="6838" marR="6838" marT="6838" marB="0" anchor="ctr"/>
+                </a:tc>
+                <a:tc>
+                  <a:txBody>
+                    <a:bodyPr/>
+                    <a:lstStyle/>
+                    <a:p>
+                      <a:pPr algn="l" fontAlgn="ctr"/>
+                      <a:r>
+                        <a:rPr lang="en-US" sz="1000" u="none" strike="noStrike">
+                          <a:effectLst/>
+                        </a:rPr>
+                        <a:t>Fri 5/23/14</a:t>
+                      </a:r>
+                      <a:endParaRPr lang="en-US" sz="1000" b="1" i="0" u="none" strike="noStrike">
+                        <a:solidFill>
+                          <a:srgbClr val="000000"/>
+                        </a:solidFill>
+                        <a:effectLst/>
+                        <a:latin typeface="Calibri"/>
+                      </a:endParaRPr>
+                    </a:p>
+                  </a:txBody>
+                  <a:tcPr marL="6838" marR="6838" marT="6838" marB="0" anchor="ctr"/>
+                </a:tc>
+                <a:tc>
+                  <a:txBody>
+                    <a:bodyPr/>
+                    <a:lstStyle/>
+                    <a:p>
+                      <a:pPr algn="r" fontAlgn="ctr"/>
+                      <a:r>
+                        <a:rPr lang="en-US" sz="1000" u="none" strike="noStrike">
+                          <a:effectLst/>
+                        </a:rPr>
+                        <a:t>762</a:t>
+                      </a:r>
+                      <a:endParaRPr lang="en-US" sz="1000" b="1" i="0" u="none" strike="noStrike">
+                        <a:solidFill>
+                          <a:srgbClr val="000000"/>
+                        </a:solidFill>
+                        <a:effectLst/>
+                        <a:latin typeface="Calibri"/>
+                      </a:endParaRPr>
+                    </a:p>
+                  </a:txBody>
+                  <a:tcPr marL="6838" marR="6838" marT="6838" marB="0" anchor="ctr"/>
+                </a:tc>
+                <a:tc>
+                  <a:txBody>
+                    <a:bodyPr/>
+                    <a:lstStyle/>
+                    <a:p>
+                      <a:pPr algn="r" fontAlgn="ctr"/>
+                      <a:r>
+                        <a:rPr lang="en-US" sz="1000" u="none" strike="noStrike">
+                          <a:effectLst/>
+                        </a:rPr>
+                        <a:t>212</a:t>
+                      </a:r>
+                      <a:endParaRPr lang="en-US" sz="1000" b="1" i="0" u="none" strike="noStrike">
+                        <a:solidFill>
+                          <a:srgbClr val="000000"/>
+                        </a:solidFill>
+                        <a:effectLst/>
+                        <a:latin typeface="Calibri"/>
+                      </a:endParaRPr>
+                    </a:p>
+                  </a:txBody>
+                  <a:tcPr marL="6838" marR="6838" marT="6838" marB="0" anchor="ctr"/>
+                </a:tc>
+                <a:tc>
+                  <a:txBody>
+                    <a:bodyPr/>
+                    <a:lstStyle/>
+                    <a:p>
+                      <a:pPr algn="r" fontAlgn="ctr"/>
+                      <a:r>
+                        <a:rPr lang="en-US" sz="1000" u="none" strike="noStrike">
+                          <a:effectLst/>
+                        </a:rPr>
+                        <a:t>10.24</a:t>
+                      </a:r>
+                      <a:endParaRPr lang="en-US" sz="1000" b="1" i="0" u="none" strike="noStrike">
+                        <a:solidFill>
+                          <a:srgbClr val="000000"/>
+                        </a:solidFill>
+                        <a:effectLst/>
+                        <a:latin typeface="Calibri"/>
+                      </a:endParaRPr>
+                    </a:p>
+                  </a:txBody>
+                  <a:tcPr marL="6838" marR="6838" marT="6838" marB="0" anchor="ctr"/>
+                </a:tc>
+                <a:tc>
+                  <a:txBody>
+                    <a:bodyPr/>
+                    <a:lstStyle/>
+                    <a:p>
+                      <a:pPr algn="r" fontAlgn="ctr"/>
+                      <a:r>
+                        <a:rPr lang="en-US" sz="1000" u="none" strike="noStrike">
+                          <a:effectLst/>
+                        </a:rPr>
+                        <a:t>78</a:t>
+                      </a:r>
+                      <a:endParaRPr lang="en-US" sz="1000" b="1" i="0" u="none" strike="noStrike">
+                        <a:solidFill>
+                          <a:srgbClr val="000000"/>
+                        </a:solidFill>
+                        <a:effectLst/>
+                        <a:latin typeface="Calibri"/>
+                      </a:endParaRPr>
+                    </a:p>
+                  </a:txBody>
+                  <a:tcPr marL="6838" marR="6838" marT="6838" marB="0" anchor="ctr"/>
+                </a:tc>
+              </a:tr>
+              <a:tr h="173675">
+                <a:tc>
+                  <a:txBody>
+                    <a:bodyPr/>
+                    <a:lstStyle/>
+                    <a:p>
+                      <a:pPr algn="l" fontAlgn="ctr"/>
+                      <a:r>
+                        <a:rPr lang="en-US" sz="1000" u="none" strike="noStrike">
+                          <a:effectLst/>
+                        </a:rPr>
+                        <a:t>2.1</a:t>
+                      </a:r>
+                      <a:endParaRPr lang="en-US" sz="1000" b="1" i="0" u="none" strike="noStrike">
+                        <a:solidFill>
+                          <a:srgbClr val="000000"/>
+                        </a:solidFill>
+                        <a:effectLst/>
+                        <a:latin typeface="Calibri"/>
+                      </a:endParaRPr>
+                    </a:p>
+                  </a:txBody>
+                  <a:tcPr marL="6838" marR="6838" marT="6838" marB="0" anchor="ctr"/>
+                </a:tc>
+                <a:tc>
+                  <a:txBody>
+                    <a:bodyPr/>
+                    <a:lstStyle/>
+                    <a:p>
+                      <a:pPr algn="l" fontAlgn="ctr"/>
+                      <a:r>
+                        <a:rPr lang="en-US" sz="1000" u="none" strike="noStrike">
+                          <a:effectLst/>
+                        </a:rPr>
+                        <a:t>   Documents</a:t>
+                      </a:r>
+                      <a:endParaRPr lang="en-US" sz="1000" b="1" i="0" u="none" strike="noStrike">
+                        <a:solidFill>
+                          <a:srgbClr val="000000"/>
+                        </a:solidFill>
+                        <a:effectLst/>
+                        <a:latin typeface="Calibri"/>
+                      </a:endParaRPr>
+                    </a:p>
+                  </a:txBody>
+                  <a:tcPr marL="6838" marR="6838" marT="6838" marB="0" anchor="ctr"/>
+                </a:tc>
+                <a:tc>
+                  <a:txBody>
+                    <a:bodyPr/>
+                    <a:lstStyle/>
+                    <a:p>
+                      <a:pPr algn="l" fontAlgn="ctr"/>
+                      <a:r>
+                        <a:rPr lang="en-US" sz="1000" u="none" strike="noStrike">
+                          <a:effectLst/>
+                        </a:rPr>
+                        <a:t>Wed 1/15/14</a:t>
+                      </a:r>
+                      <a:endParaRPr lang="en-US" sz="1000" b="1" i="0" u="none" strike="noStrike">
+                        <a:solidFill>
+                          <a:srgbClr val="000000"/>
+                        </a:solidFill>
+                        <a:effectLst/>
+                        <a:latin typeface="Calibri"/>
+                      </a:endParaRPr>
+                    </a:p>
+                  </a:txBody>
+                  <a:tcPr marL="6838" marR="6838" marT="6838" marB="0" anchor="ctr"/>
+                </a:tc>
+                <a:tc>
+                  <a:txBody>
+                    <a:bodyPr/>
+                    <a:lstStyle/>
+                    <a:p>
+                      <a:pPr algn="l" fontAlgn="ctr"/>
+                      <a:r>
+                        <a:rPr lang="en-US" sz="1000" u="none" strike="noStrike">
+                          <a:effectLst/>
+                        </a:rPr>
+                        <a:t>Fri 5/23/14</a:t>
+                      </a:r>
+                      <a:endParaRPr lang="en-US" sz="1000" b="1" i="0" u="none" strike="noStrike">
+                        <a:solidFill>
+                          <a:srgbClr val="000000"/>
+                        </a:solidFill>
+                        <a:effectLst/>
+                        <a:latin typeface="Calibri"/>
+                      </a:endParaRPr>
+                    </a:p>
+                  </a:txBody>
+                  <a:tcPr marL="6838" marR="6838" marT="6838" marB="0" anchor="ctr"/>
+                </a:tc>
+                <a:tc>
+                  <a:txBody>
+                    <a:bodyPr/>
+                    <a:lstStyle/>
+                    <a:p>
+                      <a:pPr algn="r" fontAlgn="ctr"/>
+                      <a:r>
+                        <a:rPr lang="en-US" sz="1000" u="none" strike="noStrike">
+                          <a:effectLst/>
+                        </a:rPr>
+                        <a:t>242</a:t>
+                      </a:r>
+                      <a:endParaRPr lang="en-US" sz="1000" b="1" i="0" u="none" strike="noStrike">
+                        <a:solidFill>
+                          <a:srgbClr val="000000"/>
+                        </a:solidFill>
+                        <a:effectLst/>
+                        <a:latin typeface="Calibri"/>
+                      </a:endParaRPr>
+                    </a:p>
+                  </a:txBody>
+                  <a:tcPr marL="6838" marR="6838" marT="6838" marB="0" anchor="ctr"/>
+                </a:tc>
+                <a:tc>
+                  <a:txBody>
+                    <a:bodyPr/>
+                    <a:lstStyle/>
+                    <a:p>
+                      <a:pPr algn="r" fontAlgn="ctr"/>
+                      <a:r>
+                        <a:rPr lang="en-US" sz="1000" u="none" strike="noStrike">
+                          <a:effectLst/>
+                        </a:rPr>
+                        <a:t>208</a:t>
+                      </a:r>
+                      <a:endParaRPr lang="en-US" sz="1000" b="1" i="0" u="none" strike="noStrike">
+                        <a:solidFill>
+                          <a:srgbClr val="000000"/>
+                        </a:solidFill>
+                        <a:effectLst/>
+                        <a:latin typeface="Calibri"/>
+                      </a:endParaRPr>
+                    </a:p>
+                  </a:txBody>
+                  <a:tcPr marL="6838" marR="6838" marT="6838" marB="0" anchor="ctr"/>
+                </a:tc>
+                <a:tc>
+                  <a:txBody>
+                    <a:bodyPr/>
+                    <a:lstStyle/>
+                    <a:p>
+                      <a:pPr algn="r" fontAlgn="ctr"/>
+                      <a:r>
+                        <a:rPr lang="en-US" sz="1000" u="none" strike="noStrike">
+                          <a:effectLst/>
+                        </a:rPr>
+                        <a:t>29.75</a:t>
+                      </a:r>
+                      <a:endParaRPr lang="en-US" sz="1000" b="1" i="0" u="none" strike="noStrike">
+                        <a:solidFill>
+                          <a:srgbClr val="000000"/>
+                        </a:solidFill>
+                        <a:effectLst/>
+                        <a:latin typeface="Calibri"/>
+                      </a:endParaRPr>
+                    </a:p>
+                  </a:txBody>
+                  <a:tcPr marL="6838" marR="6838" marT="6838" marB="0" anchor="ctr"/>
+                </a:tc>
+                <a:tc>
+                  <a:txBody>
+                    <a:bodyPr/>
+                    <a:lstStyle/>
+                    <a:p>
+                      <a:pPr algn="r" fontAlgn="ctr"/>
+                      <a:r>
+                        <a:rPr lang="en-US" sz="1000" u="none" strike="noStrike">
+                          <a:effectLst/>
+                        </a:rPr>
+                        <a:t>72</a:t>
+                      </a:r>
+                      <a:endParaRPr lang="en-US" sz="1000" b="1" i="0" u="none" strike="noStrike">
+                        <a:solidFill>
+                          <a:srgbClr val="000000"/>
+                        </a:solidFill>
+                        <a:effectLst/>
+                        <a:latin typeface="Calibri"/>
+                      </a:endParaRPr>
+                    </a:p>
+                  </a:txBody>
+                  <a:tcPr marL="6838" marR="6838" marT="6838" marB="0" anchor="ctr"/>
+                </a:tc>
+              </a:tr>
+              <a:tr h="173675">
+                <a:tc>
+                  <a:txBody>
+                    <a:bodyPr/>
+                    <a:lstStyle/>
+                    <a:p>
+                      <a:pPr algn="l" fontAlgn="ctr"/>
+                      <a:r>
+                        <a:rPr lang="en-US" sz="1000" u="none" strike="noStrike">
+                          <a:effectLst/>
+                        </a:rPr>
+                        <a:t>2.1.1</a:t>
+                      </a:r>
+                      <a:endParaRPr lang="en-US" sz="1000" b="1" i="0" u="none" strike="noStrike">
+                        <a:solidFill>
+                          <a:srgbClr val="000000"/>
+                        </a:solidFill>
+                        <a:effectLst/>
+                        <a:latin typeface="Calibri"/>
+                      </a:endParaRPr>
+                    </a:p>
+                  </a:txBody>
+                  <a:tcPr marL="6838" marR="6838" marT="6838" marB="0" anchor="ctr"/>
+                </a:tc>
+                <a:tc>
+                  <a:txBody>
+                    <a:bodyPr/>
+                    <a:lstStyle/>
+                    <a:p>
+                      <a:pPr algn="l" fontAlgn="ctr"/>
+                      <a:r>
+                        <a:rPr lang="en-US" sz="1000" u="none" strike="noStrike">
+                          <a:effectLst/>
+                        </a:rPr>
+                        <a:t>      Detailed Design Documnetation</a:t>
+                      </a:r>
+                      <a:endParaRPr lang="en-US" sz="1000" b="1" i="0" u="none" strike="noStrike">
+                        <a:solidFill>
+                          <a:srgbClr val="000000"/>
+                        </a:solidFill>
+                        <a:effectLst/>
+                        <a:latin typeface="Calibri"/>
+                      </a:endParaRPr>
+                    </a:p>
+                  </a:txBody>
+                  <a:tcPr marL="6838" marR="6838" marT="6838" marB="0" anchor="ctr"/>
+                </a:tc>
+                <a:tc>
+                  <a:txBody>
+                    <a:bodyPr/>
+                    <a:lstStyle/>
+                    <a:p>
+                      <a:pPr algn="l" fontAlgn="ctr"/>
+                      <a:r>
+                        <a:rPr lang="en-US" sz="1000" u="none" strike="noStrike">
+                          <a:effectLst/>
+                        </a:rPr>
+                        <a:t>Tue 1/21/14</a:t>
+                      </a:r>
+                      <a:endParaRPr lang="en-US" sz="1000" b="1" i="0" u="none" strike="noStrike">
+                        <a:solidFill>
+                          <a:srgbClr val="000000"/>
+                        </a:solidFill>
+                        <a:effectLst/>
+                        <a:latin typeface="Calibri"/>
+                      </a:endParaRPr>
+                    </a:p>
+                  </a:txBody>
+                  <a:tcPr marL="6838" marR="6838" marT="6838" marB="0" anchor="ctr"/>
+                </a:tc>
+                <a:tc>
+                  <a:txBody>
+                    <a:bodyPr/>
+                    <a:lstStyle/>
+                    <a:p>
+                      <a:pPr algn="l" fontAlgn="ctr"/>
+                      <a:r>
+                        <a:rPr lang="en-US" sz="1000" u="none" strike="noStrike">
+                          <a:effectLst/>
+                        </a:rPr>
+                        <a:t>Thu 2/20/14</a:t>
+                      </a:r>
+                      <a:endParaRPr lang="en-US" sz="1000" b="1" i="0" u="none" strike="noStrike">
+                        <a:solidFill>
+                          <a:srgbClr val="000000"/>
+                        </a:solidFill>
+                        <a:effectLst/>
+                        <a:latin typeface="Calibri"/>
+                      </a:endParaRPr>
+                    </a:p>
+                  </a:txBody>
+                  <a:tcPr marL="6838" marR="6838" marT="6838" marB="0" anchor="ctr"/>
+                </a:tc>
+                <a:tc>
+                  <a:txBody>
+                    <a:bodyPr/>
+                    <a:lstStyle/>
+                    <a:p>
+                      <a:pPr algn="r" fontAlgn="ctr"/>
+                      <a:r>
+                        <a:rPr lang="en-US" sz="1000" u="none" strike="noStrike">
+                          <a:effectLst/>
+                        </a:rPr>
+                        <a:t>142</a:t>
+                      </a:r>
+                      <a:endParaRPr lang="en-US" sz="1000" b="1" i="0" u="none" strike="noStrike">
+                        <a:solidFill>
+                          <a:srgbClr val="000000"/>
+                        </a:solidFill>
+                        <a:effectLst/>
+                        <a:latin typeface="Calibri"/>
+                      </a:endParaRPr>
+                    </a:p>
+                  </a:txBody>
+                  <a:tcPr marL="6838" marR="6838" marT="6838" marB="0" anchor="ctr"/>
+                </a:tc>
+                <a:tc>
+                  <a:txBody>
+                    <a:bodyPr/>
+                    <a:lstStyle/>
+                    <a:p>
+                      <a:pPr algn="r" fontAlgn="ctr"/>
+                      <a:r>
+                        <a:rPr lang="en-US" sz="1000" u="none" strike="noStrike">
+                          <a:effectLst/>
+                        </a:rPr>
+                        <a:t>208</a:t>
+                      </a:r>
+                      <a:endParaRPr lang="en-US" sz="1000" b="1" i="0" u="none" strike="noStrike">
+                        <a:solidFill>
+                          <a:srgbClr val="000000"/>
+                        </a:solidFill>
+                        <a:effectLst/>
+                        <a:latin typeface="Calibri"/>
+                      </a:endParaRPr>
+                    </a:p>
+                  </a:txBody>
+                  <a:tcPr marL="6838" marR="6838" marT="6838" marB="0" anchor="ctr"/>
+                </a:tc>
+                <a:tc>
+                  <a:txBody>
+                    <a:bodyPr/>
+                    <a:lstStyle/>
+                    <a:p>
+                      <a:pPr algn="r" fontAlgn="ctr"/>
+                      <a:r>
+                        <a:rPr lang="en-US" sz="1000" u="none" strike="noStrike">
+                          <a:effectLst/>
+                        </a:rPr>
+                        <a:t>50.7</a:t>
+                      </a:r>
+                      <a:endParaRPr lang="en-US" sz="1000" b="1" i="0" u="none" strike="noStrike">
+                        <a:solidFill>
+                          <a:srgbClr val="000000"/>
+                        </a:solidFill>
+                        <a:effectLst/>
+                        <a:latin typeface="Calibri"/>
+                      </a:endParaRPr>
+                    </a:p>
+                  </a:txBody>
+                  <a:tcPr marL="6838" marR="6838" marT="6838" marB="0" anchor="ctr"/>
+                </a:tc>
+                <a:tc>
+                  <a:txBody>
+                    <a:bodyPr/>
+                    <a:lstStyle/>
+                    <a:p>
+                      <a:pPr algn="r" fontAlgn="ctr"/>
+                      <a:r>
+                        <a:rPr lang="en-US" sz="1000" u="none" strike="noStrike">
+                          <a:effectLst/>
+                        </a:rPr>
+                        <a:t>72</a:t>
+                      </a:r>
+                      <a:endParaRPr lang="en-US" sz="1000" b="1" i="0" u="none" strike="noStrike">
+                        <a:solidFill>
+                          <a:srgbClr val="000000"/>
+                        </a:solidFill>
+                        <a:effectLst/>
+                        <a:latin typeface="Calibri"/>
+                      </a:endParaRPr>
+                    </a:p>
+                  </a:txBody>
+                  <a:tcPr marL="6838" marR="6838" marT="6838" marB="0" anchor="ctr"/>
+                </a:tc>
+              </a:tr>
+              <a:tr h="173675">
+                <a:tc>
+                  <a:txBody>
+                    <a:bodyPr/>
+                    <a:lstStyle/>
+                    <a:p>
+                      <a:pPr algn="l" fontAlgn="ctr"/>
+                      <a:r>
+                        <a:rPr lang="en-US" sz="1000" u="none" strike="noStrike">
+                          <a:effectLst/>
+                        </a:rPr>
+                        <a:t>2.1.1.1</a:t>
+                      </a:r>
+                      <a:endParaRPr lang="en-US" sz="1000" b="1" i="0" u="none" strike="noStrike">
+                        <a:solidFill>
+                          <a:srgbClr val="000000"/>
+                        </a:solidFill>
+                        <a:effectLst/>
+                        <a:latin typeface="Calibri"/>
+                      </a:endParaRPr>
+                    </a:p>
+                  </a:txBody>
+                  <a:tcPr marL="6838" marR="6838" marT="6838" marB="0" anchor="ctr"/>
+                </a:tc>
+                <a:tc>
+                  <a:txBody>
+                    <a:bodyPr/>
+                    <a:lstStyle/>
+                    <a:p>
+                      <a:pPr algn="l" fontAlgn="ctr"/>
+                      <a:r>
+                        <a:rPr lang="en-US" sz="1000" u="none" strike="noStrike">
+                          <a:effectLst/>
+                        </a:rPr>
+                        <a:t>         Version 1.0</a:t>
+                      </a:r>
+                      <a:endParaRPr lang="en-US" sz="1000" b="1" i="0" u="none" strike="noStrike">
+                        <a:solidFill>
+                          <a:srgbClr val="000000"/>
+                        </a:solidFill>
+                        <a:effectLst/>
+                        <a:latin typeface="Calibri"/>
+                      </a:endParaRPr>
+                    </a:p>
+                  </a:txBody>
+                  <a:tcPr marL="6838" marR="6838" marT="6838" marB="0" anchor="ctr"/>
+                </a:tc>
+                <a:tc>
+                  <a:txBody>
+                    <a:bodyPr/>
+                    <a:lstStyle/>
+                    <a:p>
+                      <a:pPr algn="l" fontAlgn="ctr"/>
+                      <a:r>
+                        <a:rPr lang="en-US" sz="1000" u="none" strike="noStrike">
+                          <a:effectLst/>
+                        </a:rPr>
+                        <a:t>Tue 1/21/14</a:t>
+                      </a:r>
+                      <a:endParaRPr lang="en-US" sz="1000" b="1" i="0" u="none" strike="noStrike">
+                        <a:solidFill>
+                          <a:srgbClr val="000000"/>
+                        </a:solidFill>
+                        <a:effectLst/>
+                        <a:latin typeface="Calibri"/>
+                      </a:endParaRPr>
+                    </a:p>
+                  </a:txBody>
+                  <a:tcPr marL="6838" marR="6838" marT="6838" marB="0" anchor="ctr"/>
+                </a:tc>
+                <a:tc>
+                  <a:txBody>
+                    <a:bodyPr/>
+                    <a:lstStyle/>
+                    <a:p>
+                      <a:pPr algn="l" fontAlgn="ctr"/>
+                      <a:r>
+                        <a:rPr lang="en-US" sz="1000" u="none" strike="noStrike">
+                          <a:effectLst/>
+                        </a:rPr>
+                        <a:t>Thu 2/20/14</a:t>
+                      </a:r>
+                      <a:endParaRPr lang="en-US" sz="1000" b="1" i="0" u="none" strike="noStrike">
+                        <a:solidFill>
+                          <a:srgbClr val="000000"/>
+                        </a:solidFill>
+                        <a:effectLst/>
+                        <a:latin typeface="Calibri"/>
+                      </a:endParaRPr>
+                    </a:p>
+                  </a:txBody>
+                  <a:tcPr marL="6838" marR="6838" marT="6838" marB="0" anchor="ctr"/>
+                </a:tc>
+                <a:tc>
+                  <a:txBody>
+                    <a:bodyPr/>
+                    <a:lstStyle/>
+                    <a:p>
+                      <a:pPr algn="r" fontAlgn="ctr"/>
+                      <a:r>
+                        <a:rPr lang="en-US" sz="1000" u="none" strike="noStrike">
+                          <a:effectLst/>
+                        </a:rPr>
+                        <a:t>72</a:t>
+                      </a:r>
+                      <a:endParaRPr lang="en-US" sz="1000" b="1" i="0" u="none" strike="noStrike">
+                        <a:solidFill>
+                          <a:srgbClr val="000000"/>
+                        </a:solidFill>
+                        <a:effectLst/>
+                        <a:latin typeface="Calibri"/>
+                      </a:endParaRPr>
+                    </a:p>
+                  </a:txBody>
+                  <a:tcPr marL="6838" marR="6838" marT="6838" marB="0" anchor="ctr"/>
+                </a:tc>
+                <a:tc>
+                  <a:txBody>
+                    <a:bodyPr/>
+                    <a:lstStyle/>
+                    <a:p>
+                      <a:pPr algn="r" fontAlgn="ctr"/>
+                      <a:r>
+                        <a:rPr lang="en-US" sz="1000" u="none" strike="noStrike">
+                          <a:effectLst/>
+                        </a:rPr>
+                        <a:t>208</a:t>
+                      </a:r>
+                      <a:endParaRPr lang="en-US" sz="1000" b="1" i="0" u="none" strike="noStrike">
+                        <a:solidFill>
+                          <a:srgbClr val="000000"/>
+                        </a:solidFill>
+                        <a:effectLst/>
+                        <a:latin typeface="Calibri"/>
+                      </a:endParaRPr>
+                    </a:p>
+                  </a:txBody>
+                  <a:tcPr marL="6838" marR="6838" marT="6838" marB="0" anchor="ctr"/>
+                </a:tc>
+                <a:tc>
+                  <a:txBody>
+                    <a:bodyPr/>
+                    <a:lstStyle/>
+                    <a:p>
+                      <a:pPr algn="r" fontAlgn="ctr"/>
+                      <a:r>
+                        <a:rPr lang="en-US" sz="1000" u="none" strike="noStrike">
+                          <a:effectLst/>
+                        </a:rPr>
+                        <a:t>100</a:t>
+                      </a:r>
+                      <a:endParaRPr lang="en-US" sz="1000" b="1" i="0" u="none" strike="noStrike">
+                        <a:solidFill>
+                          <a:srgbClr val="000000"/>
+                        </a:solidFill>
+                        <a:effectLst/>
+                        <a:latin typeface="Calibri"/>
+                      </a:endParaRPr>
+                    </a:p>
+                  </a:txBody>
+                  <a:tcPr marL="6838" marR="6838" marT="6838" marB="0" anchor="ctr"/>
+                </a:tc>
+                <a:tc>
+                  <a:txBody>
+                    <a:bodyPr/>
+                    <a:lstStyle/>
+                    <a:p>
+                      <a:pPr algn="r" fontAlgn="ctr"/>
+                      <a:r>
+                        <a:rPr lang="en-US" sz="1000" u="none" strike="noStrike">
+                          <a:effectLst/>
+                        </a:rPr>
+                        <a:t>72</a:t>
+                      </a:r>
+                      <a:endParaRPr lang="en-US" sz="1000" b="1" i="0" u="none" strike="noStrike">
+                        <a:solidFill>
+                          <a:srgbClr val="000000"/>
+                        </a:solidFill>
+                        <a:effectLst/>
+                        <a:latin typeface="Calibri"/>
+                      </a:endParaRPr>
+                    </a:p>
+                  </a:txBody>
+                  <a:tcPr marL="6838" marR="6838" marT="6838" marB="0" anchor="ctr"/>
+                </a:tc>
+              </a:tr>
+              <a:tr h="173675">
+                <a:tc>
+                  <a:txBody>
+                    <a:bodyPr/>
+                    <a:lstStyle/>
+                    <a:p>
+                      <a:pPr algn="l" fontAlgn="ctr"/>
+                      <a:r>
+                        <a:rPr lang="en-US" sz="1000" u="none" strike="noStrike">
+                          <a:effectLst/>
+                        </a:rPr>
+                        <a:t>2.1.1.2</a:t>
+                      </a:r>
+                      <a:endParaRPr lang="en-US" sz="1000" b="1" i="0" u="none" strike="noStrike">
+                        <a:solidFill>
+                          <a:srgbClr val="000000"/>
+                        </a:solidFill>
+                        <a:effectLst/>
+                        <a:latin typeface="Calibri"/>
+                      </a:endParaRPr>
+                    </a:p>
+                  </a:txBody>
+                  <a:tcPr marL="6838" marR="6838" marT="6838" marB="0" anchor="ctr"/>
+                </a:tc>
+                <a:tc>
+                  <a:txBody>
+                    <a:bodyPr/>
+                    <a:lstStyle/>
+                    <a:p>
+                      <a:pPr algn="l" fontAlgn="ctr"/>
+                      <a:r>
+                        <a:rPr lang="en-US" sz="1000" u="none" strike="noStrike">
+                          <a:effectLst/>
+                        </a:rPr>
+                        <a:t>         Version 2.0</a:t>
+                      </a:r>
+                      <a:endParaRPr lang="en-US" sz="1000" b="1" i="0" u="none" strike="noStrike">
+                        <a:solidFill>
+                          <a:srgbClr val="000000"/>
+                        </a:solidFill>
+                        <a:effectLst/>
+                        <a:latin typeface="Calibri"/>
+                      </a:endParaRPr>
+                    </a:p>
+                  </a:txBody>
+                  <a:tcPr marL="6838" marR="6838" marT="6838" marB="0" anchor="ctr"/>
+                </a:tc>
+                <a:tc>
+                  <a:txBody>
+                    <a:bodyPr/>
+                    <a:lstStyle/>
+                    <a:p>
+                      <a:pPr algn="l" fontAlgn="ctr"/>
+                      <a:r>
+                        <a:rPr lang="en-US" sz="1000" u="none" strike="noStrike">
+                          <a:effectLst/>
+                        </a:rPr>
+                        <a:t>Wed 2/21/14</a:t>
+                      </a:r>
+                      <a:endParaRPr lang="en-US" sz="1000" b="1" i="0" u="none" strike="noStrike">
+                        <a:solidFill>
+                          <a:srgbClr val="000000"/>
+                        </a:solidFill>
+                        <a:effectLst/>
+                        <a:latin typeface="Calibri"/>
+                      </a:endParaRPr>
+                    </a:p>
+                  </a:txBody>
+                  <a:tcPr marL="6838" marR="6838" marT="6838" marB="0" anchor="ctr"/>
+                </a:tc>
+                <a:tc>
+                  <a:txBody>
+                    <a:bodyPr/>
+                    <a:lstStyle/>
+                    <a:p>
+                      <a:pPr algn="l" fontAlgn="ctr"/>
+                      <a:r>
+                        <a:rPr lang="en-US" sz="1000" u="none" strike="noStrike">
+                          <a:effectLst/>
+                        </a:rPr>
+                        <a:t>Tue 2/28/14</a:t>
+                      </a:r>
+                      <a:endParaRPr lang="en-US" sz="1000" b="1" i="0" u="none" strike="noStrike">
+                        <a:solidFill>
+                          <a:srgbClr val="000000"/>
+                        </a:solidFill>
+                        <a:effectLst/>
+                        <a:latin typeface="Calibri"/>
+                      </a:endParaRPr>
+                    </a:p>
+                  </a:txBody>
+                  <a:tcPr marL="6838" marR="6838" marT="6838" marB="0" anchor="ctr"/>
+                </a:tc>
+                <a:tc>
+                  <a:txBody>
+                    <a:bodyPr/>
+                    <a:lstStyle/>
+                    <a:p>
+                      <a:pPr algn="r" fontAlgn="ctr"/>
+                      <a:r>
+                        <a:rPr lang="en-US" sz="1000" u="none" strike="noStrike">
+                          <a:effectLst/>
+                        </a:rPr>
+                        <a:t>70</a:t>
+                      </a:r>
+                      <a:endParaRPr lang="en-US" sz="1000" b="1" i="0" u="none" strike="noStrike">
+                        <a:solidFill>
+                          <a:srgbClr val="000000"/>
+                        </a:solidFill>
+                        <a:effectLst/>
+                        <a:latin typeface="Calibri"/>
+                      </a:endParaRPr>
+                    </a:p>
+                  </a:txBody>
+                  <a:tcPr marL="6838" marR="6838" marT="6838" marB="0" anchor="ctr"/>
+                </a:tc>
+                <a:tc>
+                  <a:txBody>
+                    <a:bodyPr/>
+                    <a:lstStyle/>
+                    <a:p>
+                      <a:pPr algn="r" fontAlgn="ctr"/>
+                      <a:r>
+                        <a:rPr lang="en-US" sz="1000" u="none" strike="noStrike">
+                          <a:effectLst/>
+                        </a:rPr>
+                        <a:t>0</a:t>
+                      </a:r>
+                      <a:endParaRPr lang="en-US" sz="1000" b="1" i="0" u="none" strike="noStrike">
+                        <a:solidFill>
+                          <a:srgbClr val="000000"/>
+                        </a:solidFill>
+                        <a:effectLst/>
+                        <a:latin typeface="Calibri"/>
+                      </a:endParaRPr>
+                    </a:p>
+                  </a:txBody>
+                  <a:tcPr marL="6838" marR="6838" marT="6838" marB="0" anchor="ctr"/>
+                </a:tc>
+                <a:tc>
+                  <a:txBody>
+                    <a:bodyPr/>
+                    <a:lstStyle/>
+                    <a:p>
+                      <a:pPr algn="r" fontAlgn="ctr"/>
+                      <a:r>
+                        <a:rPr lang="en-US" sz="1000" u="none" strike="noStrike">
+                          <a:effectLst/>
+                        </a:rPr>
+                        <a:t>0</a:t>
+                      </a:r>
+                      <a:endParaRPr lang="en-US" sz="1000" b="1" i="0" u="none" strike="noStrike">
+                        <a:solidFill>
+                          <a:srgbClr val="000000"/>
+                        </a:solidFill>
+                        <a:effectLst/>
+                        <a:latin typeface="Calibri"/>
+                      </a:endParaRPr>
+                    </a:p>
+                  </a:txBody>
+                  <a:tcPr marL="6838" marR="6838" marT="6838" marB="0" anchor="ctr"/>
+                </a:tc>
+                <a:tc>
+                  <a:txBody>
+                    <a:bodyPr/>
+                    <a:lstStyle/>
+                    <a:p>
+                      <a:pPr algn="r" fontAlgn="ctr"/>
+                      <a:r>
+                        <a:rPr lang="en-US" sz="1000" u="none" strike="noStrike">
+                          <a:effectLst/>
+                        </a:rPr>
+                        <a:t>0</a:t>
+                      </a:r>
+                      <a:endParaRPr lang="en-US" sz="1000" b="1" i="0" u="none" strike="noStrike">
+                        <a:solidFill>
+                          <a:srgbClr val="000000"/>
+                        </a:solidFill>
+                        <a:effectLst/>
+                        <a:latin typeface="Calibri"/>
+                      </a:endParaRPr>
+                    </a:p>
+                  </a:txBody>
+                  <a:tcPr marL="6838" marR="6838" marT="6838" marB="0" anchor="ctr"/>
+                </a:tc>
+              </a:tr>
+              <a:tr h="173675">
+                <a:tc>
+                  <a:txBody>
+                    <a:bodyPr/>
+                    <a:lstStyle/>
+                    <a:p>
+                      <a:pPr algn="l" fontAlgn="ctr"/>
+                      <a:r>
+                        <a:rPr lang="en-US" sz="1000" u="none" strike="noStrike">
+                          <a:effectLst/>
+                        </a:rPr>
+                        <a:t>2.1.2</a:t>
+                      </a:r>
+                      <a:endParaRPr lang="en-US" sz="1000" b="0" i="0" u="none" strike="noStrike">
+                        <a:solidFill>
+                          <a:srgbClr val="000000"/>
+                        </a:solidFill>
+                        <a:effectLst/>
+                        <a:latin typeface="Calibri"/>
+                      </a:endParaRPr>
+                    </a:p>
+                  </a:txBody>
+                  <a:tcPr marL="6838" marR="6838" marT="6838" marB="0" anchor="ctr"/>
+                </a:tc>
+                <a:tc>
+                  <a:txBody>
+                    <a:bodyPr/>
+                    <a:lstStyle/>
+                    <a:p>
+                      <a:pPr algn="l" fontAlgn="ctr"/>
+                      <a:r>
+                        <a:rPr lang="en-US" sz="1000" u="none" strike="noStrike">
+                          <a:effectLst/>
+                        </a:rPr>
+                        <a:t>      Test Plan</a:t>
+                      </a:r>
+                      <a:endParaRPr lang="en-US" sz="1000" b="0" i="0" u="none" strike="noStrike">
+                        <a:solidFill>
+                          <a:srgbClr val="000000"/>
+                        </a:solidFill>
+                        <a:effectLst/>
+                        <a:latin typeface="Calibri"/>
+                      </a:endParaRPr>
+                    </a:p>
+                  </a:txBody>
+                  <a:tcPr marL="6838" marR="6838" marT="6838" marB="0" anchor="ctr"/>
+                </a:tc>
+                <a:tc>
+                  <a:txBody>
+                    <a:bodyPr/>
+                    <a:lstStyle/>
+                    <a:p>
+                      <a:pPr algn="l" fontAlgn="ctr"/>
+                      <a:r>
+                        <a:rPr lang="en-US" sz="1000" u="none" strike="noStrike">
+                          <a:effectLst/>
+                        </a:rPr>
+                        <a:t>Wed 2/21/14</a:t>
+                      </a:r>
+                      <a:endParaRPr lang="en-US" sz="1000" b="0" i="0" u="none" strike="noStrike">
+                        <a:solidFill>
+                          <a:srgbClr val="000000"/>
+                        </a:solidFill>
+                        <a:effectLst/>
+                        <a:latin typeface="Calibri"/>
+                      </a:endParaRPr>
+                    </a:p>
+                  </a:txBody>
+                  <a:tcPr marL="6838" marR="6838" marT="6838" marB="0" anchor="ctr"/>
+                </a:tc>
+                <a:tc>
+                  <a:txBody>
+                    <a:bodyPr/>
+                    <a:lstStyle/>
+                    <a:p>
+                      <a:pPr algn="l" fontAlgn="ctr"/>
+                      <a:r>
+                        <a:rPr lang="en-US" sz="1000" u="none" strike="noStrike">
+                          <a:effectLst/>
+                        </a:rPr>
+                        <a:t>Tue 3/18/14</a:t>
+                      </a:r>
+                      <a:endParaRPr lang="en-US" sz="1000" b="0" i="0" u="none" strike="noStrike">
+                        <a:solidFill>
+                          <a:srgbClr val="000000"/>
+                        </a:solidFill>
+                        <a:effectLst/>
+                        <a:latin typeface="Calibri"/>
+                      </a:endParaRPr>
+                    </a:p>
+                  </a:txBody>
+                  <a:tcPr marL="6838" marR="6838" marT="6838" marB="0" anchor="ctr"/>
+                </a:tc>
+                <a:tc>
+                  <a:txBody>
+                    <a:bodyPr/>
+                    <a:lstStyle/>
+                    <a:p>
+                      <a:pPr algn="r" fontAlgn="ctr"/>
+                      <a:r>
+                        <a:rPr lang="en-US" sz="1000" u="none" strike="noStrike">
+                          <a:effectLst/>
+                        </a:rPr>
+                        <a:t>100</a:t>
+                      </a:r>
+                      <a:endParaRPr lang="en-US" sz="1000" b="0" i="0" u="none" strike="noStrike">
+                        <a:solidFill>
+                          <a:srgbClr val="000000"/>
+                        </a:solidFill>
+                        <a:effectLst/>
+                        <a:latin typeface="Calibri"/>
+                      </a:endParaRPr>
+                    </a:p>
+                  </a:txBody>
+                  <a:tcPr marL="6838" marR="6838" marT="6838" marB="0" anchor="ctr"/>
+                </a:tc>
+                <a:tc>
+                  <a:txBody>
+                    <a:bodyPr/>
+                    <a:lstStyle/>
+                    <a:p>
+                      <a:pPr algn="r" fontAlgn="ctr"/>
+                      <a:r>
+                        <a:rPr lang="en-US" sz="1000" u="none" strike="noStrike">
+                          <a:effectLst/>
+                        </a:rPr>
+                        <a:t>0</a:t>
+                      </a:r>
+                      <a:endParaRPr lang="en-US" sz="1000" b="0" i="0" u="none" strike="noStrike">
+                        <a:solidFill>
+                          <a:srgbClr val="000000"/>
+                        </a:solidFill>
+                        <a:effectLst/>
+                        <a:latin typeface="Calibri"/>
+                      </a:endParaRPr>
+                    </a:p>
+                  </a:txBody>
+                  <a:tcPr marL="6838" marR="6838" marT="6838" marB="0" anchor="ctr"/>
+                </a:tc>
+                <a:tc>
+                  <a:txBody>
+                    <a:bodyPr/>
+                    <a:lstStyle/>
+                    <a:p>
+                      <a:pPr algn="r" fontAlgn="ctr"/>
+                      <a:r>
+                        <a:rPr lang="en-US" sz="1000" u="none" strike="noStrike">
+                          <a:effectLst/>
+                        </a:rPr>
+                        <a:t>0</a:t>
+                      </a:r>
+                      <a:endParaRPr lang="en-US" sz="1000" b="0" i="0" u="none" strike="noStrike">
+                        <a:solidFill>
+                          <a:srgbClr val="000000"/>
+                        </a:solidFill>
+                        <a:effectLst/>
+                        <a:latin typeface="Calibri"/>
+                      </a:endParaRPr>
+                    </a:p>
+                  </a:txBody>
+                  <a:tcPr marL="6838" marR="6838" marT="6838" marB="0" anchor="ctr"/>
+                </a:tc>
+                <a:tc>
+                  <a:txBody>
+                    <a:bodyPr/>
+                    <a:lstStyle/>
+                    <a:p>
+                      <a:pPr algn="r" fontAlgn="ctr"/>
+                      <a:r>
+                        <a:rPr lang="en-US" sz="1000" u="none" strike="noStrike">
+                          <a:effectLst/>
+                        </a:rPr>
+                        <a:t>0</a:t>
+                      </a:r>
+                      <a:endParaRPr lang="en-US" sz="1000" b="0" i="0" u="none" strike="noStrike">
+                        <a:solidFill>
+                          <a:srgbClr val="000000"/>
+                        </a:solidFill>
+                        <a:effectLst/>
+                        <a:latin typeface="Calibri"/>
+                      </a:endParaRPr>
+                    </a:p>
+                  </a:txBody>
+                  <a:tcPr marL="6838" marR="6838" marT="6838" marB="0" anchor="ctr"/>
+                </a:tc>
+              </a:tr>
+              <a:tr h="173675">
+                <a:tc>
+                  <a:txBody>
+                    <a:bodyPr/>
+                    <a:lstStyle/>
+                    <a:p>
+                      <a:pPr algn="l" fontAlgn="ctr"/>
+                      <a:r>
+                        <a:rPr lang="en-US" sz="1000" u="none" strike="noStrike">
+                          <a:effectLst/>
+                        </a:rPr>
+                        <a:t>2.2</a:t>
+                      </a:r>
+                      <a:endParaRPr lang="en-US" sz="1000" b="1" i="0" u="none" strike="noStrike">
+                        <a:solidFill>
+                          <a:srgbClr val="000000"/>
+                        </a:solidFill>
+                        <a:effectLst/>
+                        <a:latin typeface="Calibri"/>
+                      </a:endParaRPr>
+                    </a:p>
+                  </a:txBody>
+                  <a:tcPr marL="6838" marR="6838" marT="6838" marB="0" anchor="ctr"/>
+                </a:tc>
+                <a:tc>
+                  <a:txBody>
+                    <a:bodyPr/>
+                    <a:lstStyle/>
+                    <a:p>
+                      <a:pPr algn="l" fontAlgn="ctr"/>
+                      <a:r>
+                        <a:rPr lang="en-US" sz="1000" u="none" strike="noStrike">
+                          <a:effectLst/>
+                        </a:rPr>
+                        <a:t>   Prototype Implementation</a:t>
+                      </a:r>
+                      <a:endParaRPr lang="en-US" sz="1000" b="1" i="0" u="none" strike="noStrike">
+                        <a:solidFill>
+                          <a:srgbClr val="000000"/>
+                        </a:solidFill>
+                        <a:effectLst/>
+                        <a:latin typeface="Calibri"/>
+                      </a:endParaRPr>
+                    </a:p>
+                  </a:txBody>
+                  <a:tcPr marL="6838" marR="6838" marT="6838" marB="0" anchor="ctr"/>
+                </a:tc>
+                <a:tc>
+                  <a:txBody>
+                    <a:bodyPr/>
+                    <a:lstStyle/>
+                    <a:p>
+                      <a:pPr algn="l" fontAlgn="ctr"/>
+                      <a:r>
+                        <a:rPr lang="en-US" sz="1000" u="none" strike="noStrike">
+                          <a:effectLst/>
+                        </a:rPr>
+                        <a:t>Tue 2/18/14</a:t>
+                      </a:r>
+                      <a:endParaRPr lang="en-US" sz="1000" b="1" i="0" u="none" strike="noStrike">
+                        <a:solidFill>
+                          <a:srgbClr val="000000"/>
+                        </a:solidFill>
+                        <a:effectLst/>
+                        <a:latin typeface="Calibri"/>
+                      </a:endParaRPr>
+                    </a:p>
+                  </a:txBody>
+                  <a:tcPr marL="6838" marR="6838" marT="6838" marB="0" anchor="ctr"/>
+                </a:tc>
+                <a:tc>
+                  <a:txBody>
+                    <a:bodyPr/>
+                    <a:lstStyle/>
+                    <a:p>
+                      <a:pPr algn="l" fontAlgn="ctr"/>
+                      <a:r>
+                        <a:rPr lang="en-US" sz="1000" u="none" strike="noStrike">
+                          <a:effectLst/>
+                        </a:rPr>
+                        <a:t>Thu 5/15/14</a:t>
+                      </a:r>
+                      <a:endParaRPr lang="en-US" sz="1000" b="1" i="0" u="none" strike="noStrike">
+                        <a:solidFill>
+                          <a:srgbClr val="000000"/>
+                        </a:solidFill>
+                        <a:effectLst/>
+                        <a:latin typeface="Calibri"/>
+                      </a:endParaRPr>
+                    </a:p>
+                  </a:txBody>
+                  <a:tcPr marL="6838" marR="6838" marT="6838" marB="0" anchor="ctr"/>
+                </a:tc>
+                <a:tc>
+                  <a:txBody>
+                    <a:bodyPr/>
+                    <a:lstStyle/>
+                    <a:p>
+                      <a:pPr algn="r" fontAlgn="ctr"/>
+                      <a:r>
+                        <a:rPr lang="en-US" sz="1000" u="none" strike="noStrike">
+                          <a:effectLst/>
+                        </a:rPr>
+                        <a:t>500</a:t>
+                      </a:r>
+                      <a:endParaRPr lang="en-US" sz="1000" b="1" i="0" u="none" strike="noStrike">
+                        <a:solidFill>
+                          <a:srgbClr val="000000"/>
+                        </a:solidFill>
+                        <a:effectLst/>
+                        <a:latin typeface="Calibri"/>
+                      </a:endParaRPr>
+                    </a:p>
+                  </a:txBody>
+                  <a:tcPr marL="6838" marR="6838" marT="6838" marB="0" anchor="ctr"/>
+                </a:tc>
+                <a:tc>
+                  <a:txBody>
+                    <a:bodyPr/>
+                    <a:lstStyle/>
+                    <a:p>
+                      <a:pPr algn="r" fontAlgn="ctr"/>
+                      <a:r>
+                        <a:rPr lang="en-US" sz="1000" u="none" strike="noStrike">
+                          <a:effectLst/>
+                        </a:rPr>
+                        <a:t>0</a:t>
+                      </a:r>
+                      <a:endParaRPr lang="en-US" sz="1000" b="1" i="0" u="none" strike="noStrike">
+                        <a:solidFill>
+                          <a:srgbClr val="000000"/>
+                        </a:solidFill>
+                        <a:effectLst/>
+                        <a:latin typeface="Calibri"/>
+                      </a:endParaRPr>
+                    </a:p>
+                  </a:txBody>
+                  <a:tcPr marL="6838" marR="6838" marT="6838" marB="0" anchor="ctr"/>
+                </a:tc>
+                <a:tc>
+                  <a:txBody>
+                    <a:bodyPr/>
+                    <a:lstStyle/>
+                    <a:p>
+                      <a:pPr algn="r" fontAlgn="ctr"/>
+                      <a:r>
+                        <a:rPr lang="en-US" sz="1000" u="none" strike="noStrike">
+                          <a:effectLst/>
+                        </a:rPr>
+                        <a:t>0</a:t>
+                      </a:r>
+                      <a:endParaRPr lang="en-US" sz="1000" b="1" i="0" u="none" strike="noStrike">
+                        <a:solidFill>
+                          <a:srgbClr val="000000"/>
+                        </a:solidFill>
+                        <a:effectLst/>
+                        <a:latin typeface="Calibri"/>
+                      </a:endParaRPr>
+                    </a:p>
+                  </a:txBody>
+                  <a:tcPr marL="6838" marR="6838" marT="6838" marB="0" anchor="ctr"/>
+                </a:tc>
+                <a:tc>
+                  <a:txBody>
+                    <a:bodyPr/>
+                    <a:lstStyle/>
+                    <a:p>
+                      <a:pPr algn="r" fontAlgn="ctr"/>
+                      <a:r>
+                        <a:rPr lang="en-US" sz="1000" u="none" strike="noStrike">
+                          <a:effectLst/>
+                        </a:rPr>
+                        <a:t>0</a:t>
+                      </a:r>
+                      <a:endParaRPr lang="en-US" sz="1000" b="1" i="0" u="none" strike="noStrike">
+                        <a:solidFill>
+                          <a:srgbClr val="000000"/>
+                        </a:solidFill>
+                        <a:effectLst/>
+                        <a:latin typeface="Calibri"/>
+                      </a:endParaRPr>
+                    </a:p>
+                  </a:txBody>
+                  <a:tcPr marL="6838" marR="6838" marT="6838" marB="0" anchor="ctr"/>
+                </a:tc>
+              </a:tr>
+              <a:tr h="173675">
+                <a:tc>
+                  <a:txBody>
+                    <a:bodyPr/>
+                    <a:lstStyle/>
+                    <a:p>
+                      <a:pPr algn="l" fontAlgn="ctr"/>
+                      <a:r>
+                        <a:rPr lang="en-US" sz="1000" u="none" strike="noStrike">
+                          <a:effectLst/>
+                        </a:rPr>
+                        <a:t>2.2.1</a:t>
+                      </a:r>
+                      <a:endParaRPr lang="en-US" sz="1000" b="0" i="0" u="none" strike="noStrike">
+                        <a:solidFill>
+                          <a:srgbClr val="000000"/>
+                        </a:solidFill>
+                        <a:effectLst/>
+                        <a:latin typeface="Calibri"/>
+                      </a:endParaRPr>
+                    </a:p>
+                  </a:txBody>
+                  <a:tcPr marL="6838" marR="6838" marT="6838" marB="0" anchor="ctr"/>
+                </a:tc>
+                <a:tc>
+                  <a:txBody>
+                    <a:bodyPr/>
+                    <a:lstStyle/>
+                    <a:p>
+                      <a:pPr algn="l" fontAlgn="ctr"/>
+                      <a:r>
+                        <a:rPr lang="en-US" sz="1000" u="none" strike="noStrike">
+                          <a:effectLst/>
+                        </a:rPr>
+                        <a:t>      Version 0.0</a:t>
+                      </a:r>
+                      <a:endParaRPr lang="en-US" sz="1000" b="0" i="0" u="none" strike="noStrike">
+                        <a:solidFill>
+                          <a:srgbClr val="000000"/>
+                        </a:solidFill>
+                        <a:effectLst/>
+                        <a:latin typeface="Calibri"/>
+                      </a:endParaRPr>
+                    </a:p>
+                  </a:txBody>
+                  <a:tcPr marL="6838" marR="6838" marT="6838" marB="0" anchor="ctr"/>
+                </a:tc>
+                <a:tc>
+                  <a:txBody>
+                    <a:bodyPr/>
+                    <a:lstStyle/>
+                    <a:p>
+                      <a:pPr algn="l" fontAlgn="ctr"/>
+                      <a:r>
+                        <a:rPr lang="en-US" sz="1000" u="none" strike="noStrike">
+                          <a:effectLst/>
+                        </a:rPr>
+                        <a:t>Tue 2/18/14</a:t>
+                      </a:r>
+                      <a:endParaRPr lang="en-US" sz="1000" b="0" i="0" u="none" strike="noStrike">
+                        <a:solidFill>
+                          <a:srgbClr val="000000"/>
+                        </a:solidFill>
+                        <a:effectLst/>
+                        <a:latin typeface="Calibri"/>
+                      </a:endParaRPr>
+                    </a:p>
+                  </a:txBody>
+                  <a:tcPr marL="6838" marR="6838" marT="6838" marB="0" anchor="ctr"/>
+                </a:tc>
+                <a:tc>
+                  <a:txBody>
+                    <a:bodyPr/>
+                    <a:lstStyle/>
+                    <a:p>
+                      <a:pPr algn="l" fontAlgn="ctr"/>
+                      <a:r>
+                        <a:rPr lang="en-US" sz="1000" u="none" strike="noStrike">
+                          <a:effectLst/>
+                        </a:rPr>
+                        <a:t>Tue 3/4/14</a:t>
+                      </a:r>
+                      <a:endParaRPr lang="en-US" sz="1000" b="0" i="0" u="none" strike="noStrike">
+                        <a:solidFill>
+                          <a:srgbClr val="000000"/>
+                        </a:solidFill>
+                        <a:effectLst/>
+                        <a:latin typeface="Calibri"/>
+                      </a:endParaRPr>
+                    </a:p>
+                  </a:txBody>
+                  <a:tcPr marL="6838" marR="6838" marT="6838" marB="0" anchor="ctr"/>
+                </a:tc>
+                <a:tc>
+                  <a:txBody>
+                    <a:bodyPr/>
+                    <a:lstStyle/>
+                    <a:p>
+                      <a:pPr algn="r" fontAlgn="ctr"/>
+                      <a:r>
+                        <a:rPr lang="en-US" sz="1000" u="none" strike="noStrike">
+                          <a:effectLst/>
+                        </a:rPr>
+                        <a:t>100</a:t>
+                      </a:r>
+                      <a:endParaRPr lang="en-US" sz="1000" b="0" i="0" u="none" strike="noStrike">
+                        <a:solidFill>
+                          <a:srgbClr val="000000"/>
+                        </a:solidFill>
+                        <a:effectLst/>
+                        <a:latin typeface="Calibri"/>
+                      </a:endParaRPr>
+                    </a:p>
+                  </a:txBody>
+                  <a:tcPr marL="6838" marR="6838" marT="6838" marB="0" anchor="ctr"/>
+                </a:tc>
+                <a:tc>
+                  <a:txBody>
+                    <a:bodyPr/>
+                    <a:lstStyle/>
+                    <a:p>
+                      <a:pPr algn="r" fontAlgn="ctr"/>
+                      <a:r>
+                        <a:rPr lang="en-US" sz="1000" u="none" strike="noStrike">
+                          <a:effectLst/>
+                        </a:rPr>
+                        <a:t>0</a:t>
+                      </a:r>
+                      <a:endParaRPr lang="en-US" sz="1000" b="0" i="0" u="none" strike="noStrike">
+                        <a:solidFill>
+                          <a:srgbClr val="000000"/>
+                        </a:solidFill>
+                        <a:effectLst/>
+                        <a:latin typeface="Calibri"/>
+                      </a:endParaRPr>
+                    </a:p>
+                  </a:txBody>
+                  <a:tcPr marL="6838" marR="6838" marT="6838" marB="0" anchor="ctr"/>
+                </a:tc>
+                <a:tc>
+                  <a:txBody>
+                    <a:bodyPr/>
+                    <a:lstStyle/>
+                    <a:p>
+                      <a:pPr algn="r" fontAlgn="ctr"/>
+                      <a:r>
+                        <a:rPr lang="en-US" sz="1000" u="none" strike="noStrike">
+                          <a:effectLst/>
+                        </a:rPr>
+                        <a:t>0</a:t>
+                      </a:r>
+                      <a:endParaRPr lang="en-US" sz="1000" b="0" i="0" u="none" strike="noStrike">
+                        <a:solidFill>
+                          <a:srgbClr val="000000"/>
+                        </a:solidFill>
+                        <a:effectLst/>
+                        <a:latin typeface="Calibri"/>
+                      </a:endParaRPr>
+                    </a:p>
+                  </a:txBody>
+                  <a:tcPr marL="6838" marR="6838" marT="6838" marB="0" anchor="ctr"/>
+                </a:tc>
+                <a:tc>
+                  <a:txBody>
+                    <a:bodyPr/>
+                    <a:lstStyle/>
+                    <a:p>
+                      <a:pPr algn="r" fontAlgn="ctr"/>
+                      <a:r>
+                        <a:rPr lang="en-US" sz="1000" u="none" strike="noStrike">
+                          <a:effectLst/>
+                        </a:rPr>
+                        <a:t>0</a:t>
+                      </a:r>
+                      <a:endParaRPr lang="en-US" sz="1000" b="0" i="0" u="none" strike="noStrike">
+                        <a:solidFill>
+                          <a:srgbClr val="000000"/>
+                        </a:solidFill>
+                        <a:effectLst/>
+                        <a:latin typeface="Calibri"/>
+                      </a:endParaRPr>
+                    </a:p>
+                  </a:txBody>
+                  <a:tcPr marL="6838" marR="6838" marT="6838" marB="0" anchor="ctr"/>
+                </a:tc>
+              </a:tr>
+              <a:tr h="173675">
+                <a:tc>
+                  <a:txBody>
+                    <a:bodyPr/>
+                    <a:lstStyle/>
+                    <a:p>
+                      <a:pPr algn="l" fontAlgn="ctr"/>
+                      <a:r>
+                        <a:rPr lang="en-US" sz="1000" u="none" strike="noStrike">
+                          <a:effectLst/>
+                        </a:rPr>
+                        <a:t>2.2.2</a:t>
+                      </a:r>
+                      <a:endParaRPr lang="en-US" sz="1000" b="0" i="0" u="none" strike="noStrike">
+                        <a:solidFill>
+                          <a:srgbClr val="000000"/>
+                        </a:solidFill>
+                        <a:effectLst/>
+                        <a:latin typeface="Calibri"/>
+                      </a:endParaRPr>
+                    </a:p>
+                  </a:txBody>
+                  <a:tcPr marL="6838" marR="6838" marT="6838" marB="0" anchor="ctr"/>
+                </a:tc>
+                <a:tc>
+                  <a:txBody>
+                    <a:bodyPr/>
+                    <a:lstStyle/>
+                    <a:p>
+                      <a:pPr algn="l" fontAlgn="ctr"/>
+                      <a:r>
+                        <a:rPr lang="en-US" sz="1000" u="none" strike="noStrike">
+                          <a:effectLst/>
+                        </a:rPr>
+                        <a:t>      Version 1.0</a:t>
+                      </a:r>
+                      <a:endParaRPr lang="en-US" sz="1000" b="0" i="0" u="none" strike="noStrike">
+                        <a:solidFill>
+                          <a:srgbClr val="000000"/>
+                        </a:solidFill>
+                        <a:effectLst/>
+                        <a:latin typeface="Calibri"/>
+                      </a:endParaRPr>
+                    </a:p>
+                  </a:txBody>
+                  <a:tcPr marL="6838" marR="6838" marT="6838" marB="0" anchor="ctr"/>
+                </a:tc>
+                <a:tc>
+                  <a:txBody>
+                    <a:bodyPr/>
+                    <a:lstStyle/>
+                    <a:p>
+                      <a:pPr algn="l" fontAlgn="ctr"/>
+                      <a:r>
+                        <a:rPr lang="en-US" sz="1000" u="none" strike="noStrike">
+                          <a:effectLst/>
+                        </a:rPr>
+                        <a:t>Tue 3/4/14</a:t>
+                      </a:r>
+                      <a:endParaRPr lang="en-US" sz="1000" b="0" i="0" u="none" strike="noStrike">
+                        <a:solidFill>
+                          <a:srgbClr val="000000"/>
+                        </a:solidFill>
+                        <a:effectLst/>
+                        <a:latin typeface="Calibri"/>
+                      </a:endParaRPr>
+                    </a:p>
+                  </a:txBody>
+                  <a:tcPr marL="6838" marR="6838" marT="6838" marB="0" anchor="ctr"/>
+                </a:tc>
+                <a:tc>
+                  <a:txBody>
+                    <a:bodyPr/>
+                    <a:lstStyle/>
+                    <a:p>
+                      <a:pPr algn="l" fontAlgn="ctr"/>
+                      <a:r>
+                        <a:rPr lang="en-US" sz="1000" u="none" strike="noStrike">
+                          <a:effectLst/>
+                        </a:rPr>
+                        <a:t>Tue 3/18/14</a:t>
+                      </a:r>
+                      <a:endParaRPr lang="en-US" sz="1000" b="0" i="0" u="none" strike="noStrike">
+                        <a:solidFill>
+                          <a:srgbClr val="000000"/>
+                        </a:solidFill>
+                        <a:effectLst/>
+                        <a:latin typeface="Calibri"/>
+                      </a:endParaRPr>
+                    </a:p>
+                  </a:txBody>
+                  <a:tcPr marL="6838" marR="6838" marT="6838" marB="0" anchor="ctr"/>
+                </a:tc>
+                <a:tc>
+                  <a:txBody>
+                    <a:bodyPr/>
+                    <a:lstStyle/>
+                    <a:p>
+                      <a:pPr algn="r" fontAlgn="ctr"/>
+                      <a:r>
+                        <a:rPr lang="en-US" sz="1000" u="none" strike="noStrike">
+                          <a:effectLst/>
+                        </a:rPr>
+                        <a:t>100</a:t>
+                      </a:r>
+                      <a:endParaRPr lang="en-US" sz="1000" b="0" i="0" u="none" strike="noStrike">
+                        <a:solidFill>
+                          <a:srgbClr val="000000"/>
+                        </a:solidFill>
+                        <a:effectLst/>
+                        <a:latin typeface="Calibri"/>
+                      </a:endParaRPr>
+                    </a:p>
+                  </a:txBody>
+                  <a:tcPr marL="6838" marR="6838" marT="6838" marB="0" anchor="ctr"/>
+                </a:tc>
+                <a:tc>
+                  <a:txBody>
+                    <a:bodyPr/>
+                    <a:lstStyle/>
+                    <a:p>
+                      <a:pPr algn="r" fontAlgn="ctr"/>
+                      <a:r>
+                        <a:rPr lang="en-US" sz="1000" u="none" strike="noStrike">
+                          <a:effectLst/>
+                        </a:rPr>
+                        <a:t>0</a:t>
+                      </a:r>
+                      <a:endParaRPr lang="en-US" sz="1000" b="0" i="0" u="none" strike="noStrike">
+                        <a:solidFill>
+                          <a:srgbClr val="000000"/>
+                        </a:solidFill>
+                        <a:effectLst/>
+                        <a:latin typeface="Calibri"/>
+                      </a:endParaRPr>
+                    </a:p>
+                  </a:txBody>
+                  <a:tcPr marL="6838" marR="6838" marT="6838" marB="0" anchor="ctr"/>
+                </a:tc>
+                <a:tc>
+                  <a:txBody>
+                    <a:bodyPr/>
+                    <a:lstStyle/>
+                    <a:p>
+                      <a:pPr algn="r" fontAlgn="ctr"/>
+                      <a:r>
+                        <a:rPr lang="en-US" sz="1000" u="none" strike="noStrike">
+                          <a:effectLst/>
+                        </a:rPr>
+                        <a:t>0</a:t>
+                      </a:r>
+                      <a:endParaRPr lang="en-US" sz="1000" b="0" i="0" u="none" strike="noStrike">
+                        <a:solidFill>
+                          <a:srgbClr val="000000"/>
+                        </a:solidFill>
+                        <a:effectLst/>
+                        <a:latin typeface="Calibri"/>
+                      </a:endParaRPr>
+                    </a:p>
+                  </a:txBody>
+                  <a:tcPr marL="6838" marR="6838" marT="6838" marB="0" anchor="ctr"/>
+                </a:tc>
+                <a:tc>
+                  <a:txBody>
+                    <a:bodyPr/>
+                    <a:lstStyle/>
+                    <a:p>
+                      <a:pPr algn="r" fontAlgn="ctr"/>
+                      <a:r>
+                        <a:rPr lang="en-US" sz="1000" u="none" strike="noStrike">
+                          <a:effectLst/>
+                        </a:rPr>
+                        <a:t>0</a:t>
+                      </a:r>
+                      <a:endParaRPr lang="en-US" sz="1000" b="0" i="0" u="none" strike="noStrike">
+                        <a:solidFill>
+                          <a:srgbClr val="000000"/>
+                        </a:solidFill>
+                        <a:effectLst/>
+                        <a:latin typeface="Calibri"/>
+                      </a:endParaRPr>
+                    </a:p>
+                  </a:txBody>
+                  <a:tcPr marL="6838" marR="6838" marT="6838" marB="0" anchor="ctr"/>
+                </a:tc>
+              </a:tr>
+              <a:tr h="173675">
+                <a:tc>
+                  <a:txBody>
+                    <a:bodyPr/>
+                    <a:lstStyle/>
+                    <a:p>
+                      <a:pPr algn="l" fontAlgn="ctr"/>
+                      <a:r>
+                        <a:rPr lang="en-US" sz="1000" u="none" strike="noStrike">
+                          <a:effectLst/>
+                        </a:rPr>
+                        <a:t>2.2.3</a:t>
+                      </a:r>
+                      <a:endParaRPr lang="en-US" sz="1000" b="0" i="0" u="none" strike="noStrike">
+                        <a:solidFill>
+                          <a:srgbClr val="000000"/>
+                        </a:solidFill>
+                        <a:effectLst/>
+                        <a:latin typeface="Calibri"/>
+                      </a:endParaRPr>
+                    </a:p>
+                  </a:txBody>
+                  <a:tcPr marL="6838" marR="6838" marT="6838" marB="0" anchor="ctr"/>
+                </a:tc>
+                <a:tc>
+                  <a:txBody>
+                    <a:bodyPr/>
+                    <a:lstStyle/>
+                    <a:p>
+                      <a:pPr algn="l" fontAlgn="ctr"/>
+                      <a:r>
+                        <a:rPr lang="en-US" sz="1000" u="none" strike="noStrike">
+                          <a:effectLst/>
+                        </a:rPr>
+                        <a:t>      Version 2.0</a:t>
+                      </a:r>
+                      <a:endParaRPr lang="en-US" sz="1000" b="0" i="0" u="none" strike="noStrike">
+                        <a:solidFill>
+                          <a:srgbClr val="000000"/>
+                        </a:solidFill>
+                        <a:effectLst/>
+                        <a:latin typeface="Calibri"/>
+                      </a:endParaRPr>
+                    </a:p>
+                  </a:txBody>
+                  <a:tcPr marL="6838" marR="6838" marT="6838" marB="0" anchor="ctr"/>
+                </a:tc>
+                <a:tc>
+                  <a:txBody>
+                    <a:bodyPr/>
+                    <a:lstStyle/>
+                    <a:p>
+                      <a:pPr algn="l" fontAlgn="ctr"/>
+                      <a:r>
+                        <a:rPr lang="en-US" sz="1000" u="none" strike="noStrike">
+                          <a:effectLst/>
+                        </a:rPr>
+                        <a:t>Tue 3/18/14</a:t>
+                      </a:r>
+                      <a:endParaRPr lang="en-US" sz="1000" b="0" i="0" u="none" strike="noStrike">
+                        <a:solidFill>
+                          <a:srgbClr val="000000"/>
+                        </a:solidFill>
+                        <a:effectLst/>
+                        <a:latin typeface="Calibri"/>
+                      </a:endParaRPr>
+                    </a:p>
+                  </a:txBody>
+                  <a:tcPr marL="6838" marR="6838" marT="6838" marB="0" anchor="ctr"/>
+                </a:tc>
+                <a:tc>
+                  <a:txBody>
+                    <a:bodyPr/>
+                    <a:lstStyle/>
+                    <a:p>
+                      <a:pPr algn="l" fontAlgn="ctr"/>
+                      <a:r>
+                        <a:rPr lang="en-US" sz="1000" u="none" strike="noStrike">
+                          <a:effectLst/>
+                        </a:rPr>
+                        <a:t>Tue 4/1/14</a:t>
+                      </a:r>
+                      <a:endParaRPr lang="en-US" sz="1000" b="0" i="0" u="none" strike="noStrike">
+                        <a:solidFill>
+                          <a:srgbClr val="000000"/>
+                        </a:solidFill>
+                        <a:effectLst/>
+                        <a:latin typeface="Calibri"/>
+                      </a:endParaRPr>
+                    </a:p>
+                  </a:txBody>
+                  <a:tcPr marL="6838" marR="6838" marT="6838" marB="0" anchor="ctr"/>
+                </a:tc>
+                <a:tc>
+                  <a:txBody>
+                    <a:bodyPr/>
+                    <a:lstStyle/>
+                    <a:p>
+                      <a:pPr algn="r" fontAlgn="ctr"/>
+                      <a:r>
+                        <a:rPr lang="en-US" sz="1000" u="none" strike="noStrike">
+                          <a:effectLst/>
+                        </a:rPr>
+                        <a:t>100</a:t>
+                      </a:r>
+                      <a:endParaRPr lang="en-US" sz="1000" b="0" i="0" u="none" strike="noStrike">
+                        <a:solidFill>
+                          <a:srgbClr val="000000"/>
+                        </a:solidFill>
+                        <a:effectLst/>
+                        <a:latin typeface="Calibri"/>
+                      </a:endParaRPr>
+                    </a:p>
+                  </a:txBody>
+                  <a:tcPr marL="6838" marR="6838" marT="6838" marB="0" anchor="ctr"/>
+                </a:tc>
+                <a:tc>
+                  <a:txBody>
+                    <a:bodyPr/>
+                    <a:lstStyle/>
+                    <a:p>
+                      <a:pPr algn="r" fontAlgn="ctr"/>
+                      <a:r>
+                        <a:rPr lang="en-US" sz="1000" u="none" strike="noStrike">
+                          <a:effectLst/>
+                        </a:rPr>
+                        <a:t>0</a:t>
+                      </a:r>
+                      <a:endParaRPr lang="en-US" sz="1000" b="0" i="0" u="none" strike="noStrike">
+                        <a:solidFill>
+                          <a:srgbClr val="000000"/>
+                        </a:solidFill>
+                        <a:effectLst/>
+                        <a:latin typeface="Calibri"/>
+                      </a:endParaRPr>
+                    </a:p>
+                  </a:txBody>
+                  <a:tcPr marL="6838" marR="6838" marT="6838" marB="0" anchor="ctr"/>
+                </a:tc>
+                <a:tc>
+                  <a:txBody>
+                    <a:bodyPr/>
+                    <a:lstStyle/>
+                    <a:p>
+                      <a:pPr algn="r" fontAlgn="ctr"/>
+                      <a:r>
+                        <a:rPr lang="en-US" sz="1000" u="none" strike="noStrike">
+                          <a:effectLst/>
+                        </a:rPr>
+                        <a:t>0</a:t>
+                      </a:r>
+                      <a:endParaRPr lang="en-US" sz="1000" b="0" i="0" u="none" strike="noStrike">
+                        <a:solidFill>
+                          <a:srgbClr val="000000"/>
+                        </a:solidFill>
+                        <a:effectLst/>
+                        <a:latin typeface="Calibri"/>
+                      </a:endParaRPr>
+                    </a:p>
+                  </a:txBody>
+                  <a:tcPr marL="6838" marR="6838" marT="6838" marB="0" anchor="ctr"/>
+                </a:tc>
+                <a:tc>
+                  <a:txBody>
+                    <a:bodyPr/>
+                    <a:lstStyle/>
+                    <a:p>
+                      <a:pPr algn="r" fontAlgn="ctr"/>
+                      <a:r>
+                        <a:rPr lang="en-US" sz="1000" u="none" strike="noStrike">
+                          <a:effectLst/>
+                        </a:rPr>
+                        <a:t>0</a:t>
+                      </a:r>
+                      <a:endParaRPr lang="en-US" sz="1000" b="0" i="0" u="none" strike="noStrike">
+                        <a:solidFill>
+                          <a:srgbClr val="000000"/>
+                        </a:solidFill>
+                        <a:effectLst/>
+                        <a:latin typeface="Calibri"/>
+                      </a:endParaRPr>
+                    </a:p>
+                  </a:txBody>
+                  <a:tcPr marL="6838" marR="6838" marT="6838" marB="0" anchor="ctr"/>
+                </a:tc>
+              </a:tr>
+              <a:tr h="173675">
+                <a:tc>
+                  <a:txBody>
+                    <a:bodyPr/>
+                    <a:lstStyle/>
+                    <a:p>
+                      <a:pPr algn="l" fontAlgn="ctr"/>
+                      <a:r>
+                        <a:rPr lang="en-US" sz="1000" u="none" strike="noStrike">
+                          <a:effectLst/>
+                        </a:rPr>
+                        <a:t>2.2.4</a:t>
+                      </a:r>
+                      <a:endParaRPr lang="en-US" sz="1000" b="0" i="0" u="none" strike="noStrike">
+                        <a:solidFill>
+                          <a:srgbClr val="000000"/>
+                        </a:solidFill>
+                        <a:effectLst/>
+                        <a:latin typeface="Calibri"/>
+                      </a:endParaRPr>
+                    </a:p>
+                  </a:txBody>
+                  <a:tcPr marL="6838" marR="6838" marT="6838" marB="0" anchor="ctr"/>
+                </a:tc>
+                <a:tc>
+                  <a:txBody>
+                    <a:bodyPr/>
+                    <a:lstStyle/>
+                    <a:p>
+                      <a:pPr algn="l" fontAlgn="ctr"/>
+                      <a:r>
+                        <a:rPr lang="en-US" sz="1000" u="none" strike="noStrike">
+                          <a:effectLst/>
+                        </a:rPr>
+                        <a:t>      Version 3.0</a:t>
+                      </a:r>
+                      <a:endParaRPr lang="en-US" sz="1000" b="0" i="0" u="none" strike="noStrike">
+                        <a:solidFill>
+                          <a:srgbClr val="000000"/>
+                        </a:solidFill>
+                        <a:effectLst/>
+                        <a:latin typeface="Calibri"/>
+                      </a:endParaRPr>
+                    </a:p>
+                  </a:txBody>
+                  <a:tcPr marL="6838" marR="6838" marT="6838" marB="0" anchor="ctr"/>
+                </a:tc>
+                <a:tc>
+                  <a:txBody>
+                    <a:bodyPr/>
+                    <a:lstStyle/>
+                    <a:p>
+                      <a:pPr algn="l" fontAlgn="ctr"/>
+                      <a:r>
+                        <a:rPr lang="en-US" sz="1000" u="none" strike="noStrike">
+                          <a:effectLst/>
+                        </a:rPr>
+                        <a:t>Tue 4/1/14</a:t>
+                      </a:r>
+                      <a:endParaRPr lang="en-US" sz="1000" b="0" i="0" u="none" strike="noStrike">
+                        <a:solidFill>
+                          <a:srgbClr val="000000"/>
+                        </a:solidFill>
+                        <a:effectLst/>
+                        <a:latin typeface="Calibri"/>
+                      </a:endParaRPr>
+                    </a:p>
+                  </a:txBody>
+                  <a:tcPr marL="6838" marR="6838" marT="6838" marB="0" anchor="ctr"/>
+                </a:tc>
+                <a:tc>
+                  <a:txBody>
+                    <a:bodyPr/>
+                    <a:lstStyle/>
+                    <a:p>
+                      <a:pPr algn="l" fontAlgn="ctr"/>
+                      <a:r>
+                        <a:rPr lang="en-US" sz="1000" u="none" strike="noStrike">
+                          <a:effectLst/>
+                        </a:rPr>
+                        <a:t>Tue 4/15/14</a:t>
+                      </a:r>
+                      <a:endParaRPr lang="en-US" sz="1000" b="0" i="0" u="none" strike="noStrike">
+                        <a:solidFill>
+                          <a:srgbClr val="000000"/>
+                        </a:solidFill>
+                        <a:effectLst/>
+                        <a:latin typeface="Calibri"/>
+                      </a:endParaRPr>
+                    </a:p>
+                  </a:txBody>
+                  <a:tcPr marL="6838" marR="6838" marT="6838" marB="0" anchor="ctr"/>
+                </a:tc>
+                <a:tc>
+                  <a:txBody>
+                    <a:bodyPr/>
+                    <a:lstStyle/>
+                    <a:p>
+                      <a:pPr algn="r" fontAlgn="ctr"/>
+                      <a:r>
+                        <a:rPr lang="en-US" sz="1000" u="none" strike="noStrike">
+                          <a:effectLst/>
+                        </a:rPr>
+                        <a:t>100</a:t>
+                      </a:r>
+                      <a:endParaRPr lang="en-US" sz="1000" b="0" i="0" u="none" strike="noStrike">
+                        <a:solidFill>
+                          <a:srgbClr val="000000"/>
+                        </a:solidFill>
+                        <a:effectLst/>
+                        <a:latin typeface="Calibri"/>
+                      </a:endParaRPr>
+                    </a:p>
+                  </a:txBody>
+                  <a:tcPr marL="6838" marR="6838" marT="6838" marB="0" anchor="ctr"/>
+                </a:tc>
+                <a:tc>
+                  <a:txBody>
+                    <a:bodyPr/>
+                    <a:lstStyle/>
+                    <a:p>
+                      <a:pPr algn="r" fontAlgn="ctr"/>
+                      <a:r>
+                        <a:rPr lang="en-US" sz="1000" u="none" strike="noStrike">
+                          <a:effectLst/>
+                        </a:rPr>
+                        <a:t>0</a:t>
+                      </a:r>
+                      <a:endParaRPr lang="en-US" sz="1000" b="0" i="0" u="none" strike="noStrike">
+                        <a:solidFill>
+                          <a:srgbClr val="000000"/>
+                        </a:solidFill>
+                        <a:effectLst/>
+                        <a:latin typeface="Calibri"/>
+                      </a:endParaRPr>
+                    </a:p>
+                  </a:txBody>
+                  <a:tcPr marL="6838" marR="6838" marT="6838" marB="0" anchor="ctr"/>
+                </a:tc>
+                <a:tc>
+                  <a:txBody>
+                    <a:bodyPr/>
+                    <a:lstStyle/>
+                    <a:p>
+                      <a:pPr algn="r" fontAlgn="ctr"/>
+                      <a:r>
+                        <a:rPr lang="en-US" sz="1000" u="none" strike="noStrike">
+                          <a:effectLst/>
+                        </a:rPr>
+                        <a:t>0</a:t>
+                      </a:r>
+                      <a:endParaRPr lang="en-US" sz="1000" b="0" i="0" u="none" strike="noStrike">
+                        <a:solidFill>
+                          <a:srgbClr val="000000"/>
+                        </a:solidFill>
+                        <a:effectLst/>
+                        <a:latin typeface="Calibri"/>
+                      </a:endParaRPr>
+                    </a:p>
+                  </a:txBody>
+                  <a:tcPr marL="6838" marR="6838" marT="6838" marB="0" anchor="ctr"/>
+                </a:tc>
+                <a:tc>
+                  <a:txBody>
+                    <a:bodyPr/>
+                    <a:lstStyle/>
+                    <a:p>
+                      <a:pPr algn="r" fontAlgn="ctr"/>
+                      <a:r>
+                        <a:rPr lang="en-US" sz="1000" u="none" strike="noStrike">
+                          <a:effectLst/>
+                        </a:rPr>
+                        <a:t>0</a:t>
+                      </a:r>
+                      <a:endParaRPr lang="en-US" sz="1000" b="0" i="0" u="none" strike="noStrike">
+                        <a:solidFill>
+                          <a:srgbClr val="000000"/>
+                        </a:solidFill>
+                        <a:effectLst/>
+                        <a:latin typeface="Calibri"/>
+                      </a:endParaRPr>
+                    </a:p>
+                  </a:txBody>
+                  <a:tcPr marL="6838" marR="6838" marT="6838" marB="0" anchor="ctr"/>
+                </a:tc>
+              </a:tr>
+              <a:tr h="173675">
+                <a:tc>
+                  <a:txBody>
+                    <a:bodyPr/>
+                    <a:lstStyle/>
+                    <a:p>
+                      <a:pPr algn="l" fontAlgn="ctr"/>
+                      <a:r>
+                        <a:rPr lang="en-US" sz="1000" u="none" strike="noStrike">
+                          <a:effectLst/>
+                        </a:rPr>
+                        <a:t>2.2.5</a:t>
+                      </a:r>
+                      <a:endParaRPr lang="en-US" sz="1000" b="0" i="0" u="none" strike="noStrike">
+                        <a:solidFill>
+                          <a:srgbClr val="000000"/>
+                        </a:solidFill>
+                        <a:effectLst/>
+                        <a:latin typeface="Calibri"/>
+                      </a:endParaRPr>
+                    </a:p>
+                  </a:txBody>
+                  <a:tcPr marL="6838" marR="6838" marT="6838" marB="0" anchor="ctr"/>
+                </a:tc>
+                <a:tc>
+                  <a:txBody>
+                    <a:bodyPr/>
+                    <a:lstStyle/>
+                    <a:p>
+                      <a:pPr algn="l" fontAlgn="ctr"/>
+                      <a:r>
+                        <a:rPr lang="en-US" sz="1000" u="none" strike="noStrike">
+                          <a:effectLst/>
+                        </a:rPr>
+                        <a:t>      Final Product</a:t>
+                      </a:r>
+                      <a:endParaRPr lang="en-US" sz="1000" b="0" i="0" u="none" strike="noStrike">
+                        <a:solidFill>
+                          <a:srgbClr val="000000"/>
+                        </a:solidFill>
+                        <a:effectLst/>
+                        <a:latin typeface="Calibri"/>
+                      </a:endParaRPr>
+                    </a:p>
+                  </a:txBody>
+                  <a:tcPr marL="6838" marR="6838" marT="6838" marB="0" anchor="ctr"/>
+                </a:tc>
+                <a:tc>
+                  <a:txBody>
+                    <a:bodyPr/>
+                    <a:lstStyle/>
+                    <a:p>
+                      <a:pPr algn="l" fontAlgn="ctr"/>
+                      <a:r>
+                        <a:rPr lang="en-US" sz="1000" u="none" strike="noStrike">
+                          <a:effectLst/>
+                        </a:rPr>
+                        <a:t>Tue 4/15/14</a:t>
+                      </a:r>
+                      <a:endParaRPr lang="en-US" sz="1000" b="0" i="0" u="none" strike="noStrike">
+                        <a:solidFill>
+                          <a:srgbClr val="000000"/>
+                        </a:solidFill>
+                        <a:effectLst/>
+                        <a:latin typeface="Calibri"/>
+                      </a:endParaRPr>
+                    </a:p>
+                  </a:txBody>
+                  <a:tcPr marL="6838" marR="6838" marT="6838" marB="0" anchor="ctr"/>
+                </a:tc>
+                <a:tc>
+                  <a:txBody>
+                    <a:bodyPr/>
+                    <a:lstStyle/>
+                    <a:p>
+                      <a:pPr algn="l" fontAlgn="ctr"/>
+                      <a:r>
+                        <a:rPr lang="en-US" sz="1000" u="none" strike="noStrike">
+                          <a:effectLst/>
+                        </a:rPr>
+                        <a:t>Tue 4/29/14</a:t>
+                      </a:r>
+                      <a:endParaRPr lang="en-US" sz="1000" b="0" i="0" u="none" strike="noStrike">
+                        <a:solidFill>
+                          <a:srgbClr val="000000"/>
+                        </a:solidFill>
+                        <a:effectLst/>
+                        <a:latin typeface="Calibri"/>
+                      </a:endParaRPr>
+                    </a:p>
+                  </a:txBody>
+                  <a:tcPr marL="6838" marR="6838" marT="6838" marB="0" anchor="ctr"/>
+                </a:tc>
+                <a:tc>
+                  <a:txBody>
+                    <a:bodyPr/>
+                    <a:lstStyle/>
+                    <a:p>
+                      <a:pPr algn="r" fontAlgn="ctr"/>
+                      <a:r>
+                        <a:rPr lang="en-US" sz="1000" u="none" strike="noStrike">
+                          <a:effectLst/>
+                        </a:rPr>
+                        <a:t>100</a:t>
+                      </a:r>
+                      <a:endParaRPr lang="en-US" sz="1000" b="0" i="0" u="none" strike="noStrike">
+                        <a:solidFill>
+                          <a:srgbClr val="000000"/>
+                        </a:solidFill>
+                        <a:effectLst/>
+                        <a:latin typeface="Calibri"/>
+                      </a:endParaRPr>
+                    </a:p>
+                  </a:txBody>
+                  <a:tcPr marL="6838" marR="6838" marT="6838" marB="0" anchor="ctr"/>
+                </a:tc>
+                <a:tc>
+                  <a:txBody>
+                    <a:bodyPr/>
+                    <a:lstStyle/>
+                    <a:p>
+                      <a:pPr algn="r" fontAlgn="ctr"/>
+                      <a:r>
+                        <a:rPr lang="en-US" sz="1000" u="none" strike="noStrike">
+                          <a:effectLst/>
+                        </a:rPr>
+                        <a:t>0</a:t>
+                      </a:r>
+                      <a:endParaRPr lang="en-US" sz="1000" b="0" i="0" u="none" strike="noStrike">
+                        <a:solidFill>
+                          <a:srgbClr val="000000"/>
+                        </a:solidFill>
+                        <a:effectLst/>
+                        <a:latin typeface="Calibri"/>
+                      </a:endParaRPr>
+                    </a:p>
+                  </a:txBody>
+                  <a:tcPr marL="6838" marR="6838" marT="6838" marB="0" anchor="ctr"/>
+                </a:tc>
+                <a:tc>
+                  <a:txBody>
+                    <a:bodyPr/>
+                    <a:lstStyle/>
+                    <a:p>
+                      <a:pPr algn="r" fontAlgn="ctr"/>
+                      <a:r>
+                        <a:rPr lang="en-US" sz="1000" u="none" strike="noStrike">
+                          <a:effectLst/>
+                        </a:rPr>
+                        <a:t>0</a:t>
+                      </a:r>
+                      <a:endParaRPr lang="en-US" sz="1000" b="0" i="0" u="none" strike="noStrike">
+                        <a:solidFill>
+                          <a:srgbClr val="000000"/>
+                        </a:solidFill>
+                        <a:effectLst/>
+                        <a:latin typeface="Calibri"/>
+                      </a:endParaRPr>
+                    </a:p>
+                  </a:txBody>
+                  <a:tcPr marL="6838" marR="6838" marT="6838" marB="0" anchor="ctr"/>
+                </a:tc>
+                <a:tc>
+                  <a:txBody>
+                    <a:bodyPr/>
+                    <a:lstStyle/>
+                    <a:p>
+                      <a:pPr algn="r" fontAlgn="ctr"/>
+                      <a:r>
+                        <a:rPr lang="en-US" sz="1000" u="none" strike="noStrike">
+                          <a:effectLst/>
+                        </a:rPr>
+                        <a:t>0</a:t>
+                      </a:r>
+                      <a:endParaRPr lang="en-US" sz="1000" b="0" i="0" u="none" strike="noStrike">
+                        <a:solidFill>
+                          <a:srgbClr val="000000"/>
+                        </a:solidFill>
+                        <a:effectLst/>
+                        <a:latin typeface="Calibri"/>
+                      </a:endParaRPr>
+                    </a:p>
+                  </a:txBody>
+                  <a:tcPr marL="6838" marR="6838" marT="6838" marB="0" anchor="ctr"/>
+                </a:tc>
+              </a:tr>
+              <a:tr h="173675">
+                <a:tc>
+                  <a:txBody>
+                    <a:bodyPr/>
+                    <a:lstStyle/>
+                    <a:p>
+                      <a:pPr algn="l" fontAlgn="ctr"/>
+                      <a:r>
+                        <a:rPr lang="en-US" sz="1000" u="none" strike="noStrike">
+                          <a:effectLst/>
+                        </a:rPr>
+                        <a:t>2.3</a:t>
+                      </a:r>
+                      <a:endParaRPr lang="en-US" sz="1000" b="0" i="0" u="none" strike="noStrike">
+                        <a:solidFill>
+                          <a:srgbClr val="000000"/>
+                        </a:solidFill>
+                        <a:effectLst/>
+                        <a:latin typeface="Calibri"/>
+                      </a:endParaRPr>
+                    </a:p>
+                  </a:txBody>
+                  <a:tcPr marL="6838" marR="6838" marT="6838" marB="0" anchor="ctr"/>
+                </a:tc>
+                <a:tc>
+                  <a:txBody>
+                    <a:bodyPr/>
+                    <a:lstStyle/>
+                    <a:p>
+                      <a:pPr algn="l" fontAlgn="ctr"/>
+                      <a:r>
+                        <a:rPr lang="en-US" sz="1000" u="none" strike="noStrike">
+                          <a:effectLst/>
+                        </a:rPr>
+                        <a:t>   Final Documetation</a:t>
+                      </a:r>
+                      <a:endParaRPr lang="en-US" sz="1000" b="0" i="0" u="none" strike="noStrike">
+                        <a:solidFill>
+                          <a:srgbClr val="000000"/>
+                        </a:solidFill>
+                        <a:effectLst/>
+                        <a:latin typeface="Calibri"/>
+                      </a:endParaRPr>
+                    </a:p>
+                  </a:txBody>
+                  <a:tcPr marL="6838" marR="6838" marT="6838" marB="0" anchor="ctr"/>
+                </a:tc>
+                <a:tc>
+                  <a:txBody>
+                    <a:bodyPr/>
+                    <a:lstStyle/>
+                    <a:p>
+                      <a:pPr algn="l" fontAlgn="ctr"/>
+                      <a:r>
+                        <a:rPr lang="en-US" sz="1000" u="none" strike="noStrike">
+                          <a:effectLst/>
+                        </a:rPr>
+                        <a:t>Tue 4/1/14</a:t>
+                      </a:r>
+                      <a:endParaRPr lang="en-US" sz="1000" b="0" i="0" u="none" strike="noStrike">
+                        <a:solidFill>
+                          <a:srgbClr val="000000"/>
+                        </a:solidFill>
+                        <a:effectLst/>
+                        <a:latin typeface="Calibri"/>
+                      </a:endParaRPr>
+                    </a:p>
+                  </a:txBody>
+                  <a:tcPr marL="6838" marR="6838" marT="6838" marB="0" anchor="ctr"/>
+                </a:tc>
+                <a:tc>
+                  <a:txBody>
+                    <a:bodyPr/>
+                    <a:lstStyle/>
+                    <a:p>
+                      <a:pPr algn="l" fontAlgn="ctr"/>
+                      <a:r>
+                        <a:rPr lang="en-US" sz="1000" u="none" strike="noStrike">
+                          <a:effectLst/>
+                        </a:rPr>
+                        <a:t>Tue 4/29/14</a:t>
+                      </a:r>
+                      <a:endParaRPr lang="en-US" sz="1000" b="0" i="0" u="none" strike="noStrike">
+                        <a:solidFill>
+                          <a:srgbClr val="000000"/>
+                        </a:solidFill>
+                        <a:effectLst/>
+                        <a:latin typeface="Calibri"/>
+                      </a:endParaRPr>
+                    </a:p>
+                  </a:txBody>
+                  <a:tcPr marL="6838" marR="6838" marT="6838" marB="0" anchor="ctr"/>
+                </a:tc>
+                <a:tc>
+                  <a:txBody>
+                    <a:bodyPr/>
+                    <a:lstStyle/>
+                    <a:p>
+                      <a:pPr algn="r" fontAlgn="ctr"/>
+                      <a:r>
+                        <a:rPr lang="en-US" sz="1000" u="none" strike="noStrike">
+                          <a:effectLst/>
+                        </a:rPr>
+                        <a:t>10</a:t>
+                      </a:r>
+                      <a:endParaRPr lang="en-US" sz="1000" b="0" i="0" u="none" strike="noStrike">
+                        <a:solidFill>
+                          <a:srgbClr val="000000"/>
+                        </a:solidFill>
+                        <a:effectLst/>
+                        <a:latin typeface="Calibri"/>
+                      </a:endParaRPr>
+                    </a:p>
+                  </a:txBody>
+                  <a:tcPr marL="6838" marR="6838" marT="6838" marB="0" anchor="ctr"/>
+                </a:tc>
+                <a:tc>
+                  <a:txBody>
+                    <a:bodyPr/>
+                    <a:lstStyle/>
+                    <a:p>
+                      <a:pPr algn="r" fontAlgn="ctr"/>
+                      <a:r>
+                        <a:rPr lang="en-US" sz="1000" u="none" strike="noStrike">
+                          <a:effectLst/>
+                        </a:rPr>
+                        <a:t>0</a:t>
+                      </a:r>
+                      <a:endParaRPr lang="en-US" sz="1000" b="0" i="0" u="none" strike="noStrike">
+                        <a:solidFill>
+                          <a:srgbClr val="000000"/>
+                        </a:solidFill>
+                        <a:effectLst/>
+                        <a:latin typeface="Calibri"/>
+                      </a:endParaRPr>
+                    </a:p>
+                  </a:txBody>
+                  <a:tcPr marL="6838" marR="6838" marT="6838" marB="0" anchor="ctr"/>
+                </a:tc>
+                <a:tc>
+                  <a:txBody>
+                    <a:bodyPr/>
+                    <a:lstStyle/>
+                    <a:p>
+                      <a:pPr algn="r" fontAlgn="ctr"/>
+                      <a:r>
+                        <a:rPr lang="en-US" sz="1000" u="none" strike="noStrike">
+                          <a:effectLst/>
+                        </a:rPr>
+                        <a:t>0</a:t>
+                      </a:r>
+                      <a:endParaRPr lang="en-US" sz="1000" b="0" i="0" u="none" strike="noStrike">
+                        <a:solidFill>
+                          <a:srgbClr val="000000"/>
+                        </a:solidFill>
+                        <a:effectLst/>
+                        <a:latin typeface="Calibri"/>
+                      </a:endParaRPr>
+                    </a:p>
+                  </a:txBody>
+                  <a:tcPr marL="6838" marR="6838" marT="6838" marB="0" anchor="ctr"/>
+                </a:tc>
+                <a:tc>
+                  <a:txBody>
+                    <a:bodyPr/>
+                    <a:lstStyle/>
+                    <a:p>
+                      <a:pPr algn="r" fontAlgn="ctr"/>
+                      <a:r>
+                        <a:rPr lang="en-US" sz="1000" u="none" strike="noStrike">
+                          <a:effectLst/>
+                        </a:rPr>
+                        <a:t>0</a:t>
+                      </a:r>
+                      <a:endParaRPr lang="en-US" sz="1000" b="0" i="0" u="none" strike="noStrike">
+                        <a:solidFill>
+                          <a:srgbClr val="000000"/>
+                        </a:solidFill>
+                        <a:effectLst/>
+                        <a:latin typeface="Calibri"/>
+                      </a:endParaRPr>
+                    </a:p>
+                  </a:txBody>
+                  <a:tcPr marL="6838" marR="6838" marT="6838" marB="0" anchor="ctr"/>
+                </a:tc>
+              </a:tr>
+              <a:tr h="173675">
+                <a:tc>
+                  <a:txBody>
+                    <a:bodyPr/>
+                    <a:lstStyle/>
+                    <a:p>
+                      <a:pPr algn="l" fontAlgn="ctr"/>
+                      <a:r>
+                        <a:rPr lang="en-US" sz="1000" u="none" strike="noStrike">
+                          <a:effectLst/>
+                        </a:rPr>
+                        <a:t>2.4</a:t>
+                      </a:r>
+                      <a:endParaRPr lang="en-US" sz="1000" b="1" i="0" u="none" strike="noStrike">
+                        <a:solidFill>
+                          <a:srgbClr val="000000"/>
+                        </a:solidFill>
+                        <a:effectLst/>
+                        <a:latin typeface="Calibri"/>
+                      </a:endParaRPr>
+                    </a:p>
+                  </a:txBody>
+                  <a:tcPr marL="6838" marR="6838" marT="6838" marB="0" anchor="ctr"/>
+                </a:tc>
+                <a:tc>
+                  <a:txBody>
+                    <a:bodyPr/>
+                    <a:lstStyle/>
+                    <a:p>
+                      <a:pPr algn="l" fontAlgn="ctr"/>
+                      <a:r>
+                        <a:rPr lang="en-US" sz="1000" u="none" strike="noStrike">
+                          <a:effectLst/>
+                        </a:rPr>
+                        <a:t>   Architecture Design Version 2.1</a:t>
+                      </a:r>
+                      <a:endParaRPr lang="en-US" sz="1000" b="1" i="0" u="none" strike="noStrike">
+                        <a:solidFill>
+                          <a:srgbClr val="000000"/>
+                        </a:solidFill>
+                        <a:effectLst/>
+                        <a:latin typeface="Calibri"/>
+                      </a:endParaRPr>
+                    </a:p>
+                  </a:txBody>
+                  <a:tcPr marL="6838" marR="6838" marT="6838" marB="0" anchor="ctr"/>
+                </a:tc>
+                <a:tc>
+                  <a:txBody>
+                    <a:bodyPr/>
+                    <a:lstStyle/>
+                    <a:p>
+                      <a:pPr algn="l" fontAlgn="ctr"/>
+                      <a:r>
+                        <a:rPr lang="en-US" sz="1000" u="none" strike="noStrike">
+                          <a:effectLst/>
+                        </a:rPr>
+                        <a:t>Tue 1/21/14</a:t>
+                      </a:r>
+                      <a:endParaRPr lang="en-US" sz="1000" b="1" i="0" u="none" strike="noStrike">
+                        <a:solidFill>
+                          <a:srgbClr val="000000"/>
+                        </a:solidFill>
+                        <a:effectLst/>
+                        <a:latin typeface="Calibri"/>
+                      </a:endParaRPr>
+                    </a:p>
+                  </a:txBody>
+                  <a:tcPr marL="6838" marR="6838" marT="6838" marB="0" anchor="ctr"/>
+                </a:tc>
+                <a:tc>
+                  <a:txBody>
+                    <a:bodyPr/>
+                    <a:lstStyle/>
+                    <a:p>
+                      <a:pPr algn="l" fontAlgn="ctr"/>
+                      <a:r>
+                        <a:rPr lang="en-US" sz="1000" u="none" strike="noStrike">
+                          <a:effectLst/>
+                        </a:rPr>
+                        <a:t>Fri 2/21/14</a:t>
+                      </a:r>
+                      <a:endParaRPr lang="en-US" sz="1000" b="1" i="0" u="none" strike="noStrike">
+                        <a:solidFill>
+                          <a:srgbClr val="000000"/>
+                        </a:solidFill>
+                        <a:effectLst/>
+                        <a:latin typeface="Calibri"/>
+                      </a:endParaRPr>
+                    </a:p>
+                  </a:txBody>
+                  <a:tcPr marL="6838" marR="6838" marT="6838" marB="0" anchor="ctr"/>
+                </a:tc>
+                <a:tc>
+                  <a:txBody>
+                    <a:bodyPr/>
+                    <a:lstStyle/>
+                    <a:p>
+                      <a:pPr algn="r" fontAlgn="ctr"/>
+                      <a:r>
+                        <a:rPr lang="en-US" sz="1000" u="none" strike="noStrike">
+                          <a:effectLst/>
+                        </a:rPr>
+                        <a:t>10</a:t>
+                      </a:r>
+                      <a:endParaRPr lang="en-US" sz="1000" b="1" i="0" u="none" strike="noStrike">
+                        <a:solidFill>
+                          <a:srgbClr val="000000"/>
+                        </a:solidFill>
+                        <a:effectLst/>
+                        <a:latin typeface="Calibri"/>
+                      </a:endParaRPr>
+                    </a:p>
+                  </a:txBody>
+                  <a:tcPr marL="6838" marR="6838" marT="6838" marB="0" anchor="ctr"/>
+                </a:tc>
+                <a:tc>
+                  <a:txBody>
+                    <a:bodyPr/>
+                    <a:lstStyle/>
+                    <a:p>
+                      <a:pPr algn="r" fontAlgn="ctr"/>
+                      <a:r>
+                        <a:rPr lang="en-US" sz="1000" u="none" strike="noStrike">
+                          <a:effectLst/>
+                        </a:rPr>
+                        <a:t>4</a:t>
+                      </a:r>
+                      <a:endParaRPr lang="en-US" sz="1000" b="1" i="0" u="none" strike="noStrike">
+                        <a:solidFill>
+                          <a:srgbClr val="000000"/>
+                        </a:solidFill>
+                        <a:effectLst/>
+                        <a:latin typeface="Calibri"/>
+                      </a:endParaRPr>
+                    </a:p>
+                  </a:txBody>
+                  <a:tcPr marL="6838" marR="6838" marT="6838" marB="0" anchor="ctr"/>
+                </a:tc>
+                <a:tc>
+                  <a:txBody>
+                    <a:bodyPr/>
+                    <a:lstStyle/>
+                    <a:p>
+                      <a:pPr algn="r" fontAlgn="ctr"/>
+                      <a:r>
+                        <a:rPr lang="en-US" sz="1000" u="none" strike="noStrike">
+                          <a:effectLst/>
+                        </a:rPr>
+                        <a:t>60</a:t>
+                      </a:r>
+                      <a:endParaRPr lang="en-US" sz="1000" b="1" i="0" u="none" strike="noStrike">
+                        <a:solidFill>
+                          <a:srgbClr val="000000"/>
+                        </a:solidFill>
+                        <a:effectLst/>
+                        <a:latin typeface="Calibri"/>
+                      </a:endParaRPr>
+                    </a:p>
+                  </a:txBody>
+                  <a:tcPr marL="6838" marR="6838" marT="6838" marB="0" anchor="ctr"/>
+                </a:tc>
+                <a:tc>
+                  <a:txBody>
+                    <a:bodyPr/>
+                    <a:lstStyle/>
+                    <a:p>
+                      <a:pPr algn="r" fontAlgn="ctr"/>
+                      <a:r>
+                        <a:rPr lang="en-US" sz="1000" u="none" strike="noStrike">
+                          <a:effectLst/>
+                        </a:rPr>
+                        <a:t>6</a:t>
+                      </a:r>
+                      <a:endParaRPr lang="en-US" sz="1000" b="1" i="0" u="none" strike="noStrike">
+                        <a:solidFill>
+                          <a:srgbClr val="000000"/>
+                        </a:solidFill>
+                        <a:effectLst/>
+                        <a:latin typeface="Calibri"/>
+                      </a:endParaRPr>
+                    </a:p>
+                  </a:txBody>
+                  <a:tcPr marL="6838" marR="6838" marT="6838" marB="0" anchor="ctr"/>
+                </a:tc>
+              </a:tr>
+              <a:tr h="173675">
+                <a:tc>
+                  <a:txBody>
+                    <a:bodyPr/>
+                    <a:lstStyle/>
+                    <a:p>
+                      <a:pPr algn="l" fontAlgn="ctr"/>
+                      <a:r>
+                        <a:rPr lang="en-US" sz="1000" u="none" strike="noStrike">
+                          <a:effectLst/>
+                        </a:rPr>
+                        <a:t>2.4.1</a:t>
+                      </a:r>
+                      <a:endParaRPr lang="en-US" sz="1000" b="0" i="0" u="none" strike="noStrike">
+                        <a:solidFill>
+                          <a:srgbClr val="000000"/>
+                        </a:solidFill>
+                        <a:effectLst/>
+                        <a:latin typeface="Calibri"/>
+                      </a:endParaRPr>
+                    </a:p>
+                  </a:txBody>
+                  <a:tcPr marL="6838" marR="6838" marT="6838" marB="0" anchor="ctr"/>
+                </a:tc>
+                <a:tc>
+                  <a:txBody>
+                    <a:bodyPr/>
+                    <a:lstStyle/>
+                    <a:p>
+                      <a:pPr algn="l" fontAlgn="ctr"/>
+                      <a:r>
+                        <a:rPr lang="en-US" sz="1000" u="none" strike="noStrike">
+                          <a:effectLst/>
+                        </a:rPr>
+                        <a:t>      Modify Drawings</a:t>
+                      </a:r>
+                      <a:endParaRPr lang="en-US" sz="1000" b="0" i="0" u="none" strike="noStrike">
+                        <a:solidFill>
+                          <a:srgbClr val="000000"/>
+                        </a:solidFill>
+                        <a:effectLst/>
+                        <a:latin typeface="Calibri"/>
+                      </a:endParaRPr>
+                    </a:p>
+                  </a:txBody>
+                  <a:tcPr marL="6838" marR="6838" marT="6838" marB="0" anchor="ctr"/>
+                </a:tc>
+                <a:tc>
+                  <a:txBody>
+                    <a:bodyPr/>
+                    <a:lstStyle/>
+                    <a:p>
+                      <a:pPr algn="l" fontAlgn="ctr"/>
+                      <a:r>
+                        <a:rPr lang="en-US" sz="1000" u="none" strike="noStrike">
+                          <a:effectLst/>
+                        </a:rPr>
+                        <a:t>Tue 1/21/14</a:t>
+                      </a:r>
+                      <a:endParaRPr lang="en-US" sz="1000" b="0" i="0" u="none" strike="noStrike">
+                        <a:solidFill>
+                          <a:srgbClr val="000000"/>
+                        </a:solidFill>
+                        <a:effectLst/>
+                        <a:latin typeface="Calibri"/>
+                      </a:endParaRPr>
+                    </a:p>
+                  </a:txBody>
+                  <a:tcPr marL="6838" marR="6838" marT="6838" marB="0" anchor="ctr"/>
+                </a:tc>
+                <a:tc>
+                  <a:txBody>
+                    <a:bodyPr/>
+                    <a:lstStyle/>
+                    <a:p>
+                      <a:pPr algn="l" fontAlgn="ctr"/>
+                      <a:r>
+                        <a:rPr lang="en-US" sz="1000" u="none" strike="noStrike">
+                          <a:effectLst/>
+                        </a:rPr>
+                        <a:t>Fri 2/21/14</a:t>
+                      </a:r>
+                      <a:endParaRPr lang="en-US" sz="1000" b="0" i="0" u="none" strike="noStrike">
+                        <a:solidFill>
+                          <a:srgbClr val="000000"/>
+                        </a:solidFill>
+                        <a:effectLst/>
+                        <a:latin typeface="Calibri"/>
+                      </a:endParaRPr>
+                    </a:p>
+                  </a:txBody>
+                  <a:tcPr marL="6838" marR="6838" marT="6838" marB="0" anchor="ctr"/>
+                </a:tc>
+                <a:tc>
+                  <a:txBody>
+                    <a:bodyPr/>
+                    <a:lstStyle/>
+                    <a:p>
+                      <a:pPr algn="r" fontAlgn="ctr"/>
+                      <a:r>
+                        <a:rPr lang="en-US" sz="1000" u="none" strike="noStrike">
+                          <a:effectLst/>
+                        </a:rPr>
+                        <a:t>2</a:t>
+                      </a:r>
+                      <a:endParaRPr lang="en-US" sz="1000" b="0" i="0" u="none" strike="noStrike">
+                        <a:solidFill>
+                          <a:srgbClr val="000000"/>
+                        </a:solidFill>
+                        <a:effectLst/>
+                        <a:latin typeface="Calibri"/>
+                      </a:endParaRPr>
+                    </a:p>
+                  </a:txBody>
+                  <a:tcPr marL="6838" marR="6838" marT="6838" marB="0" anchor="ctr"/>
+                </a:tc>
+                <a:tc>
+                  <a:txBody>
+                    <a:bodyPr/>
+                    <a:lstStyle/>
+                    <a:p>
+                      <a:pPr algn="r" fontAlgn="ctr"/>
+                      <a:r>
+                        <a:rPr lang="en-US" sz="1000" u="none" strike="noStrike">
+                          <a:effectLst/>
+                        </a:rPr>
+                        <a:t>2</a:t>
+                      </a:r>
+                      <a:endParaRPr lang="en-US" sz="1000" b="0" i="0" u="none" strike="noStrike">
+                        <a:solidFill>
+                          <a:srgbClr val="000000"/>
+                        </a:solidFill>
+                        <a:effectLst/>
+                        <a:latin typeface="Calibri"/>
+                      </a:endParaRPr>
+                    </a:p>
+                  </a:txBody>
+                  <a:tcPr marL="6838" marR="6838" marT="6838" marB="0" anchor="ctr"/>
+                </a:tc>
+                <a:tc>
+                  <a:txBody>
+                    <a:bodyPr/>
+                    <a:lstStyle/>
+                    <a:p>
+                      <a:pPr algn="r" fontAlgn="ctr"/>
+                      <a:r>
+                        <a:rPr lang="en-US" sz="1000" u="none" strike="noStrike">
+                          <a:effectLst/>
+                        </a:rPr>
+                        <a:t>100</a:t>
+                      </a:r>
+                      <a:endParaRPr lang="en-US" sz="1000" b="0" i="0" u="none" strike="noStrike">
+                        <a:solidFill>
+                          <a:srgbClr val="000000"/>
+                        </a:solidFill>
+                        <a:effectLst/>
+                        <a:latin typeface="Calibri"/>
+                      </a:endParaRPr>
+                    </a:p>
+                  </a:txBody>
+                  <a:tcPr marL="6838" marR="6838" marT="6838" marB="0" anchor="ctr"/>
+                </a:tc>
+                <a:tc>
+                  <a:txBody>
+                    <a:bodyPr/>
+                    <a:lstStyle/>
+                    <a:p>
+                      <a:pPr algn="r" fontAlgn="ctr"/>
+                      <a:r>
+                        <a:rPr lang="en-US" sz="1000" u="none" strike="noStrike">
+                          <a:effectLst/>
+                        </a:rPr>
+                        <a:t>2</a:t>
+                      </a:r>
+                      <a:endParaRPr lang="en-US" sz="1000" b="0" i="0" u="none" strike="noStrike">
+                        <a:solidFill>
+                          <a:srgbClr val="000000"/>
+                        </a:solidFill>
+                        <a:effectLst/>
+                        <a:latin typeface="Calibri"/>
+                      </a:endParaRPr>
+                    </a:p>
+                  </a:txBody>
+                  <a:tcPr marL="6838" marR="6838" marT="6838" marB="0" anchor="ctr"/>
+                </a:tc>
+              </a:tr>
+              <a:tr h="173675">
+                <a:tc>
+                  <a:txBody>
+                    <a:bodyPr/>
+                    <a:lstStyle/>
+                    <a:p>
+                      <a:pPr algn="l" fontAlgn="ctr"/>
+                      <a:r>
+                        <a:rPr lang="en-US" sz="1000" u="none" strike="noStrike">
+                          <a:effectLst/>
+                        </a:rPr>
+                        <a:t>2.4.2</a:t>
+                      </a:r>
+                      <a:endParaRPr lang="en-US" sz="1000" b="0" i="0" u="none" strike="noStrike">
+                        <a:solidFill>
+                          <a:srgbClr val="000000"/>
+                        </a:solidFill>
+                        <a:effectLst/>
+                        <a:latin typeface="Calibri"/>
+                      </a:endParaRPr>
+                    </a:p>
+                  </a:txBody>
+                  <a:tcPr marL="6838" marR="6838" marT="6838" marB="0" anchor="ctr"/>
+                </a:tc>
+                <a:tc>
+                  <a:txBody>
+                    <a:bodyPr/>
+                    <a:lstStyle/>
+                    <a:p>
+                      <a:pPr algn="l" fontAlgn="ctr"/>
+                      <a:r>
+                        <a:rPr lang="en-US" sz="1000" u="none" strike="noStrike">
+                          <a:effectLst/>
+                        </a:rPr>
+                        <a:t>      Fix Physical Layer(Printer Control Layer)</a:t>
+                      </a:r>
+                      <a:endParaRPr lang="en-US" sz="1000" b="0" i="0" u="none" strike="noStrike">
+                        <a:solidFill>
+                          <a:srgbClr val="000000"/>
+                        </a:solidFill>
+                        <a:effectLst/>
+                        <a:latin typeface="Calibri"/>
+                      </a:endParaRPr>
+                    </a:p>
+                  </a:txBody>
+                  <a:tcPr marL="6838" marR="6838" marT="6838" marB="0" anchor="ctr"/>
+                </a:tc>
+                <a:tc>
+                  <a:txBody>
+                    <a:bodyPr/>
+                    <a:lstStyle/>
+                    <a:p>
+                      <a:pPr algn="l" fontAlgn="ctr"/>
+                      <a:r>
+                        <a:rPr lang="en-US" sz="1000" u="none" strike="noStrike">
+                          <a:effectLst/>
+                        </a:rPr>
+                        <a:t>Tue 1/21/14</a:t>
+                      </a:r>
+                      <a:endParaRPr lang="en-US" sz="1000" b="0" i="0" u="none" strike="noStrike">
+                        <a:solidFill>
+                          <a:srgbClr val="000000"/>
+                        </a:solidFill>
+                        <a:effectLst/>
+                        <a:latin typeface="Calibri"/>
+                      </a:endParaRPr>
+                    </a:p>
+                  </a:txBody>
+                  <a:tcPr marL="6838" marR="6838" marT="6838" marB="0" anchor="ctr"/>
+                </a:tc>
+                <a:tc>
+                  <a:txBody>
+                    <a:bodyPr/>
+                    <a:lstStyle/>
+                    <a:p>
+                      <a:pPr algn="l" fontAlgn="ctr"/>
+                      <a:r>
+                        <a:rPr lang="en-US" sz="1000" u="none" strike="noStrike">
+                          <a:effectLst/>
+                        </a:rPr>
+                        <a:t>Fri 2/21/14</a:t>
+                      </a:r>
+                      <a:endParaRPr lang="en-US" sz="1000" b="0" i="0" u="none" strike="noStrike">
+                        <a:solidFill>
+                          <a:srgbClr val="000000"/>
+                        </a:solidFill>
+                        <a:effectLst/>
+                        <a:latin typeface="Calibri"/>
+                      </a:endParaRPr>
+                    </a:p>
+                  </a:txBody>
+                  <a:tcPr marL="6838" marR="6838" marT="6838" marB="0" anchor="ctr"/>
+                </a:tc>
+                <a:tc>
+                  <a:txBody>
+                    <a:bodyPr/>
+                    <a:lstStyle/>
+                    <a:p>
+                      <a:pPr algn="r" fontAlgn="ctr"/>
+                      <a:r>
+                        <a:rPr lang="en-US" sz="1000" u="none" strike="noStrike">
+                          <a:effectLst/>
+                        </a:rPr>
+                        <a:t>2</a:t>
+                      </a:r>
+                      <a:endParaRPr lang="en-US" sz="1000" b="0" i="0" u="none" strike="noStrike">
+                        <a:solidFill>
+                          <a:srgbClr val="000000"/>
+                        </a:solidFill>
+                        <a:effectLst/>
+                        <a:latin typeface="Calibri"/>
+                      </a:endParaRPr>
+                    </a:p>
+                  </a:txBody>
+                  <a:tcPr marL="6838" marR="6838" marT="6838" marB="0" anchor="ctr"/>
+                </a:tc>
+                <a:tc>
+                  <a:txBody>
+                    <a:bodyPr/>
+                    <a:lstStyle/>
+                    <a:p>
+                      <a:pPr algn="r" fontAlgn="ctr"/>
+                      <a:r>
+                        <a:rPr lang="en-US" sz="1000" u="none" strike="noStrike">
+                          <a:effectLst/>
+                        </a:rPr>
+                        <a:t>1</a:t>
+                      </a:r>
+                      <a:endParaRPr lang="en-US" sz="1000" b="0" i="0" u="none" strike="noStrike">
+                        <a:solidFill>
+                          <a:srgbClr val="000000"/>
+                        </a:solidFill>
+                        <a:effectLst/>
+                        <a:latin typeface="Calibri"/>
+                      </a:endParaRPr>
+                    </a:p>
+                  </a:txBody>
+                  <a:tcPr marL="6838" marR="6838" marT="6838" marB="0" anchor="ctr"/>
+                </a:tc>
+                <a:tc>
+                  <a:txBody>
+                    <a:bodyPr/>
+                    <a:lstStyle/>
+                    <a:p>
+                      <a:pPr algn="r" fontAlgn="ctr"/>
+                      <a:r>
+                        <a:rPr lang="en-US" sz="1000" u="none" strike="noStrike">
+                          <a:effectLst/>
+                        </a:rPr>
+                        <a:t>100</a:t>
+                      </a:r>
+                      <a:endParaRPr lang="en-US" sz="1000" b="0" i="0" u="none" strike="noStrike">
+                        <a:solidFill>
+                          <a:srgbClr val="000000"/>
+                        </a:solidFill>
+                        <a:effectLst/>
+                        <a:latin typeface="Calibri"/>
+                      </a:endParaRPr>
+                    </a:p>
+                  </a:txBody>
+                  <a:tcPr marL="6838" marR="6838" marT="6838" marB="0" anchor="ctr"/>
+                </a:tc>
+                <a:tc>
+                  <a:txBody>
+                    <a:bodyPr/>
+                    <a:lstStyle/>
+                    <a:p>
+                      <a:pPr algn="r" fontAlgn="ctr"/>
+                      <a:r>
+                        <a:rPr lang="en-US" sz="1000" u="none" strike="noStrike">
+                          <a:effectLst/>
+                        </a:rPr>
+                        <a:t>2</a:t>
+                      </a:r>
+                      <a:endParaRPr lang="en-US" sz="1000" b="0" i="0" u="none" strike="noStrike">
+                        <a:solidFill>
+                          <a:srgbClr val="000000"/>
+                        </a:solidFill>
+                        <a:effectLst/>
+                        <a:latin typeface="Calibri"/>
+                      </a:endParaRPr>
+                    </a:p>
+                  </a:txBody>
+                  <a:tcPr marL="6838" marR="6838" marT="6838" marB="0" anchor="ctr"/>
+                </a:tc>
+              </a:tr>
+              <a:tr h="173675">
+                <a:tc>
+                  <a:txBody>
+                    <a:bodyPr/>
+                    <a:lstStyle/>
+                    <a:p>
+                      <a:pPr algn="l" fontAlgn="ctr"/>
+                      <a:r>
+                        <a:rPr lang="en-US" sz="1000" u="none" strike="noStrike">
+                          <a:effectLst/>
+                        </a:rPr>
+                        <a:t>2.4.3</a:t>
+                      </a:r>
+                      <a:endParaRPr lang="en-US" sz="1000" b="0" i="0" u="none" strike="noStrike">
+                        <a:solidFill>
+                          <a:srgbClr val="000000"/>
+                        </a:solidFill>
+                        <a:effectLst/>
+                        <a:latin typeface="Calibri"/>
+                      </a:endParaRPr>
+                    </a:p>
+                  </a:txBody>
+                  <a:tcPr marL="6838" marR="6838" marT="6838" marB="0" anchor="ctr"/>
+                </a:tc>
+                <a:tc>
+                  <a:txBody>
+                    <a:bodyPr/>
+                    <a:lstStyle/>
+                    <a:p>
+                      <a:pPr algn="l" fontAlgn="ctr"/>
+                      <a:r>
+                        <a:rPr lang="en-US" sz="1000" u="none" strike="noStrike">
+                          <a:effectLst/>
+                        </a:rPr>
+                        <a:t>      Add Communications Layer</a:t>
+                      </a:r>
+                      <a:endParaRPr lang="en-US" sz="1000" b="0" i="0" u="none" strike="noStrike">
+                        <a:solidFill>
+                          <a:srgbClr val="000000"/>
+                        </a:solidFill>
+                        <a:effectLst/>
+                        <a:latin typeface="Calibri"/>
+                      </a:endParaRPr>
+                    </a:p>
+                  </a:txBody>
+                  <a:tcPr marL="6838" marR="6838" marT="6838" marB="0" anchor="ctr"/>
+                </a:tc>
+                <a:tc>
+                  <a:txBody>
+                    <a:bodyPr/>
+                    <a:lstStyle/>
+                    <a:p>
+                      <a:pPr algn="l" fontAlgn="ctr"/>
+                      <a:r>
+                        <a:rPr lang="en-US" sz="1000" u="none" strike="noStrike">
+                          <a:effectLst/>
+                        </a:rPr>
+                        <a:t>Tue 1/21/14</a:t>
+                      </a:r>
+                      <a:endParaRPr lang="en-US" sz="1000" b="0" i="0" u="none" strike="noStrike">
+                        <a:solidFill>
+                          <a:srgbClr val="000000"/>
+                        </a:solidFill>
+                        <a:effectLst/>
+                        <a:latin typeface="Calibri"/>
+                      </a:endParaRPr>
+                    </a:p>
+                  </a:txBody>
+                  <a:tcPr marL="6838" marR="6838" marT="6838" marB="0" anchor="ctr"/>
+                </a:tc>
+                <a:tc>
+                  <a:txBody>
+                    <a:bodyPr/>
+                    <a:lstStyle/>
+                    <a:p>
+                      <a:pPr algn="l" fontAlgn="ctr"/>
+                      <a:r>
+                        <a:rPr lang="en-US" sz="1000" u="none" strike="noStrike">
+                          <a:effectLst/>
+                        </a:rPr>
+                        <a:t>Fri 2/21/14</a:t>
+                      </a:r>
+                      <a:endParaRPr lang="en-US" sz="1000" b="0" i="0" u="none" strike="noStrike">
+                        <a:solidFill>
+                          <a:srgbClr val="000000"/>
+                        </a:solidFill>
+                        <a:effectLst/>
+                        <a:latin typeface="Calibri"/>
+                      </a:endParaRPr>
+                    </a:p>
+                  </a:txBody>
+                  <a:tcPr marL="6838" marR="6838" marT="6838" marB="0" anchor="ctr"/>
+                </a:tc>
+                <a:tc>
+                  <a:txBody>
+                    <a:bodyPr/>
+                    <a:lstStyle/>
+                    <a:p>
+                      <a:pPr algn="r" fontAlgn="ctr"/>
+                      <a:r>
+                        <a:rPr lang="en-US" sz="1000" u="none" strike="noStrike">
+                          <a:effectLst/>
+                        </a:rPr>
+                        <a:t>2</a:t>
+                      </a:r>
+                      <a:endParaRPr lang="en-US" sz="1000" b="0" i="0" u="none" strike="noStrike">
+                        <a:solidFill>
+                          <a:srgbClr val="000000"/>
+                        </a:solidFill>
+                        <a:effectLst/>
+                        <a:latin typeface="Calibri"/>
+                      </a:endParaRPr>
+                    </a:p>
+                  </a:txBody>
+                  <a:tcPr marL="6838" marR="6838" marT="6838" marB="0" anchor="ctr"/>
+                </a:tc>
+                <a:tc>
+                  <a:txBody>
+                    <a:bodyPr/>
+                    <a:lstStyle/>
+                    <a:p>
+                      <a:pPr algn="r" fontAlgn="ctr"/>
+                      <a:r>
+                        <a:rPr lang="en-US" sz="1000" u="none" strike="noStrike">
+                          <a:effectLst/>
+                        </a:rPr>
+                        <a:t>1</a:t>
+                      </a:r>
+                      <a:endParaRPr lang="en-US" sz="1000" b="0" i="0" u="none" strike="noStrike">
+                        <a:solidFill>
+                          <a:srgbClr val="000000"/>
+                        </a:solidFill>
+                        <a:effectLst/>
+                        <a:latin typeface="Calibri"/>
+                      </a:endParaRPr>
+                    </a:p>
+                  </a:txBody>
+                  <a:tcPr marL="6838" marR="6838" marT="6838" marB="0" anchor="ctr"/>
+                </a:tc>
+                <a:tc>
+                  <a:txBody>
+                    <a:bodyPr/>
+                    <a:lstStyle/>
+                    <a:p>
+                      <a:pPr algn="r" fontAlgn="ctr"/>
+                      <a:r>
+                        <a:rPr lang="en-US" sz="1000" u="none" strike="noStrike">
+                          <a:effectLst/>
+                        </a:rPr>
+                        <a:t>100</a:t>
+                      </a:r>
+                      <a:endParaRPr lang="en-US" sz="1000" b="0" i="0" u="none" strike="noStrike">
+                        <a:solidFill>
+                          <a:srgbClr val="000000"/>
+                        </a:solidFill>
+                        <a:effectLst/>
+                        <a:latin typeface="Calibri"/>
+                      </a:endParaRPr>
+                    </a:p>
+                  </a:txBody>
+                  <a:tcPr marL="6838" marR="6838" marT="6838" marB="0" anchor="ctr"/>
+                </a:tc>
+                <a:tc>
+                  <a:txBody>
+                    <a:bodyPr/>
+                    <a:lstStyle/>
+                    <a:p>
+                      <a:pPr algn="r" fontAlgn="ctr"/>
+                      <a:r>
+                        <a:rPr lang="en-US" sz="1000" u="none" strike="noStrike">
+                          <a:effectLst/>
+                        </a:rPr>
+                        <a:t>2</a:t>
+                      </a:r>
+                      <a:endParaRPr lang="en-US" sz="1000" b="0" i="0" u="none" strike="noStrike">
+                        <a:solidFill>
+                          <a:srgbClr val="000000"/>
+                        </a:solidFill>
+                        <a:effectLst/>
+                        <a:latin typeface="Calibri"/>
+                      </a:endParaRPr>
+                    </a:p>
+                  </a:txBody>
+                  <a:tcPr marL="6838" marR="6838" marT="6838" marB="0" anchor="ctr"/>
+                </a:tc>
+              </a:tr>
+              <a:tr h="173675">
+                <a:tc>
+                  <a:txBody>
+                    <a:bodyPr/>
+                    <a:lstStyle/>
+                    <a:p>
+                      <a:pPr algn="l" fontAlgn="ctr"/>
+                      <a:r>
+                        <a:rPr lang="en-US" sz="1000" u="none" strike="noStrike">
+                          <a:effectLst/>
+                        </a:rPr>
+                        <a:t>2.4.4</a:t>
+                      </a:r>
+                      <a:endParaRPr lang="en-US" sz="1000" b="0" i="0" u="none" strike="noStrike">
+                        <a:solidFill>
+                          <a:srgbClr val="000000"/>
+                        </a:solidFill>
+                        <a:effectLst/>
+                        <a:latin typeface="Calibri"/>
+                      </a:endParaRPr>
+                    </a:p>
+                  </a:txBody>
+                  <a:tcPr marL="6838" marR="6838" marT="6838" marB="0" anchor="ctr"/>
+                </a:tc>
+                <a:tc>
+                  <a:txBody>
+                    <a:bodyPr/>
+                    <a:lstStyle/>
+                    <a:p>
+                      <a:pPr algn="l" fontAlgn="ctr"/>
+                      <a:r>
+                        <a:rPr lang="en-US" sz="1000" u="none" strike="noStrike">
+                          <a:effectLst/>
+                        </a:rPr>
+                        <a:t>      Team Reviews</a:t>
+                      </a:r>
+                      <a:endParaRPr lang="en-US" sz="1000" b="0" i="0" u="none" strike="noStrike">
+                        <a:solidFill>
+                          <a:srgbClr val="000000"/>
+                        </a:solidFill>
+                        <a:effectLst/>
+                        <a:latin typeface="Calibri"/>
+                      </a:endParaRPr>
+                    </a:p>
+                  </a:txBody>
+                  <a:tcPr marL="6838" marR="6838" marT="6838" marB="0" anchor="ctr"/>
+                </a:tc>
+                <a:tc>
+                  <a:txBody>
+                    <a:bodyPr/>
+                    <a:lstStyle/>
+                    <a:p>
+                      <a:pPr algn="l" fontAlgn="ctr"/>
+                      <a:r>
+                        <a:rPr lang="en-US" sz="1000" u="none" strike="noStrike">
+                          <a:effectLst/>
+                        </a:rPr>
+                        <a:t>Fri 2/21/14</a:t>
+                      </a:r>
+                      <a:endParaRPr lang="en-US" sz="1000" b="0" i="0" u="none" strike="noStrike">
+                        <a:solidFill>
+                          <a:srgbClr val="000000"/>
+                        </a:solidFill>
+                        <a:effectLst/>
+                        <a:latin typeface="Calibri"/>
+                      </a:endParaRPr>
+                    </a:p>
+                  </a:txBody>
+                  <a:tcPr marL="6838" marR="6838" marT="6838" marB="0" anchor="ctr"/>
+                </a:tc>
+                <a:tc>
+                  <a:txBody>
+                    <a:bodyPr/>
+                    <a:lstStyle/>
+                    <a:p>
+                      <a:pPr algn="l" fontAlgn="ctr"/>
+                      <a:r>
+                        <a:rPr lang="en-US" sz="1000" u="none" strike="noStrike">
+                          <a:effectLst/>
+                        </a:rPr>
+                        <a:t>Fri 2/21/14</a:t>
+                      </a:r>
+                      <a:endParaRPr lang="en-US" sz="1000" b="0" i="0" u="none" strike="noStrike">
+                        <a:solidFill>
+                          <a:srgbClr val="000000"/>
+                        </a:solidFill>
+                        <a:effectLst/>
+                        <a:latin typeface="Calibri"/>
+                      </a:endParaRPr>
+                    </a:p>
+                  </a:txBody>
+                  <a:tcPr marL="6838" marR="6838" marT="6838" marB="0" anchor="ctr"/>
+                </a:tc>
+                <a:tc>
+                  <a:txBody>
+                    <a:bodyPr/>
+                    <a:lstStyle/>
+                    <a:p>
+                      <a:pPr algn="r" fontAlgn="ctr"/>
+                      <a:r>
+                        <a:rPr lang="en-US" sz="1000" u="none" strike="noStrike">
+                          <a:effectLst/>
+                        </a:rPr>
+                        <a:t>4</a:t>
+                      </a:r>
+                      <a:endParaRPr lang="en-US" sz="1000" b="0" i="0" u="none" strike="noStrike">
+                        <a:solidFill>
+                          <a:srgbClr val="000000"/>
+                        </a:solidFill>
+                        <a:effectLst/>
+                        <a:latin typeface="Calibri"/>
+                      </a:endParaRPr>
+                    </a:p>
+                  </a:txBody>
+                  <a:tcPr marL="6838" marR="6838" marT="6838" marB="0" anchor="ctr"/>
+                </a:tc>
+                <a:tc>
+                  <a:txBody>
+                    <a:bodyPr/>
+                    <a:lstStyle/>
+                    <a:p>
+                      <a:pPr algn="r" fontAlgn="ctr"/>
+                      <a:r>
+                        <a:rPr lang="en-US" sz="1000" u="none" strike="noStrike">
+                          <a:effectLst/>
+                        </a:rPr>
+                        <a:t>0</a:t>
+                      </a:r>
+                      <a:endParaRPr lang="en-US" sz="1000" b="0" i="0" u="none" strike="noStrike">
+                        <a:solidFill>
+                          <a:srgbClr val="000000"/>
+                        </a:solidFill>
+                        <a:effectLst/>
+                        <a:latin typeface="Calibri"/>
+                      </a:endParaRPr>
+                    </a:p>
+                  </a:txBody>
+                  <a:tcPr marL="6838" marR="6838" marT="6838" marB="0" anchor="ctr"/>
+                </a:tc>
+                <a:tc>
+                  <a:txBody>
+                    <a:bodyPr/>
+                    <a:lstStyle/>
+                    <a:p>
+                      <a:pPr algn="r" fontAlgn="ctr"/>
+                      <a:r>
+                        <a:rPr lang="en-US" sz="1000" u="none" strike="noStrike">
+                          <a:effectLst/>
+                        </a:rPr>
+                        <a:t>0</a:t>
+                      </a:r>
+                      <a:endParaRPr lang="en-US" sz="1000" b="0" i="0" u="none" strike="noStrike">
+                        <a:solidFill>
+                          <a:srgbClr val="000000"/>
+                        </a:solidFill>
+                        <a:effectLst/>
+                        <a:latin typeface="Calibri"/>
+                      </a:endParaRPr>
+                    </a:p>
+                  </a:txBody>
+                  <a:tcPr marL="6838" marR="6838" marT="6838" marB="0" anchor="ctr"/>
+                </a:tc>
+                <a:tc>
+                  <a:txBody>
+                    <a:bodyPr/>
+                    <a:lstStyle/>
+                    <a:p>
+                      <a:pPr algn="r" fontAlgn="ctr"/>
+                      <a:r>
+                        <a:rPr lang="en-US" sz="1000" u="none" strike="noStrike">
+                          <a:effectLst/>
+                        </a:rPr>
+                        <a:t>0</a:t>
+                      </a:r>
+                      <a:endParaRPr lang="en-US" sz="1000" b="0" i="0" u="none" strike="noStrike">
+                        <a:solidFill>
+                          <a:srgbClr val="000000"/>
+                        </a:solidFill>
+                        <a:effectLst/>
+                        <a:latin typeface="Calibri"/>
+                      </a:endParaRPr>
+                    </a:p>
+                  </a:txBody>
+                  <a:tcPr marL="6838" marR="6838" marT="6838" marB="0" anchor="ctr"/>
+                </a:tc>
+              </a:tr>
+              <a:tr h="173675">
+                <a:tc>
+                  <a:txBody>
+                    <a:bodyPr/>
+                    <a:lstStyle/>
+                    <a:p>
+                      <a:pPr algn="l" fontAlgn="ctr"/>
+                      <a:r>
+                        <a:rPr lang="en-US" sz="1000" u="none" strike="noStrike">
+                          <a:effectLst/>
+                        </a:rPr>
+                        <a:t> </a:t>
+                      </a:r>
+                      <a:endParaRPr lang="en-US" sz="1000" b="0" i="0" u="none" strike="noStrike">
+                        <a:solidFill>
+                          <a:srgbClr val="000000"/>
+                        </a:solidFill>
+                        <a:effectLst/>
+                        <a:latin typeface="Calibri"/>
+                      </a:endParaRPr>
+                    </a:p>
+                  </a:txBody>
+                  <a:tcPr marL="6838" marR="6838" marT="6838" marB="0" anchor="ctr"/>
+                </a:tc>
+                <a:tc>
+                  <a:txBody>
+                    <a:bodyPr/>
+                    <a:lstStyle/>
+                    <a:p>
+                      <a:pPr algn="l" fontAlgn="ctr"/>
+                      <a:r>
+                        <a:rPr lang="en-US" sz="1000" u="none" strike="noStrike">
+                          <a:effectLst/>
+                        </a:rPr>
+                        <a:t> </a:t>
+                      </a:r>
+                      <a:endParaRPr lang="en-US" sz="1000" b="0" i="0" u="none" strike="noStrike">
+                        <a:solidFill>
+                          <a:srgbClr val="000000"/>
+                        </a:solidFill>
+                        <a:effectLst/>
+                        <a:latin typeface="Calibri"/>
+                      </a:endParaRPr>
+                    </a:p>
+                  </a:txBody>
+                  <a:tcPr marL="6838" marR="6838" marT="6838" marB="0" anchor="ctr"/>
+                </a:tc>
+                <a:tc>
+                  <a:txBody>
+                    <a:bodyPr/>
+                    <a:lstStyle/>
+                    <a:p>
+                      <a:pPr algn="l" fontAlgn="ctr"/>
+                      <a:r>
+                        <a:rPr lang="en-US" sz="1000" u="none" strike="noStrike">
+                          <a:effectLst/>
+                        </a:rPr>
+                        <a:t> </a:t>
+                      </a:r>
+                      <a:endParaRPr lang="en-US" sz="1000" b="0" i="0" u="none" strike="noStrike">
+                        <a:solidFill>
+                          <a:srgbClr val="000000"/>
+                        </a:solidFill>
+                        <a:effectLst/>
+                        <a:latin typeface="Calibri"/>
+                      </a:endParaRPr>
+                    </a:p>
+                  </a:txBody>
+                  <a:tcPr marL="6838" marR="6838" marT="6838" marB="0" anchor="ctr"/>
+                </a:tc>
+                <a:tc>
+                  <a:txBody>
+                    <a:bodyPr/>
+                    <a:lstStyle/>
+                    <a:p>
+                      <a:pPr algn="l" fontAlgn="ctr"/>
+                      <a:r>
+                        <a:rPr lang="en-US" sz="1000" u="none" strike="noStrike">
+                          <a:effectLst/>
+                        </a:rPr>
+                        <a:t> </a:t>
+                      </a:r>
+                      <a:endParaRPr lang="en-US" sz="1000" b="0" i="0" u="none" strike="noStrike">
+                        <a:solidFill>
+                          <a:srgbClr val="000000"/>
+                        </a:solidFill>
+                        <a:effectLst/>
+                        <a:latin typeface="Calibri"/>
+                      </a:endParaRPr>
+                    </a:p>
+                  </a:txBody>
+                  <a:tcPr marL="6838" marR="6838" marT="6838" marB="0" anchor="ctr"/>
+                </a:tc>
+                <a:tc>
+                  <a:txBody>
+                    <a:bodyPr/>
+                    <a:lstStyle/>
+                    <a:p>
+                      <a:pPr algn="l" fontAlgn="ctr"/>
+                      <a:r>
+                        <a:rPr lang="en-US" sz="1000" u="none" strike="noStrike">
+                          <a:effectLst/>
+                        </a:rPr>
+                        <a:t> </a:t>
+                      </a:r>
+                      <a:endParaRPr lang="en-US" sz="1000" b="0" i="0" u="none" strike="noStrike">
+                        <a:solidFill>
+                          <a:srgbClr val="000000"/>
+                        </a:solidFill>
+                        <a:effectLst/>
+                        <a:latin typeface="Calibri"/>
+                      </a:endParaRPr>
+                    </a:p>
+                  </a:txBody>
+                  <a:tcPr marL="6838" marR="6838" marT="6838" marB="0" anchor="ctr"/>
+                </a:tc>
+                <a:tc>
+                  <a:txBody>
+                    <a:bodyPr/>
+                    <a:lstStyle/>
+                    <a:p>
+                      <a:pPr algn="r" fontAlgn="ctr"/>
+                      <a:r>
+                        <a:rPr lang="en-US" sz="1000" u="none" strike="noStrike">
+                          <a:effectLst/>
+                        </a:rPr>
+                        <a:t> </a:t>
+                      </a:r>
+                      <a:endParaRPr lang="en-US" sz="1000" b="0" i="0" u="none" strike="noStrike">
+                        <a:solidFill>
+                          <a:srgbClr val="000000"/>
+                        </a:solidFill>
+                        <a:effectLst/>
+                        <a:latin typeface="Calibri"/>
+                      </a:endParaRPr>
+                    </a:p>
+                  </a:txBody>
+                  <a:tcPr marL="6838" marR="6838" marT="6838" marB="0" anchor="ctr"/>
+                </a:tc>
+                <a:tc>
+                  <a:txBody>
+                    <a:bodyPr/>
+                    <a:lstStyle/>
+                    <a:p>
+                      <a:pPr algn="l" fontAlgn="ctr"/>
+                      <a:r>
+                        <a:rPr lang="en-US" sz="1000" u="none" strike="noStrike">
+                          <a:effectLst/>
+                        </a:rPr>
+                        <a:t> </a:t>
+                      </a:r>
+                      <a:endParaRPr lang="en-US" sz="1000" b="0" i="0" u="none" strike="noStrike">
+                        <a:solidFill>
+                          <a:srgbClr val="000000"/>
+                        </a:solidFill>
+                        <a:effectLst/>
+                        <a:latin typeface="Calibri"/>
+                      </a:endParaRPr>
+                    </a:p>
+                  </a:txBody>
+                  <a:tcPr marL="6838" marR="6838" marT="6838" marB="0" anchor="ctr"/>
+                </a:tc>
+                <a:tc>
+                  <a:txBody>
+                    <a:bodyPr/>
+                    <a:lstStyle/>
+                    <a:p>
+                      <a:pPr algn="r" fontAlgn="ctr"/>
+                      <a:r>
+                        <a:rPr lang="en-US" sz="1000" u="none" strike="noStrike">
+                          <a:effectLst/>
+                        </a:rPr>
+                        <a:t> </a:t>
+                      </a:r>
+                      <a:endParaRPr lang="en-US" sz="1000" b="0" i="0" u="none" strike="noStrike">
+                        <a:solidFill>
+                          <a:srgbClr val="000000"/>
+                        </a:solidFill>
+                        <a:effectLst/>
+                        <a:latin typeface="Calibri"/>
+                      </a:endParaRPr>
+                    </a:p>
+                  </a:txBody>
+                  <a:tcPr marL="6838" marR="6838" marT="6838" marB="0" anchor="ctr"/>
+                </a:tc>
+              </a:tr>
+              <a:tr h="173675">
+                <a:tc>
+                  <a:txBody>
+                    <a:bodyPr/>
+                    <a:lstStyle/>
+                    <a:p>
+                      <a:pPr algn="l" fontAlgn="ctr"/>
+                      <a:r>
+                        <a:rPr lang="en-US" sz="1000" u="none" strike="noStrike">
+                          <a:effectLst/>
+                        </a:rPr>
+                        <a:t>3</a:t>
+                      </a:r>
+                      <a:endParaRPr lang="en-US" sz="1000" b="1" i="0" u="none" strike="noStrike">
+                        <a:solidFill>
+                          <a:srgbClr val="000000"/>
+                        </a:solidFill>
+                        <a:effectLst/>
+                        <a:latin typeface="Calibri"/>
+                      </a:endParaRPr>
+                    </a:p>
+                  </a:txBody>
+                  <a:tcPr marL="6838" marR="6838" marT="6838" marB="0" anchor="ctr"/>
+                </a:tc>
+                <a:tc>
+                  <a:txBody>
+                    <a:bodyPr/>
+                    <a:lstStyle/>
+                    <a:p>
+                      <a:pPr algn="l" fontAlgn="ctr"/>
+                      <a:r>
+                        <a:rPr lang="en-US" sz="1000" u="none" strike="noStrike">
+                          <a:effectLst/>
+                        </a:rPr>
+                        <a:t>Presentations</a:t>
+                      </a:r>
+                      <a:endParaRPr lang="en-US" sz="1000" b="1" i="0" u="none" strike="noStrike">
+                        <a:solidFill>
+                          <a:srgbClr val="000000"/>
+                        </a:solidFill>
+                        <a:effectLst/>
+                        <a:latin typeface="Calibri"/>
+                      </a:endParaRPr>
+                    </a:p>
+                  </a:txBody>
+                  <a:tcPr marL="6838" marR="6838" marT="6838" marB="0" anchor="ctr"/>
+                </a:tc>
+                <a:tc>
+                  <a:txBody>
+                    <a:bodyPr/>
+                    <a:lstStyle/>
+                    <a:p>
+                      <a:pPr algn="l" fontAlgn="ctr"/>
+                      <a:r>
+                        <a:rPr lang="en-US" sz="1000" u="none" strike="noStrike">
+                          <a:effectLst/>
+                        </a:rPr>
+                        <a:t>Fri 9/13/13</a:t>
+                      </a:r>
+                      <a:endParaRPr lang="en-US" sz="1000" b="1" i="0" u="none" strike="noStrike">
+                        <a:solidFill>
+                          <a:srgbClr val="000000"/>
+                        </a:solidFill>
+                        <a:effectLst/>
+                        <a:latin typeface="Calibri"/>
+                      </a:endParaRPr>
+                    </a:p>
+                  </a:txBody>
+                  <a:tcPr marL="6838" marR="6838" marT="6838" marB="0" anchor="ctr"/>
+                </a:tc>
+                <a:tc>
+                  <a:txBody>
+                    <a:bodyPr/>
+                    <a:lstStyle/>
+                    <a:p>
+                      <a:pPr algn="l" fontAlgn="ctr"/>
+                      <a:r>
+                        <a:rPr lang="en-US" sz="1000" u="none" strike="noStrike">
+                          <a:effectLst/>
+                        </a:rPr>
+                        <a:t>Fri 4/25/14</a:t>
+                      </a:r>
+                      <a:endParaRPr lang="en-US" sz="1000" b="1" i="0" u="none" strike="noStrike">
+                        <a:solidFill>
+                          <a:srgbClr val="000000"/>
+                        </a:solidFill>
+                        <a:effectLst/>
+                        <a:latin typeface="Calibri"/>
+                      </a:endParaRPr>
+                    </a:p>
+                  </a:txBody>
+                  <a:tcPr marL="6838" marR="6838" marT="6838" marB="0" anchor="ctr"/>
+                </a:tc>
+                <a:tc>
+                  <a:txBody>
+                    <a:bodyPr/>
+                    <a:lstStyle/>
+                    <a:p>
+                      <a:pPr algn="r" fontAlgn="ctr"/>
+                      <a:r>
+                        <a:rPr lang="en-US" sz="1000" u="none" strike="noStrike">
+                          <a:effectLst/>
+                        </a:rPr>
+                        <a:t>49</a:t>
+                      </a:r>
+                      <a:endParaRPr lang="en-US" sz="1000" b="1" i="0" u="none" strike="noStrike">
+                        <a:solidFill>
+                          <a:srgbClr val="000000"/>
+                        </a:solidFill>
+                        <a:effectLst/>
+                        <a:latin typeface="Calibri"/>
+                      </a:endParaRPr>
+                    </a:p>
+                  </a:txBody>
+                  <a:tcPr marL="6838" marR="6838" marT="6838" marB="0" anchor="ctr"/>
+                </a:tc>
+                <a:tc>
+                  <a:txBody>
+                    <a:bodyPr/>
+                    <a:lstStyle/>
+                    <a:p>
+                      <a:pPr algn="r" fontAlgn="ctr"/>
+                      <a:r>
+                        <a:rPr lang="en-US" sz="1000" u="none" strike="noStrike">
+                          <a:effectLst/>
+                        </a:rPr>
+                        <a:t>46</a:t>
+                      </a:r>
+                      <a:endParaRPr lang="en-US" sz="1000" b="1" i="0" u="none" strike="noStrike">
+                        <a:solidFill>
+                          <a:srgbClr val="000000"/>
+                        </a:solidFill>
+                        <a:effectLst/>
+                        <a:latin typeface="Calibri"/>
+                      </a:endParaRPr>
+                    </a:p>
+                  </a:txBody>
+                  <a:tcPr marL="6838" marR="6838" marT="6838" marB="0" anchor="ctr"/>
+                </a:tc>
+                <a:tc>
+                  <a:txBody>
+                    <a:bodyPr/>
+                    <a:lstStyle/>
+                    <a:p>
+                      <a:pPr algn="r" fontAlgn="ctr"/>
+                      <a:r>
+                        <a:rPr lang="en-US" sz="1000" u="none" strike="noStrike">
+                          <a:effectLst/>
+                        </a:rPr>
+                        <a:t>83.67</a:t>
+                      </a:r>
+                      <a:endParaRPr lang="en-US" sz="1000" b="1" i="0" u="none" strike="noStrike">
+                        <a:solidFill>
+                          <a:srgbClr val="000000"/>
+                        </a:solidFill>
+                        <a:effectLst/>
+                        <a:latin typeface="Calibri"/>
+                      </a:endParaRPr>
+                    </a:p>
+                  </a:txBody>
+                  <a:tcPr marL="6838" marR="6838" marT="6838" marB="0" anchor="ctr"/>
+                </a:tc>
+                <a:tc>
+                  <a:txBody>
+                    <a:bodyPr/>
+                    <a:lstStyle/>
+                    <a:p>
+                      <a:pPr algn="r" fontAlgn="ctr"/>
+                      <a:r>
+                        <a:rPr lang="en-US" sz="1000" u="none" strike="noStrike">
+                          <a:effectLst/>
+                        </a:rPr>
+                        <a:t>41</a:t>
+                      </a:r>
+                      <a:endParaRPr lang="en-US" sz="1000" b="1" i="0" u="none" strike="noStrike">
+                        <a:solidFill>
+                          <a:srgbClr val="000000"/>
+                        </a:solidFill>
+                        <a:effectLst/>
+                        <a:latin typeface="Calibri"/>
+                      </a:endParaRPr>
+                    </a:p>
+                  </a:txBody>
+                  <a:tcPr marL="6838" marR="6838" marT="6838" marB="0" anchor="ctr"/>
+                </a:tc>
+              </a:tr>
+              <a:tr h="173675">
+                <a:tc>
+                  <a:txBody>
+                    <a:bodyPr/>
+                    <a:lstStyle/>
+                    <a:p>
+                      <a:pPr algn="l" fontAlgn="ctr"/>
+                      <a:r>
+                        <a:rPr lang="en-US" sz="1000" u="none" strike="noStrike">
+                          <a:effectLst/>
+                        </a:rPr>
+                        <a:t>3.4</a:t>
+                      </a:r>
+                      <a:endParaRPr lang="en-US" sz="1000" b="1" i="0" u="none" strike="noStrike">
+                        <a:solidFill>
+                          <a:srgbClr val="000000"/>
+                        </a:solidFill>
+                        <a:effectLst/>
+                        <a:latin typeface="Calibri"/>
+                      </a:endParaRPr>
+                    </a:p>
+                  </a:txBody>
+                  <a:tcPr marL="6838" marR="6838" marT="6838" marB="0" anchor="ctr"/>
+                </a:tc>
+                <a:tc>
+                  <a:txBody>
+                    <a:bodyPr/>
+                    <a:lstStyle/>
+                    <a:p>
+                      <a:pPr algn="l" fontAlgn="ctr"/>
+                      <a:r>
+                        <a:rPr lang="en-US" sz="1000" u="none" strike="noStrike">
+                          <a:effectLst/>
+                        </a:rPr>
+                        <a:t>   Detailed Design Review</a:t>
+                      </a:r>
+                      <a:endParaRPr lang="en-US" sz="1000" b="1" i="0" u="none" strike="noStrike">
+                        <a:solidFill>
+                          <a:srgbClr val="000000"/>
+                        </a:solidFill>
+                        <a:effectLst/>
+                        <a:latin typeface="Calibri"/>
+                      </a:endParaRPr>
+                    </a:p>
+                  </a:txBody>
+                  <a:tcPr marL="6838" marR="6838" marT="6838" marB="0" anchor="ctr"/>
+                </a:tc>
+                <a:tc>
+                  <a:txBody>
+                    <a:bodyPr/>
+                    <a:lstStyle/>
+                    <a:p>
+                      <a:pPr algn="l" fontAlgn="ctr"/>
+                      <a:r>
+                        <a:rPr lang="en-US" sz="1000" u="none" strike="noStrike">
+                          <a:effectLst/>
+                        </a:rPr>
+                        <a:t>Thu 2/20/14</a:t>
+                      </a:r>
+                      <a:endParaRPr lang="en-US" sz="1000" b="1" i="0" u="none" strike="noStrike">
+                        <a:solidFill>
+                          <a:srgbClr val="000000"/>
+                        </a:solidFill>
+                        <a:effectLst/>
+                        <a:latin typeface="Calibri"/>
+                      </a:endParaRPr>
+                    </a:p>
+                  </a:txBody>
+                  <a:tcPr marL="6838" marR="6838" marT="6838" marB="0" anchor="ctr"/>
+                </a:tc>
+                <a:tc>
+                  <a:txBody>
+                    <a:bodyPr/>
+                    <a:lstStyle/>
+                    <a:p>
+                      <a:pPr algn="l" fontAlgn="ctr"/>
+                      <a:r>
+                        <a:rPr lang="en-US" sz="1000" u="none" strike="noStrike">
+                          <a:effectLst/>
+                        </a:rPr>
+                        <a:t>Tue 2/25/14</a:t>
+                      </a:r>
+                      <a:endParaRPr lang="en-US" sz="1000" b="1" i="0" u="none" strike="noStrike">
+                        <a:solidFill>
+                          <a:srgbClr val="000000"/>
+                        </a:solidFill>
+                        <a:effectLst/>
+                        <a:latin typeface="Calibri"/>
+                      </a:endParaRPr>
+                    </a:p>
+                  </a:txBody>
+                  <a:tcPr marL="6838" marR="6838" marT="6838" marB="0" anchor="ctr"/>
+                </a:tc>
+                <a:tc>
+                  <a:txBody>
+                    <a:bodyPr/>
+                    <a:lstStyle/>
+                    <a:p>
+                      <a:pPr algn="r" fontAlgn="ctr"/>
+                      <a:r>
+                        <a:rPr lang="en-US" sz="1000" u="none" strike="noStrike">
+                          <a:effectLst/>
+                        </a:rPr>
+                        <a:t>7</a:t>
+                      </a:r>
+                      <a:endParaRPr lang="en-US" sz="1000" b="1" i="0" u="none" strike="noStrike">
+                        <a:solidFill>
+                          <a:srgbClr val="000000"/>
+                        </a:solidFill>
+                        <a:effectLst/>
+                        <a:latin typeface="Calibri"/>
+                      </a:endParaRPr>
+                    </a:p>
+                  </a:txBody>
+                  <a:tcPr marL="6838" marR="6838" marT="6838" marB="0" anchor="ctr"/>
+                </a:tc>
+                <a:tc>
+                  <a:txBody>
+                    <a:bodyPr/>
+                    <a:lstStyle/>
+                    <a:p>
+                      <a:pPr algn="r" fontAlgn="ctr"/>
+                      <a:r>
+                        <a:rPr lang="en-US" sz="1000" u="none" strike="noStrike">
+                          <a:effectLst/>
+                        </a:rPr>
+                        <a:t>18</a:t>
+                      </a:r>
+                      <a:endParaRPr lang="en-US" sz="1000" b="1" i="0" u="none" strike="noStrike">
+                        <a:solidFill>
+                          <a:srgbClr val="000000"/>
+                        </a:solidFill>
+                        <a:effectLst/>
+                        <a:latin typeface="Calibri"/>
+                      </a:endParaRPr>
+                    </a:p>
+                  </a:txBody>
+                  <a:tcPr marL="6838" marR="6838" marT="6838" marB="0" anchor="ctr"/>
+                </a:tc>
+                <a:tc>
+                  <a:txBody>
+                    <a:bodyPr/>
+                    <a:lstStyle/>
+                    <a:p>
+                      <a:pPr algn="r" fontAlgn="ctr"/>
+                      <a:r>
+                        <a:rPr lang="en-US" sz="1000" u="none" strike="noStrike">
+                          <a:effectLst/>
+                        </a:rPr>
+                        <a:t>100</a:t>
+                      </a:r>
+                      <a:endParaRPr lang="en-US" sz="1000" b="1" i="0" u="none" strike="noStrike">
+                        <a:solidFill>
+                          <a:srgbClr val="000000"/>
+                        </a:solidFill>
+                        <a:effectLst/>
+                        <a:latin typeface="Calibri"/>
+                      </a:endParaRPr>
+                    </a:p>
+                  </a:txBody>
+                  <a:tcPr marL="6838" marR="6838" marT="6838" marB="0" anchor="ctr"/>
+                </a:tc>
+                <a:tc>
+                  <a:txBody>
+                    <a:bodyPr/>
+                    <a:lstStyle/>
+                    <a:p>
+                      <a:pPr algn="r" fontAlgn="ctr"/>
+                      <a:r>
+                        <a:rPr lang="en-US" sz="1000" u="none" strike="noStrike">
+                          <a:effectLst/>
+                        </a:rPr>
+                        <a:t>7</a:t>
+                      </a:r>
+                      <a:endParaRPr lang="en-US" sz="1000" b="1" i="0" u="none" strike="noStrike">
+                        <a:solidFill>
+                          <a:srgbClr val="000000"/>
+                        </a:solidFill>
+                        <a:effectLst/>
+                        <a:latin typeface="Calibri"/>
+                      </a:endParaRPr>
+                    </a:p>
+                  </a:txBody>
+                  <a:tcPr marL="6838" marR="6838" marT="6838" marB="0" anchor="ctr"/>
+                </a:tc>
+              </a:tr>
+              <a:tr h="173675">
+                <a:tc>
+                  <a:txBody>
+                    <a:bodyPr/>
+                    <a:lstStyle/>
+                    <a:p>
+                      <a:pPr algn="l" fontAlgn="ctr"/>
+                      <a:r>
+                        <a:rPr lang="en-US" sz="1000" u="none" strike="noStrike">
+                          <a:effectLst/>
+                        </a:rPr>
+                        <a:t>3.4.1</a:t>
+                      </a:r>
+                      <a:endParaRPr lang="en-US" sz="1000" b="0" i="0" u="none" strike="noStrike">
+                        <a:solidFill>
+                          <a:srgbClr val="000000"/>
+                        </a:solidFill>
+                        <a:effectLst/>
+                        <a:latin typeface="Calibri"/>
+                      </a:endParaRPr>
+                    </a:p>
+                  </a:txBody>
+                  <a:tcPr marL="6838" marR="6838" marT="6838" marB="0" anchor="ctr"/>
+                </a:tc>
+                <a:tc>
+                  <a:txBody>
+                    <a:bodyPr/>
+                    <a:lstStyle/>
+                    <a:p>
+                      <a:pPr algn="l" fontAlgn="ctr"/>
+                      <a:r>
+                        <a:rPr lang="en-US" sz="1000" u="none" strike="noStrike">
+                          <a:effectLst/>
+                        </a:rPr>
+                        <a:t>      Peer Review</a:t>
+                      </a:r>
+                      <a:endParaRPr lang="en-US" sz="1000" b="0" i="0" u="none" strike="noStrike">
+                        <a:solidFill>
+                          <a:srgbClr val="000000"/>
+                        </a:solidFill>
+                        <a:effectLst/>
+                        <a:latin typeface="Calibri"/>
+                      </a:endParaRPr>
+                    </a:p>
+                  </a:txBody>
+                  <a:tcPr marL="6838" marR="6838" marT="6838" marB="0" anchor="ctr"/>
+                </a:tc>
+                <a:tc>
+                  <a:txBody>
+                    <a:bodyPr/>
+                    <a:lstStyle/>
+                    <a:p>
+                      <a:pPr algn="l" fontAlgn="ctr"/>
+                      <a:r>
+                        <a:rPr lang="en-US" sz="1000" u="none" strike="noStrike">
+                          <a:effectLst/>
+                        </a:rPr>
+                        <a:t>Mon 2/10/14</a:t>
+                      </a:r>
+                      <a:endParaRPr lang="en-US" sz="1000" b="0" i="0" u="none" strike="noStrike">
+                        <a:solidFill>
+                          <a:srgbClr val="000000"/>
+                        </a:solidFill>
+                        <a:effectLst/>
+                        <a:latin typeface="Calibri"/>
+                      </a:endParaRPr>
+                    </a:p>
+                  </a:txBody>
+                  <a:tcPr marL="6838" marR="6838" marT="6838" marB="0" anchor="ctr"/>
+                </a:tc>
+                <a:tc>
+                  <a:txBody>
+                    <a:bodyPr/>
+                    <a:lstStyle/>
+                    <a:p>
+                      <a:pPr algn="l" fontAlgn="ctr"/>
+                      <a:r>
+                        <a:rPr lang="en-US" sz="1000" u="none" strike="noStrike">
+                          <a:effectLst/>
+                        </a:rPr>
+                        <a:t>Mon 2/10/14</a:t>
+                      </a:r>
+                      <a:endParaRPr lang="en-US" sz="1000" b="0" i="0" u="none" strike="noStrike">
+                        <a:solidFill>
+                          <a:srgbClr val="000000"/>
+                        </a:solidFill>
+                        <a:effectLst/>
+                        <a:latin typeface="Calibri"/>
+                      </a:endParaRPr>
+                    </a:p>
+                  </a:txBody>
+                  <a:tcPr marL="6838" marR="6838" marT="6838" marB="0" anchor="ctr"/>
+                </a:tc>
+                <a:tc>
+                  <a:txBody>
+                    <a:bodyPr/>
+                    <a:lstStyle/>
+                    <a:p>
+                      <a:pPr algn="r" fontAlgn="ctr"/>
+                      <a:r>
+                        <a:rPr lang="en-US" sz="1000" u="none" strike="noStrike">
+                          <a:effectLst/>
+                        </a:rPr>
+                        <a:t>2</a:t>
+                      </a:r>
+                      <a:endParaRPr lang="en-US" sz="1000" b="0" i="0" u="none" strike="noStrike">
+                        <a:solidFill>
+                          <a:srgbClr val="000000"/>
+                        </a:solidFill>
+                        <a:effectLst/>
+                        <a:latin typeface="Calibri"/>
+                      </a:endParaRPr>
+                    </a:p>
+                  </a:txBody>
+                  <a:tcPr marL="6838" marR="6838" marT="6838" marB="0" anchor="ctr"/>
+                </a:tc>
+                <a:tc>
+                  <a:txBody>
+                    <a:bodyPr/>
+                    <a:lstStyle/>
+                    <a:p>
+                      <a:pPr algn="r" fontAlgn="ctr"/>
+                      <a:r>
+                        <a:rPr lang="en-US" sz="1000" u="none" strike="noStrike">
+                          <a:effectLst/>
+                        </a:rPr>
+                        <a:t>0</a:t>
+                      </a:r>
+                      <a:endParaRPr lang="en-US" sz="1000" b="0" i="0" u="none" strike="noStrike">
+                        <a:solidFill>
+                          <a:srgbClr val="000000"/>
+                        </a:solidFill>
+                        <a:effectLst/>
+                        <a:latin typeface="Calibri"/>
+                      </a:endParaRPr>
+                    </a:p>
+                  </a:txBody>
+                  <a:tcPr marL="6838" marR="6838" marT="6838" marB="0" anchor="ctr"/>
+                </a:tc>
+                <a:tc>
+                  <a:txBody>
+                    <a:bodyPr/>
+                    <a:lstStyle/>
+                    <a:p>
+                      <a:pPr algn="r" fontAlgn="ctr"/>
+                      <a:r>
+                        <a:rPr lang="en-US" sz="1000" u="none" strike="noStrike">
+                          <a:effectLst/>
+                        </a:rPr>
+                        <a:t>100</a:t>
+                      </a:r>
+                      <a:endParaRPr lang="en-US" sz="1000" b="0" i="0" u="none" strike="noStrike">
+                        <a:solidFill>
+                          <a:srgbClr val="000000"/>
+                        </a:solidFill>
+                        <a:effectLst/>
+                        <a:latin typeface="Calibri"/>
+                      </a:endParaRPr>
+                    </a:p>
+                  </a:txBody>
+                  <a:tcPr marL="6838" marR="6838" marT="6838" marB="0" anchor="ctr"/>
+                </a:tc>
+                <a:tc>
+                  <a:txBody>
+                    <a:bodyPr/>
+                    <a:lstStyle/>
+                    <a:p>
+                      <a:pPr algn="r" fontAlgn="ctr"/>
+                      <a:r>
+                        <a:rPr lang="en-US" sz="1000" u="none" strike="noStrike">
+                          <a:effectLst/>
+                        </a:rPr>
+                        <a:t>2</a:t>
+                      </a:r>
+                      <a:endParaRPr lang="en-US" sz="1000" b="0" i="0" u="none" strike="noStrike">
+                        <a:solidFill>
+                          <a:srgbClr val="000000"/>
+                        </a:solidFill>
+                        <a:effectLst/>
+                        <a:latin typeface="Calibri"/>
+                      </a:endParaRPr>
+                    </a:p>
+                  </a:txBody>
+                  <a:tcPr marL="6838" marR="6838" marT="6838" marB="0" anchor="ctr"/>
+                </a:tc>
+              </a:tr>
+              <a:tr h="173675">
+                <a:tc>
+                  <a:txBody>
+                    <a:bodyPr/>
+                    <a:lstStyle/>
+                    <a:p>
+                      <a:pPr algn="l" fontAlgn="ctr"/>
+                      <a:r>
+                        <a:rPr lang="en-US" sz="1000" u="none" strike="noStrike">
+                          <a:effectLst/>
+                        </a:rPr>
+                        <a:t>3.4.2</a:t>
+                      </a:r>
+                      <a:endParaRPr lang="en-US" sz="1000" b="0" i="0" u="none" strike="noStrike">
+                        <a:solidFill>
+                          <a:srgbClr val="000000"/>
+                        </a:solidFill>
+                        <a:effectLst/>
+                        <a:latin typeface="Calibri"/>
+                      </a:endParaRPr>
+                    </a:p>
+                  </a:txBody>
+                  <a:tcPr marL="6838" marR="6838" marT="6838" marB="0" anchor="ctr"/>
+                </a:tc>
+                <a:tc>
+                  <a:txBody>
+                    <a:bodyPr/>
+                    <a:lstStyle/>
+                    <a:p>
+                      <a:pPr algn="l" fontAlgn="ctr"/>
+                      <a:r>
+                        <a:rPr lang="en-US" sz="1000" u="none" strike="noStrike">
+                          <a:effectLst/>
+                        </a:rPr>
+                        <a:t>      Prepare Presentations</a:t>
+                      </a:r>
+                      <a:endParaRPr lang="en-US" sz="1000" b="0" i="0" u="none" strike="noStrike">
+                        <a:solidFill>
+                          <a:srgbClr val="000000"/>
+                        </a:solidFill>
+                        <a:effectLst/>
+                        <a:latin typeface="Calibri"/>
+                      </a:endParaRPr>
+                    </a:p>
+                  </a:txBody>
+                  <a:tcPr marL="6838" marR="6838" marT="6838" marB="0" anchor="ctr"/>
+                </a:tc>
+                <a:tc>
+                  <a:txBody>
+                    <a:bodyPr/>
+                    <a:lstStyle/>
+                    <a:p>
+                      <a:pPr algn="l" fontAlgn="ctr"/>
+                      <a:r>
+                        <a:rPr lang="en-US" sz="1000" u="none" strike="noStrike">
+                          <a:effectLst/>
+                        </a:rPr>
+                        <a:t>Wed 2/19/14</a:t>
+                      </a:r>
+                      <a:endParaRPr lang="en-US" sz="1000" b="0" i="0" u="none" strike="noStrike">
+                        <a:solidFill>
+                          <a:srgbClr val="000000"/>
+                        </a:solidFill>
+                        <a:effectLst/>
+                        <a:latin typeface="Calibri"/>
+                      </a:endParaRPr>
+                    </a:p>
+                  </a:txBody>
+                  <a:tcPr marL="6838" marR="6838" marT="6838" marB="0" anchor="ctr"/>
+                </a:tc>
+                <a:tc>
+                  <a:txBody>
+                    <a:bodyPr/>
+                    <a:lstStyle/>
+                    <a:p>
+                      <a:pPr algn="l" fontAlgn="ctr"/>
+                      <a:r>
+                        <a:rPr lang="en-US" sz="1000" u="none" strike="noStrike">
+                          <a:effectLst/>
+                        </a:rPr>
+                        <a:t>Wed 2/19/14</a:t>
+                      </a:r>
+                      <a:endParaRPr lang="en-US" sz="1000" b="0" i="0" u="none" strike="noStrike">
+                        <a:solidFill>
+                          <a:srgbClr val="000000"/>
+                        </a:solidFill>
+                        <a:effectLst/>
+                        <a:latin typeface="Calibri"/>
+                      </a:endParaRPr>
+                    </a:p>
+                  </a:txBody>
+                  <a:tcPr marL="6838" marR="6838" marT="6838" marB="0" anchor="ctr"/>
+                </a:tc>
+                <a:tc>
+                  <a:txBody>
+                    <a:bodyPr/>
+                    <a:lstStyle/>
+                    <a:p>
+                      <a:pPr algn="r" fontAlgn="ctr"/>
+                      <a:r>
+                        <a:rPr lang="en-US" sz="1000" u="none" strike="noStrike">
+                          <a:effectLst/>
+                        </a:rPr>
+                        <a:t>4</a:t>
+                      </a:r>
+                      <a:endParaRPr lang="en-US" sz="1000" b="0" i="0" u="none" strike="noStrike">
+                        <a:solidFill>
+                          <a:srgbClr val="000000"/>
+                        </a:solidFill>
+                        <a:effectLst/>
+                        <a:latin typeface="Calibri"/>
+                      </a:endParaRPr>
+                    </a:p>
+                  </a:txBody>
+                  <a:tcPr marL="6838" marR="6838" marT="6838" marB="0" anchor="ctr"/>
+                </a:tc>
+                <a:tc>
+                  <a:txBody>
+                    <a:bodyPr/>
+                    <a:lstStyle/>
+                    <a:p>
+                      <a:pPr algn="r" fontAlgn="ctr"/>
+                      <a:r>
+                        <a:rPr lang="en-US" sz="1000" u="none" strike="noStrike">
+                          <a:effectLst/>
+                        </a:rPr>
+                        <a:t>11</a:t>
+                      </a:r>
+                      <a:endParaRPr lang="en-US" sz="1000" b="0" i="0" u="none" strike="noStrike">
+                        <a:solidFill>
+                          <a:srgbClr val="000000"/>
+                        </a:solidFill>
+                        <a:effectLst/>
+                        <a:latin typeface="Calibri"/>
+                      </a:endParaRPr>
+                    </a:p>
+                  </a:txBody>
+                  <a:tcPr marL="6838" marR="6838" marT="6838" marB="0" anchor="ctr"/>
+                </a:tc>
+                <a:tc>
+                  <a:txBody>
+                    <a:bodyPr/>
+                    <a:lstStyle/>
+                    <a:p>
+                      <a:pPr algn="r" fontAlgn="ctr"/>
+                      <a:r>
+                        <a:rPr lang="en-US" sz="1000" u="none" strike="noStrike">
+                          <a:effectLst/>
+                        </a:rPr>
+                        <a:t>100</a:t>
+                      </a:r>
+                      <a:endParaRPr lang="en-US" sz="1000" b="0" i="0" u="none" strike="noStrike">
+                        <a:solidFill>
+                          <a:srgbClr val="000000"/>
+                        </a:solidFill>
+                        <a:effectLst/>
+                        <a:latin typeface="Calibri"/>
+                      </a:endParaRPr>
+                    </a:p>
+                  </a:txBody>
+                  <a:tcPr marL="6838" marR="6838" marT="6838" marB="0" anchor="ctr"/>
+                </a:tc>
+                <a:tc>
+                  <a:txBody>
+                    <a:bodyPr/>
+                    <a:lstStyle/>
+                    <a:p>
+                      <a:pPr algn="r" fontAlgn="ctr"/>
+                      <a:r>
+                        <a:rPr lang="en-US" sz="1000" u="none" strike="noStrike">
+                          <a:effectLst/>
+                        </a:rPr>
+                        <a:t>4</a:t>
+                      </a:r>
+                      <a:endParaRPr lang="en-US" sz="1000" b="0" i="0" u="none" strike="noStrike">
+                        <a:solidFill>
+                          <a:srgbClr val="000000"/>
+                        </a:solidFill>
+                        <a:effectLst/>
+                        <a:latin typeface="Calibri"/>
+                      </a:endParaRPr>
+                    </a:p>
+                  </a:txBody>
+                  <a:tcPr marL="6838" marR="6838" marT="6838" marB="0" anchor="ctr"/>
+                </a:tc>
+              </a:tr>
+              <a:tr h="173675">
+                <a:tc>
+                  <a:txBody>
+                    <a:bodyPr/>
+                    <a:lstStyle/>
+                    <a:p>
+                      <a:pPr algn="l" fontAlgn="ctr"/>
+                      <a:r>
+                        <a:rPr lang="en-US" sz="1000" u="none" strike="noStrike">
+                          <a:effectLst/>
+                        </a:rPr>
+                        <a:t>3.4.3</a:t>
+                      </a:r>
+                      <a:endParaRPr lang="en-US" sz="1000" b="0" i="0" u="none" strike="noStrike">
+                        <a:solidFill>
+                          <a:srgbClr val="000000"/>
+                        </a:solidFill>
+                        <a:effectLst/>
+                        <a:latin typeface="Calibri"/>
+                      </a:endParaRPr>
+                    </a:p>
+                  </a:txBody>
+                  <a:tcPr marL="6838" marR="6838" marT="6838" marB="0" anchor="ctr"/>
+                </a:tc>
+                <a:tc>
+                  <a:txBody>
+                    <a:bodyPr/>
+                    <a:lstStyle/>
+                    <a:p>
+                      <a:pPr algn="l" fontAlgn="ctr"/>
+                      <a:r>
+                        <a:rPr lang="en-US" sz="1000" u="none" strike="noStrike">
+                          <a:effectLst/>
+                        </a:rPr>
+                        <a:t>      DDS Gate Review</a:t>
+                      </a:r>
+                      <a:endParaRPr lang="en-US" sz="1000" b="0" i="0" u="none" strike="noStrike">
+                        <a:solidFill>
+                          <a:srgbClr val="000000"/>
+                        </a:solidFill>
+                        <a:effectLst/>
+                        <a:latin typeface="Calibri"/>
+                      </a:endParaRPr>
+                    </a:p>
+                  </a:txBody>
+                  <a:tcPr marL="6838" marR="6838" marT="6838" marB="0" anchor="ctr"/>
+                </a:tc>
+                <a:tc>
+                  <a:txBody>
+                    <a:bodyPr/>
+                    <a:lstStyle/>
+                    <a:p>
+                      <a:pPr algn="l" fontAlgn="ctr"/>
+                      <a:r>
+                        <a:rPr lang="en-US" sz="1000" u="none" strike="noStrike">
+                          <a:effectLst/>
+                        </a:rPr>
+                        <a:t>Thu 2/20/14</a:t>
+                      </a:r>
+                      <a:endParaRPr lang="en-US" sz="1000" b="0" i="0" u="none" strike="noStrike">
+                        <a:solidFill>
+                          <a:srgbClr val="000000"/>
+                        </a:solidFill>
+                        <a:effectLst/>
+                        <a:latin typeface="Calibri"/>
+                      </a:endParaRPr>
+                    </a:p>
+                  </a:txBody>
+                  <a:tcPr marL="6838" marR="6838" marT="6838" marB="0" anchor="ctr"/>
+                </a:tc>
+                <a:tc>
+                  <a:txBody>
+                    <a:bodyPr/>
+                    <a:lstStyle/>
+                    <a:p>
+                      <a:pPr algn="l" fontAlgn="ctr"/>
+                      <a:r>
+                        <a:rPr lang="en-US" sz="1000" u="none" strike="noStrike">
+                          <a:effectLst/>
+                        </a:rPr>
+                        <a:t>Thu 2/20/14</a:t>
+                      </a:r>
+                      <a:endParaRPr lang="en-US" sz="1000" b="0" i="0" u="none" strike="noStrike">
+                        <a:solidFill>
+                          <a:srgbClr val="000000"/>
+                        </a:solidFill>
+                        <a:effectLst/>
+                        <a:latin typeface="Calibri"/>
+                      </a:endParaRPr>
+                    </a:p>
+                  </a:txBody>
+                  <a:tcPr marL="6838" marR="6838" marT="6838" marB="0" anchor="ctr"/>
+                </a:tc>
+                <a:tc>
+                  <a:txBody>
+                    <a:bodyPr/>
+                    <a:lstStyle/>
+                    <a:p>
+                      <a:pPr algn="r" fontAlgn="ctr"/>
+                      <a:r>
+                        <a:rPr lang="en-US" sz="1000" u="none" strike="noStrike">
+                          <a:effectLst/>
+                        </a:rPr>
+                        <a:t>1</a:t>
+                      </a:r>
+                      <a:endParaRPr lang="en-US" sz="1000" b="0" i="0" u="none" strike="noStrike">
+                        <a:solidFill>
+                          <a:srgbClr val="000000"/>
+                        </a:solidFill>
+                        <a:effectLst/>
+                        <a:latin typeface="Calibri"/>
+                      </a:endParaRPr>
+                    </a:p>
+                  </a:txBody>
+                  <a:tcPr marL="6838" marR="6838" marT="6838" marB="0" anchor="ctr"/>
+                </a:tc>
+                <a:tc>
+                  <a:txBody>
+                    <a:bodyPr/>
+                    <a:lstStyle/>
+                    <a:p>
+                      <a:pPr algn="r" fontAlgn="ctr"/>
+                      <a:r>
+                        <a:rPr lang="en-US" sz="1000" u="none" strike="noStrike">
+                          <a:effectLst/>
+                        </a:rPr>
+                        <a:t>7</a:t>
+                      </a:r>
+                      <a:endParaRPr lang="en-US" sz="1000" b="0" i="0" u="none" strike="noStrike">
+                        <a:solidFill>
+                          <a:srgbClr val="000000"/>
+                        </a:solidFill>
+                        <a:effectLst/>
+                        <a:latin typeface="Calibri"/>
+                      </a:endParaRPr>
+                    </a:p>
+                  </a:txBody>
+                  <a:tcPr marL="6838" marR="6838" marT="6838" marB="0" anchor="ctr"/>
+                </a:tc>
+                <a:tc>
+                  <a:txBody>
+                    <a:bodyPr/>
+                    <a:lstStyle/>
+                    <a:p>
+                      <a:pPr algn="r" fontAlgn="ctr"/>
+                      <a:r>
+                        <a:rPr lang="en-US" sz="1000" u="none" strike="noStrike">
+                          <a:effectLst/>
+                        </a:rPr>
+                        <a:t>100</a:t>
+                      </a:r>
+                      <a:endParaRPr lang="en-US" sz="1000" b="0" i="0" u="none" strike="noStrike">
+                        <a:solidFill>
+                          <a:srgbClr val="000000"/>
+                        </a:solidFill>
+                        <a:effectLst/>
+                        <a:latin typeface="Calibri"/>
+                      </a:endParaRPr>
+                    </a:p>
+                  </a:txBody>
+                  <a:tcPr marL="6838" marR="6838" marT="6838" marB="0" anchor="ctr"/>
+                </a:tc>
+                <a:tc>
+                  <a:txBody>
+                    <a:bodyPr/>
+                    <a:lstStyle/>
+                    <a:p>
+                      <a:pPr algn="r" fontAlgn="ctr"/>
+                      <a:r>
+                        <a:rPr lang="en-US" sz="1000" u="none" strike="noStrike">
+                          <a:effectLst/>
+                        </a:rPr>
+                        <a:t>1</a:t>
+                      </a:r>
+                      <a:endParaRPr lang="en-US" sz="1000" b="0" i="0" u="none" strike="noStrike">
+                        <a:solidFill>
+                          <a:srgbClr val="000000"/>
+                        </a:solidFill>
+                        <a:effectLst/>
+                        <a:latin typeface="Calibri"/>
+                      </a:endParaRPr>
+                    </a:p>
+                  </a:txBody>
+                  <a:tcPr marL="6838" marR="6838" marT="6838" marB="0" anchor="ctr"/>
+                </a:tc>
+              </a:tr>
+              <a:tr h="173675">
+                <a:tc>
+                  <a:txBody>
+                    <a:bodyPr/>
+                    <a:lstStyle/>
+                    <a:p>
+                      <a:pPr algn="l" fontAlgn="ctr"/>
+                      <a:r>
+                        <a:rPr lang="en-US" sz="1000" u="none" strike="noStrike">
+                          <a:effectLst/>
+                        </a:rPr>
+                        <a:t>3.6</a:t>
+                      </a:r>
+                      <a:endParaRPr lang="en-US" sz="1000" b="1" i="0" u="none" strike="noStrike">
+                        <a:solidFill>
+                          <a:srgbClr val="000000"/>
+                        </a:solidFill>
+                        <a:effectLst/>
+                        <a:latin typeface="Calibri"/>
+                      </a:endParaRPr>
+                    </a:p>
+                  </a:txBody>
+                  <a:tcPr marL="6838" marR="6838" marT="6838" marB="0" anchor="ctr"/>
+                </a:tc>
+                <a:tc>
+                  <a:txBody>
+                    <a:bodyPr/>
+                    <a:lstStyle/>
+                    <a:p>
+                      <a:pPr algn="l" fontAlgn="ctr"/>
+                      <a:r>
+                        <a:rPr lang="en-US" sz="1000" u="none" strike="noStrike">
+                          <a:effectLst/>
+                        </a:rPr>
+                        <a:t>   Team Stauts Report SD2</a:t>
+                      </a:r>
+                      <a:endParaRPr lang="en-US" sz="1000" b="1" i="0" u="none" strike="noStrike">
+                        <a:solidFill>
+                          <a:srgbClr val="000000"/>
+                        </a:solidFill>
+                        <a:effectLst/>
+                        <a:latin typeface="Calibri"/>
+                      </a:endParaRPr>
+                    </a:p>
+                  </a:txBody>
+                  <a:tcPr marL="6838" marR="6838" marT="6838" marB="0" anchor="ctr"/>
+                </a:tc>
+                <a:tc>
+                  <a:txBody>
+                    <a:bodyPr/>
+                    <a:lstStyle/>
+                    <a:p>
+                      <a:pPr algn="l" fontAlgn="ctr"/>
+                      <a:r>
+                        <a:rPr lang="en-US" sz="1000" u="none" strike="noStrike">
+                          <a:effectLst/>
+                        </a:rPr>
+                        <a:t>Thu 1/23/14</a:t>
+                      </a:r>
+                      <a:endParaRPr lang="en-US" sz="1000" b="1" i="0" u="none" strike="noStrike">
+                        <a:solidFill>
+                          <a:srgbClr val="000000"/>
+                        </a:solidFill>
+                        <a:effectLst/>
+                        <a:latin typeface="Calibri"/>
+                      </a:endParaRPr>
+                    </a:p>
+                  </a:txBody>
+                  <a:tcPr marL="6838" marR="6838" marT="6838" marB="0" anchor="ctr"/>
+                </a:tc>
+                <a:tc>
+                  <a:txBody>
+                    <a:bodyPr/>
+                    <a:lstStyle/>
+                    <a:p>
+                      <a:pPr algn="l" fontAlgn="ctr"/>
+                      <a:r>
+                        <a:rPr lang="en-US" sz="1000" u="none" strike="noStrike">
+                          <a:effectLst/>
+                        </a:rPr>
+                        <a:t>Fri 4/25/14</a:t>
+                      </a:r>
+                      <a:endParaRPr lang="en-US" sz="1000" b="1" i="0" u="none" strike="noStrike">
+                        <a:solidFill>
+                          <a:srgbClr val="000000"/>
+                        </a:solidFill>
+                        <a:effectLst/>
+                        <a:latin typeface="Calibri"/>
+                      </a:endParaRPr>
+                    </a:p>
+                  </a:txBody>
+                  <a:tcPr marL="6838" marR="6838" marT="6838" marB="0" anchor="ctr"/>
+                </a:tc>
+                <a:tc>
+                  <a:txBody>
+                    <a:bodyPr/>
+                    <a:lstStyle/>
+                    <a:p>
+                      <a:pPr algn="r" fontAlgn="ctr"/>
+                      <a:r>
+                        <a:rPr lang="en-US" sz="1000" u="none" strike="noStrike">
+                          <a:effectLst/>
+                        </a:rPr>
+                        <a:t>8</a:t>
+                      </a:r>
+                      <a:endParaRPr lang="en-US" sz="1000" b="1" i="0" u="none" strike="noStrike">
+                        <a:solidFill>
+                          <a:srgbClr val="000000"/>
+                        </a:solidFill>
+                        <a:effectLst/>
+                        <a:latin typeface="Calibri"/>
+                      </a:endParaRPr>
+                    </a:p>
+                  </a:txBody>
+                  <a:tcPr marL="6838" marR="6838" marT="6838" marB="0" anchor="ctr"/>
+                </a:tc>
+                <a:tc>
+                  <a:txBody>
+                    <a:bodyPr/>
+                    <a:lstStyle/>
+                    <a:p>
+                      <a:pPr algn="r" fontAlgn="ctr"/>
+                      <a:r>
+                        <a:rPr lang="en-US" sz="1000" u="none" strike="noStrike">
+                          <a:effectLst/>
+                        </a:rPr>
+                        <a:t>1</a:t>
+                      </a:r>
+                      <a:endParaRPr lang="en-US" sz="1000" b="1" i="0" u="none" strike="noStrike">
+                        <a:solidFill>
+                          <a:srgbClr val="000000"/>
+                        </a:solidFill>
+                        <a:effectLst/>
+                        <a:latin typeface="Calibri"/>
+                      </a:endParaRPr>
+                    </a:p>
+                  </a:txBody>
+                  <a:tcPr marL="6838" marR="6838" marT="6838" marB="0" anchor="ctr"/>
+                </a:tc>
+                <a:tc>
+                  <a:txBody>
+                    <a:bodyPr/>
+                    <a:lstStyle/>
+                    <a:p>
+                      <a:pPr algn="r" fontAlgn="ctr"/>
+                      <a:r>
+                        <a:rPr lang="en-US" sz="1000" u="none" strike="noStrike">
+                          <a:effectLst/>
+                        </a:rPr>
+                        <a:t>0</a:t>
+                      </a:r>
+                      <a:endParaRPr lang="en-US" sz="1000" b="1" i="0" u="none" strike="noStrike">
+                        <a:solidFill>
+                          <a:srgbClr val="000000"/>
+                        </a:solidFill>
+                        <a:effectLst/>
+                        <a:latin typeface="Calibri"/>
+                      </a:endParaRPr>
+                    </a:p>
+                  </a:txBody>
+                  <a:tcPr marL="6838" marR="6838" marT="6838" marB="0" anchor="ctr"/>
+                </a:tc>
+                <a:tc>
+                  <a:txBody>
+                    <a:bodyPr/>
+                    <a:lstStyle/>
+                    <a:p>
+                      <a:pPr algn="r" fontAlgn="ctr"/>
+                      <a:r>
+                        <a:rPr lang="en-US" sz="1000" u="none" strike="noStrike">
+                          <a:effectLst/>
+                        </a:rPr>
+                        <a:t>0</a:t>
+                      </a:r>
+                      <a:endParaRPr lang="en-US" sz="1000" b="1" i="0" u="none" strike="noStrike">
+                        <a:solidFill>
+                          <a:srgbClr val="000000"/>
+                        </a:solidFill>
+                        <a:effectLst/>
+                        <a:latin typeface="Calibri"/>
+                      </a:endParaRPr>
+                    </a:p>
+                  </a:txBody>
+                  <a:tcPr marL="6838" marR="6838" marT="6838" marB="0" anchor="ctr"/>
+                </a:tc>
+              </a:tr>
+              <a:tr h="173675">
+                <a:tc>
+                  <a:txBody>
+                    <a:bodyPr/>
+                    <a:lstStyle/>
+                    <a:p>
+                      <a:pPr algn="l" fontAlgn="ctr"/>
+                      <a:r>
+                        <a:rPr lang="en-US" sz="1000" u="none" strike="noStrike">
+                          <a:effectLst/>
+                        </a:rPr>
+                        <a:t> </a:t>
+                      </a:r>
+                      <a:endParaRPr lang="en-US" sz="1000" b="0" i="0" u="none" strike="noStrike">
+                        <a:solidFill>
+                          <a:srgbClr val="000000"/>
+                        </a:solidFill>
+                        <a:effectLst/>
+                        <a:latin typeface="Calibri"/>
+                      </a:endParaRPr>
+                    </a:p>
+                  </a:txBody>
+                  <a:tcPr marL="6838" marR="6838" marT="6838" marB="0" anchor="ctr"/>
+                </a:tc>
+                <a:tc>
+                  <a:txBody>
+                    <a:bodyPr/>
+                    <a:lstStyle/>
+                    <a:p>
+                      <a:pPr algn="l" fontAlgn="ctr"/>
+                      <a:r>
+                        <a:rPr lang="en-US" sz="1000" u="none" strike="noStrike">
+                          <a:effectLst/>
+                        </a:rPr>
+                        <a:t> </a:t>
+                      </a:r>
+                      <a:endParaRPr lang="en-US" sz="1000" b="0" i="0" u="none" strike="noStrike">
+                        <a:solidFill>
+                          <a:srgbClr val="000000"/>
+                        </a:solidFill>
+                        <a:effectLst/>
+                        <a:latin typeface="Calibri"/>
+                      </a:endParaRPr>
+                    </a:p>
+                  </a:txBody>
+                  <a:tcPr marL="6838" marR="6838" marT="6838" marB="0" anchor="ctr"/>
+                </a:tc>
+                <a:tc>
+                  <a:txBody>
+                    <a:bodyPr/>
+                    <a:lstStyle/>
+                    <a:p>
+                      <a:pPr algn="l" fontAlgn="ctr"/>
+                      <a:r>
+                        <a:rPr lang="en-US" sz="1000" u="none" strike="noStrike">
+                          <a:effectLst/>
+                        </a:rPr>
+                        <a:t> </a:t>
+                      </a:r>
+                      <a:endParaRPr lang="en-US" sz="1000" b="0" i="0" u="none" strike="noStrike">
+                        <a:solidFill>
+                          <a:srgbClr val="000000"/>
+                        </a:solidFill>
+                        <a:effectLst/>
+                        <a:latin typeface="Calibri"/>
+                      </a:endParaRPr>
+                    </a:p>
+                  </a:txBody>
+                  <a:tcPr marL="6838" marR="6838" marT="6838" marB="0" anchor="ctr"/>
+                </a:tc>
+                <a:tc>
+                  <a:txBody>
+                    <a:bodyPr/>
+                    <a:lstStyle/>
+                    <a:p>
+                      <a:pPr algn="l" fontAlgn="ctr"/>
+                      <a:r>
+                        <a:rPr lang="en-US" sz="1000" u="none" strike="noStrike">
+                          <a:effectLst/>
+                        </a:rPr>
+                        <a:t> </a:t>
+                      </a:r>
+                      <a:endParaRPr lang="en-US" sz="1000" b="0" i="0" u="none" strike="noStrike">
+                        <a:solidFill>
+                          <a:srgbClr val="000000"/>
+                        </a:solidFill>
+                        <a:effectLst/>
+                        <a:latin typeface="Calibri"/>
+                      </a:endParaRPr>
+                    </a:p>
+                  </a:txBody>
+                  <a:tcPr marL="6838" marR="6838" marT="6838" marB="0" anchor="ctr"/>
+                </a:tc>
+                <a:tc>
+                  <a:txBody>
+                    <a:bodyPr/>
+                    <a:lstStyle/>
+                    <a:p>
+                      <a:pPr algn="l" fontAlgn="ctr"/>
+                      <a:r>
+                        <a:rPr lang="en-US" sz="1000" u="none" strike="noStrike">
+                          <a:effectLst/>
+                        </a:rPr>
+                        <a:t> </a:t>
+                      </a:r>
+                      <a:endParaRPr lang="en-US" sz="1000" b="0" i="0" u="none" strike="noStrike">
+                        <a:solidFill>
+                          <a:srgbClr val="000000"/>
+                        </a:solidFill>
+                        <a:effectLst/>
+                        <a:latin typeface="Calibri"/>
+                      </a:endParaRPr>
+                    </a:p>
+                  </a:txBody>
+                  <a:tcPr marL="6838" marR="6838" marT="6838" marB="0" anchor="ctr"/>
+                </a:tc>
+                <a:tc>
+                  <a:txBody>
+                    <a:bodyPr/>
+                    <a:lstStyle/>
+                    <a:p>
+                      <a:pPr algn="r" fontAlgn="ctr"/>
+                      <a:r>
+                        <a:rPr lang="en-US" sz="1000" u="none" strike="noStrike">
+                          <a:effectLst/>
+                        </a:rPr>
+                        <a:t> </a:t>
+                      </a:r>
+                      <a:endParaRPr lang="en-US" sz="1000" b="0" i="0" u="none" strike="noStrike">
+                        <a:solidFill>
+                          <a:srgbClr val="000000"/>
+                        </a:solidFill>
+                        <a:effectLst/>
+                        <a:latin typeface="Calibri"/>
+                      </a:endParaRPr>
+                    </a:p>
+                  </a:txBody>
+                  <a:tcPr marL="6838" marR="6838" marT="6838" marB="0" anchor="ctr"/>
+                </a:tc>
+                <a:tc>
+                  <a:txBody>
+                    <a:bodyPr/>
+                    <a:lstStyle/>
+                    <a:p>
+                      <a:pPr algn="l" fontAlgn="ctr"/>
+                      <a:r>
+                        <a:rPr lang="en-US" sz="1000" u="none" strike="noStrike">
+                          <a:effectLst/>
+                        </a:rPr>
+                        <a:t> </a:t>
+                      </a:r>
+                      <a:endParaRPr lang="en-US" sz="1000" b="0" i="0" u="none" strike="noStrike">
+                        <a:solidFill>
+                          <a:srgbClr val="000000"/>
+                        </a:solidFill>
+                        <a:effectLst/>
+                        <a:latin typeface="Calibri"/>
+                      </a:endParaRPr>
+                    </a:p>
+                  </a:txBody>
+                  <a:tcPr marL="6838" marR="6838" marT="6838" marB="0" anchor="ctr"/>
+                </a:tc>
+                <a:tc>
+                  <a:txBody>
+                    <a:bodyPr/>
+                    <a:lstStyle/>
+                    <a:p>
+                      <a:pPr algn="r" fontAlgn="ctr"/>
+                      <a:r>
+                        <a:rPr lang="en-US" sz="1000" u="none" strike="noStrike">
+                          <a:effectLst/>
+                        </a:rPr>
+                        <a:t> </a:t>
+                      </a:r>
+                      <a:endParaRPr lang="en-US" sz="1000" b="0" i="0" u="none" strike="noStrike">
+                        <a:solidFill>
+                          <a:srgbClr val="000000"/>
+                        </a:solidFill>
+                        <a:effectLst/>
+                        <a:latin typeface="Calibri"/>
+                      </a:endParaRPr>
+                    </a:p>
+                  </a:txBody>
+                  <a:tcPr marL="6838" marR="6838" marT="6838" marB="0" anchor="ctr"/>
+                </a:tc>
+              </a:tr>
+              <a:tr h="173675">
+                <a:tc>
+                  <a:txBody>
+                    <a:bodyPr/>
+                    <a:lstStyle/>
+                    <a:p>
+                      <a:pPr algn="l" fontAlgn="ctr"/>
+                      <a:r>
+                        <a:rPr lang="en-US" sz="1000" u="none" strike="noStrike">
+                          <a:effectLst/>
+                        </a:rPr>
+                        <a:t>4</a:t>
+                      </a:r>
+                      <a:endParaRPr lang="en-US" sz="1000" b="1" i="0" u="none" strike="noStrike">
+                        <a:solidFill>
+                          <a:srgbClr val="000000"/>
+                        </a:solidFill>
+                        <a:effectLst/>
+                        <a:latin typeface="Calibri"/>
+                      </a:endParaRPr>
+                    </a:p>
+                  </a:txBody>
+                  <a:tcPr marL="6838" marR="6838" marT="6838" marB="0" anchor="ctr"/>
+                </a:tc>
+                <a:tc>
+                  <a:txBody>
+                    <a:bodyPr/>
+                    <a:lstStyle/>
+                    <a:p>
+                      <a:pPr algn="l" fontAlgn="ctr"/>
+                      <a:r>
+                        <a:rPr lang="en-US" sz="1000" u="none" strike="noStrike">
+                          <a:effectLst/>
+                        </a:rPr>
+                        <a:t>Team Meetings</a:t>
+                      </a:r>
+                      <a:endParaRPr lang="en-US" sz="1000" b="1" i="0" u="none" strike="noStrike">
+                        <a:solidFill>
+                          <a:srgbClr val="000000"/>
+                        </a:solidFill>
+                        <a:effectLst/>
+                        <a:latin typeface="Calibri"/>
+                      </a:endParaRPr>
+                    </a:p>
+                  </a:txBody>
+                  <a:tcPr marL="6838" marR="6838" marT="6838" marB="0" anchor="ctr"/>
+                </a:tc>
+                <a:tc>
+                  <a:txBody>
+                    <a:bodyPr/>
+                    <a:lstStyle/>
+                    <a:p>
+                      <a:pPr algn="l" fontAlgn="ctr"/>
+                      <a:r>
+                        <a:rPr lang="en-US" sz="1000" u="none" strike="noStrike">
+                          <a:effectLst/>
+                        </a:rPr>
+                        <a:t>Tue 9/10/13</a:t>
+                      </a:r>
+                      <a:endParaRPr lang="en-US" sz="1000" b="1" i="0" u="none" strike="noStrike">
+                        <a:solidFill>
+                          <a:srgbClr val="000000"/>
+                        </a:solidFill>
+                        <a:effectLst/>
+                        <a:latin typeface="Calibri"/>
+                      </a:endParaRPr>
+                    </a:p>
+                  </a:txBody>
+                  <a:tcPr marL="6838" marR="6838" marT="6838" marB="0" anchor="ctr"/>
+                </a:tc>
+                <a:tc>
+                  <a:txBody>
+                    <a:bodyPr/>
+                    <a:lstStyle/>
+                    <a:p>
+                      <a:pPr algn="l" fontAlgn="ctr"/>
+                      <a:r>
+                        <a:rPr lang="en-US" sz="1000" u="none" strike="noStrike">
+                          <a:effectLst/>
+                        </a:rPr>
+                        <a:t>Tue 12/9/14</a:t>
+                      </a:r>
+                      <a:endParaRPr lang="en-US" sz="1000" b="1" i="0" u="none" strike="noStrike">
+                        <a:solidFill>
+                          <a:srgbClr val="000000"/>
+                        </a:solidFill>
+                        <a:effectLst/>
+                        <a:latin typeface="Calibri"/>
+                      </a:endParaRPr>
+                    </a:p>
+                  </a:txBody>
+                  <a:tcPr marL="6838" marR="6838" marT="6838" marB="0" anchor="ctr"/>
+                </a:tc>
+                <a:tc>
+                  <a:txBody>
+                    <a:bodyPr/>
+                    <a:lstStyle/>
+                    <a:p>
+                      <a:pPr algn="r" fontAlgn="ctr"/>
+                      <a:r>
+                        <a:rPr lang="en-US" sz="1000" u="none" strike="noStrike">
+                          <a:effectLst/>
+                        </a:rPr>
+                        <a:t>496</a:t>
+                      </a:r>
+                      <a:endParaRPr lang="en-US" sz="1000" b="1" i="0" u="none" strike="noStrike">
+                        <a:solidFill>
+                          <a:srgbClr val="000000"/>
+                        </a:solidFill>
+                        <a:effectLst/>
+                        <a:latin typeface="Calibri"/>
+                      </a:endParaRPr>
+                    </a:p>
+                  </a:txBody>
+                  <a:tcPr marL="6838" marR="6838" marT="6838" marB="0" anchor="ctr"/>
+                </a:tc>
+                <a:tc>
+                  <a:txBody>
+                    <a:bodyPr/>
+                    <a:lstStyle/>
+                    <a:p>
+                      <a:pPr algn="r" fontAlgn="ctr"/>
+                      <a:r>
+                        <a:rPr lang="en-US" sz="1000" u="none" strike="noStrike">
+                          <a:effectLst/>
+                        </a:rPr>
+                        <a:t>169</a:t>
+                      </a:r>
+                      <a:endParaRPr lang="en-US" sz="1000" b="1" i="0" u="none" strike="noStrike">
+                        <a:solidFill>
+                          <a:srgbClr val="000000"/>
+                        </a:solidFill>
+                        <a:effectLst/>
+                        <a:latin typeface="Calibri"/>
+                      </a:endParaRPr>
+                    </a:p>
+                  </a:txBody>
+                  <a:tcPr marL="6838" marR="6838" marT="6838" marB="0" anchor="ctr"/>
+                </a:tc>
+                <a:tc>
+                  <a:txBody>
+                    <a:bodyPr/>
+                    <a:lstStyle/>
+                    <a:p>
+                      <a:pPr algn="r" fontAlgn="ctr"/>
+                      <a:r>
+                        <a:rPr lang="en-US" sz="1000" u="none" strike="noStrike">
+                          <a:effectLst/>
+                        </a:rPr>
+                        <a:t>66.13</a:t>
+                      </a:r>
+                      <a:endParaRPr lang="en-US" sz="1000" b="1" i="0" u="none" strike="noStrike">
+                        <a:solidFill>
+                          <a:srgbClr val="000000"/>
+                        </a:solidFill>
+                        <a:effectLst/>
+                        <a:latin typeface="Calibri"/>
+                      </a:endParaRPr>
+                    </a:p>
+                  </a:txBody>
+                  <a:tcPr marL="6838" marR="6838" marT="6838" marB="0" anchor="ctr"/>
+                </a:tc>
+                <a:tc>
+                  <a:txBody>
+                    <a:bodyPr/>
+                    <a:lstStyle/>
+                    <a:p>
+                      <a:pPr algn="r" fontAlgn="ctr"/>
+                      <a:r>
+                        <a:rPr lang="en-US" sz="1000" u="none" strike="noStrike">
+                          <a:effectLst/>
+                        </a:rPr>
+                        <a:t>328</a:t>
+                      </a:r>
+                      <a:endParaRPr lang="en-US" sz="1000" b="1" i="0" u="none" strike="noStrike">
+                        <a:solidFill>
+                          <a:srgbClr val="000000"/>
+                        </a:solidFill>
+                        <a:effectLst/>
+                        <a:latin typeface="Calibri"/>
+                      </a:endParaRPr>
+                    </a:p>
+                  </a:txBody>
+                  <a:tcPr marL="6838" marR="6838" marT="6838" marB="0" anchor="ctr"/>
+                </a:tc>
+              </a:tr>
+              <a:tr h="173675">
+                <a:tc>
+                  <a:txBody>
+                    <a:bodyPr/>
+                    <a:lstStyle/>
+                    <a:p>
+                      <a:pPr algn="l" fontAlgn="ctr"/>
+                      <a:r>
+                        <a:rPr lang="en-US" sz="1000" u="none" strike="noStrike">
+                          <a:effectLst/>
+                        </a:rPr>
+                        <a:t>4.2</a:t>
+                      </a:r>
+                      <a:endParaRPr lang="en-US" sz="1000" b="1" i="0" u="none" strike="noStrike">
+                        <a:solidFill>
+                          <a:srgbClr val="000000"/>
+                        </a:solidFill>
+                        <a:effectLst/>
+                        <a:latin typeface="Calibri"/>
+                      </a:endParaRPr>
+                    </a:p>
+                  </a:txBody>
+                  <a:tcPr marL="6838" marR="6838" marT="6838" marB="0" anchor="ctr"/>
+                </a:tc>
+                <a:tc>
+                  <a:txBody>
+                    <a:bodyPr/>
+                    <a:lstStyle/>
+                    <a:p>
+                      <a:pPr algn="l" fontAlgn="ctr"/>
+                      <a:r>
+                        <a:rPr lang="en-US" sz="1000" u="none" strike="noStrike">
+                          <a:effectLst/>
+                        </a:rPr>
+                        <a:t>   Team Meeting SD2</a:t>
+                      </a:r>
+                      <a:endParaRPr lang="en-US" sz="1000" b="1" i="0" u="none" strike="noStrike">
+                        <a:solidFill>
+                          <a:srgbClr val="000000"/>
+                        </a:solidFill>
+                        <a:effectLst/>
+                        <a:latin typeface="Calibri"/>
+                      </a:endParaRPr>
+                    </a:p>
+                  </a:txBody>
+                  <a:tcPr marL="6838" marR="6838" marT="6838" marB="0" anchor="ctr"/>
+                </a:tc>
+                <a:tc>
+                  <a:txBody>
+                    <a:bodyPr/>
+                    <a:lstStyle/>
+                    <a:p>
+                      <a:pPr algn="l" fontAlgn="ctr"/>
+                      <a:r>
+                        <a:rPr lang="en-US" sz="1000" u="none" strike="noStrike">
+                          <a:effectLst/>
+                        </a:rPr>
+                        <a:t>Tue 1/14/14</a:t>
+                      </a:r>
+                      <a:endParaRPr lang="en-US" sz="1000" b="1" i="0" u="none" strike="noStrike">
+                        <a:solidFill>
+                          <a:srgbClr val="000000"/>
+                        </a:solidFill>
+                        <a:effectLst/>
+                        <a:latin typeface="Calibri"/>
+                      </a:endParaRPr>
+                    </a:p>
+                  </a:txBody>
+                  <a:tcPr marL="6838" marR="6838" marT="6838" marB="0" anchor="ctr"/>
+                </a:tc>
+                <a:tc>
+                  <a:txBody>
+                    <a:bodyPr/>
+                    <a:lstStyle/>
+                    <a:p>
+                      <a:pPr algn="l" fontAlgn="ctr"/>
+                      <a:r>
+                        <a:rPr lang="en-US" sz="1000" u="none" strike="noStrike">
+                          <a:effectLst/>
+                        </a:rPr>
+                        <a:t>Thu 5/1/14</a:t>
+                      </a:r>
+                      <a:endParaRPr lang="en-US" sz="1000" b="1" i="0" u="none" strike="noStrike">
+                        <a:solidFill>
+                          <a:srgbClr val="000000"/>
+                        </a:solidFill>
+                        <a:effectLst/>
+                        <a:latin typeface="Calibri"/>
+                      </a:endParaRPr>
+                    </a:p>
+                  </a:txBody>
+                  <a:tcPr marL="6838" marR="6838" marT="6838" marB="0" anchor="ctr"/>
+                </a:tc>
+                <a:tc>
+                  <a:txBody>
+                    <a:bodyPr/>
+                    <a:lstStyle/>
+                    <a:p>
+                      <a:pPr algn="r" fontAlgn="ctr"/>
+                      <a:r>
+                        <a:rPr lang="en-US" sz="1000" u="none" strike="noStrike">
+                          <a:effectLst/>
+                        </a:rPr>
+                        <a:t>272</a:t>
+                      </a:r>
+                      <a:endParaRPr lang="en-US" sz="1000" b="1" i="0" u="none" strike="noStrike">
+                        <a:solidFill>
+                          <a:srgbClr val="000000"/>
+                        </a:solidFill>
+                        <a:effectLst/>
+                        <a:latin typeface="Calibri"/>
+                      </a:endParaRPr>
+                    </a:p>
+                  </a:txBody>
+                  <a:tcPr marL="6838" marR="6838" marT="6838" marB="0" anchor="ctr"/>
+                </a:tc>
+                <a:tc>
+                  <a:txBody>
+                    <a:bodyPr/>
+                    <a:lstStyle/>
+                    <a:p>
+                      <a:pPr algn="r" fontAlgn="ctr"/>
+                      <a:r>
+                        <a:rPr lang="en-US" sz="1000" u="none" strike="noStrike">
+                          <a:effectLst/>
+                        </a:rPr>
+                        <a:t>61</a:t>
+                      </a:r>
+                      <a:endParaRPr lang="en-US" sz="1000" b="1" i="0" u="none" strike="noStrike">
+                        <a:solidFill>
+                          <a:srgbClr val="000000"/>
+                        </a:solidFill>
+                        <a:effectLst/>
+                        <a:latin typeface="Calibri"/>
+                      </a:endParaRPr>
+                    </a:p>
+                  </a:txBody>
+                  <a:tcPr marL="6838" marR="6838" marT="6838" marB="0" anchor="ctr"/>
+                </a:tc>
+                <a:tc>
+                  <a:txBody>
+                    <a:bodyPr/>
+                    <a:lstStyle/>
+                    <a:p>
+                      <a:pPr algn="r" fontAlgn="ctr"/>
+                      <a:r>
+                        <a:rPr lang="en-US" sz="1000" u="none" strike="noStrike">
+                          <a:effectLst/>
+                        </a:rPr>
+                        <a:t>38.24</a:t>
+                      </a:r>
+                      <a:endParaRPr lang="en-US" sz="1000" b="1" i="0" u="none" strike="noStrike">
+                        <a:solidFill>
+                          <a:srgbClr val="000000"/>
+                        </a:solidFill>
+                        <a:effectLst/>
+                        <a:latin typeface="Calibri"/>
+                      </a:endParaRPr>
+                    </a:p>
+                  </a:txBody>
+                  <a:tcPr marL="6838" marR="6838" marT="6838" marB="0" anchor="ctr"/>
+                </a:tc>
+                <a:tc>
+                  <a:txBody>
+                    <a:bodyPr/>
+                    <a:lstStyle/>
+                    <a:p>
+                      <a:pPr algn="r" fontAlgn="ctr"/>
+                      <a:r>
+                        <a:rPr lang="en-US" sz="1000" u="none" strike="noStrike">
+                          <a:effectLst/>
+                        </a:rPr>
+                        <a:t>104</a:t>
+                      </a:r>
+                      <a:endParaRPr lang="en-US" sz="1000" b="1" i="0" u="none" strike="noStrike">
+                        <a:solidFill>
+                          <a:srgbClr val="000000"/>
+                        </a:solidFill>
+                        <a:effectLst/>
+                        <a:latin typeface="Calibri"/>
+                      </a:endParaRPr>
+                    </a:p>
+                  </a:txBody>
+                  <a:tcPr marL="6838" marR="6838" marT="6838" marB="0" anchor="ctr"/>
+                </a:tc>
+              </a:tr>
+              <a:tr h="173675">
+                <a:tc>
+                  <a:txBody>
+                    <a:bodyPr/>
+                    <a:lstStyle/>
+                    <a:p>
+                      <a:pPr algn="l" fontAlgn="ctr"/>
+                      <a:r>
+                        <a:rPr lang="en-US" sz="1000" u="none" strike="noStrike">
+                          <a:effectLst/>
+                        </a:rPr>
+                        <a:t>5</a:t>
+                      </a:r>
+                      <a:endParaRPr lang="en-US" sz="1000" b="0" i="0" u="none" strike="noStrike">
+                        <a:solidFill>
+                          <a:srgbClr val="000000"/>
+                        </a:solidFill>
+                        <a:effectLst/>
+                        <a:latin typeface="Calibri"/>
+                      </a:endParaRPr>
+                    </a:p>
+                  </a:txBody>
+                  <a:tcPr marL="6838" marR="6838" marT="6838" marB="0" anchor="ctr"/>
+                </a:tc>
+                <a:tc>
+                  <a:txBody>
+                    <a:bodyPr/>
+                    <a:lstStyle/>
+                    <a:p>
+                      <a:pPr algn="l" fontAlgn="ctr"/>
+                      <a:r>
+                        <a:rPr lang="en-US" sz="1000" u="none" strike="noStrike">
+                          <a:effectLst/>
+                        </a:rPr>
+                        <a:t>Sponser Meetings</a:t>
+                      </a:r>
+                      <a:endParaRPr lang="en-US" sz="1000" b="0" i="0" u="none" strike="noStrike">
+                        <a:solidFill>
+                          <a:srgbClr val="000000"/>
+                        </a:solidFill>
+                        <a:effectLst/>
+                        <a:latin typeface="Calibri"/>
+                      </a:endParaRPr>
+                    </a:p>
+                  </a:txBody>
+                  <a:tcPr marL="6838" marR="6838" marT="6838" marB="0" anchor="ctr"/>
+                </a:tc>
+                <a:tc>
+                  <a:txBody>
+                    <a:bodyPr/>
+                    <a:lstStyle/>
+                    <a:p>
+                      <a:pPr algn="l" fontAlgn="ctr"/>
+                      <a:r>
+                        <a:rPr lang="en-US" sz="1000" u="none" strike="noStrike">
+                          <a:effectLst/>
+                        </a:rPr>
+                        <a:t>Mon 9/9/13</a:t>
+                      </a:r>
+                      <a:endParaRPr lang="en-US" sz="1000" b="0" i="0" u="none" strike="noStrike">
+                        <a:solidFill>
+                          <a:srgbClr val="000000"/>
+                        </a:solidFill>
+                        <a:effectLst/>
+                        <a:latin typeface="Calibri"/>
+                      </a:endParaRPr>
+                    </a:p>
+                  </a:txBody>
+                  <a:tcPr marL="6838" marR="6838" marT="6838" marB="0" anchor="ctr"/>
+                </a:tc>
+                <a:tc>
+                  <a:txBody>
+                    <a:bodyPr/>
+                    <a:lstStyle/>
+                    <a:p>
+                      <a:pPr algn="l" fontAlgn="ctr"/>
+                      <a:r>
+                        <a:rPr lang="en-US" sz="1000" u="none" strike="noStrike">
+                          <a:effectLst/>
+                        </a:rPr>
+                        <a:t>Tue 9/9/14</a:t>
+                      </a:r>
+                      <a:endParaRPr lang="en-US" sz="1000" b="0" i="0" u="none" strike="noStrike">
+                        <a:solidFill>
+                          <a:srgbClr val="000000"/>
+                        </a:solidFill>
+                        <a:effectLst/>
+                        <a:latin typeface="Calibri"/>
+                      </a:endParaRPr>
+                    </a:p>
+                  </a:txBody>
+                  <a:tcPr marL="6838" marR="6838" marT="6838" marB="0" anchor="ctr"/>
+                </a:tc>
+                <a:tc>
+                  <a:txBody>
+                    <a:bodyPr/>
+                    <a:lstStyle/>
+                    <a:p>
+                      <a:pPr algn="r" fontAlgn="ctr"/>
+                      <a:r>
+                        <a:rPr lang="en-US" sz="1000" u="none" strike="noStrike">
+                          <a:effectLst/>
+                        </a:rPr>
+                        <a:t>30</a:t>
+                      </a:r>
+                      <a:endParaRPr lang="en-US" sz="1000" b="0" i="0" u="none" strike="noStrike">
+                        <a:solidFill>
+                          <a:srgbClr val="000000"/>
+                        </a:solidFill>
+                        <a:effectLst/>
+                        <a:latin typeface="Calibri"/>
+                      </a:endParaRPr>
+                    </a:p>
+                  </a:txBody>
+                  <a:tcPr marL="6838" marR="6838" marT="6838" marB="0" anchor="ctr"/>
+                </a:tc>
+                <a:tc>
+                  <a:txBody>
+                    <a:bodyPr/>
+                    <a:lstStyle/>
+                    <a:p>
+                      <a:pPr algn="r" fontAlgn="ctr"/>
+                      <a:r>
+                        <a:rPr lang="en-US" sz="1000" u="none" strike="noStrike">
+                          <a:effectLst/>
+                        </a:rPr>
+                        <a:t>20</a:t>
+                      </a:r>
+                      <a:endParaRPr lang="en-US" sz="1000" b="0" i="0" u="none" strike="noStrike">
+                        <a:solidFill>
+                          <a:srgbClr val="000000"/>
+                        </a:solidFill>
+                        <a:effectLst/>
+                        <a:latin typeface="Calibri"/>
+                      </a:endParaRPr>
+                    </a:p>
+                  </a:txBody>
+                  <a:tcPr marL="6838" marR="6838" marT="6838" marB="0" anchor="ctr"/>
+                </a:tc>
+                <a:tc>
+                  <a:txBody>
+                    <a:bodyPr/>
+                    <a:lstStyle/>
+                    <a:p>
+                      <a:pPr algn="r" fontAlgn="ctr"/>
+                      <a:r>
+                        <a:rPr lang="en-US" sz="1000" u="none" strike="noStrike">
+                          <a:effectLst/>
+                        </a:rPr>
+                        <a:t>0</a:t>
+                      </a:r>
+                      <a:endParaRPr lang="en-US" sz="1000" b="0" i="0" u="none" strike="noStrike">
+                        <a:solidFill>
+                          <a:srgbClr val="000000"/>
+                        </a:solidFill>
+                        <a:effectLst/>
+                        <a:latin typeface="Calibri"/>
+                      </a:endParaRPr>
+                    </a:p>
+                  </a:txBody>
+                  <a:tcPr marL="6838" marR="6838" marT="6838" marB="0" anchor="ctr"/>
+                </a:tc>
+                <a:tc>
+                  <a:txBody>
+                    <a:bodyPr/>
+                    <a:lstStyle/>
+                    <a:p>
+                      <a:pPr algn="r" fontAlgn="ctr"/>
+                      <a:r>
+                        <a:rPr lang="en-US" sz="1000" u="none" strike="noStrike">
+                          <a:effectLst/>
+                        </a:rPr>
+                        <a:t>0</a:t>
+                      </a:r>
+                      <a:endParaRPr lang="en-US" sz="1000" b="0" i="0" u="none" strike="noStrike">
+                        <a:solidFill>
+                          <a:srgbClr val="000000"/>
+                        </a:solidFill>
+                        <a:effectLst/>
+                        <a:latin typeface="Calibri"/>
+                      </a:endParaRPr>
+                    </a:p>
+                  </a:txBody>
+                  <a:tcPr marL="6838" marR="6838" marT="6838" marB="0" anchor="ctr"/>
+                </a:tc>
+              </a:tr>
+              <a:tr h="173675">
+                <a:tc>
+                  <a:txBody>
+                    <a:bodyPr/>
+                    <a:lstStyle/>
+                    <a:p>
+                      <a:pPr algn="l" fontAlgn="ctr"/>
+                      <a:r>
+                        <a:rPr lang="en-US" sz="1000" u="none" strike="noStrike">
+                          <a:effectLst/>
+                        </a:rPr>
+                        <a:t> </a:t>
+                      </a:r>
+                      <a:endParaRPr lang="en-US" sz="1000" b="0" i="0" u="none" strike="noStrike">
+                        <a:solidFill>
+                          <a:srgbClr val="000000"/>
+                        </a:solidFill>
+                        <a:effectLst/>
+                        <a:latin typeface="Calibri"/>
+                      </a:endParaRPr>
+                    </a:p>
+                  </a:txBody>
+                  <a:tcPr marL="6838" marR="6838" marT="6838" marB="0" anchor="ctr"/>
+                </a:tc>
+                <a:tc>
+                  <a:txBody>
+                    <a:bodyPr/>
+                    <a:lstStyle/>
+                    <a:p>
+                      <a:pPr algn="l" fontAlgn="ctr"/>
+                      <a:r>
+                        <a:rPr lang="en-US" sz="1000" u="none" strike="noStrike">
+                          <a:effectLst/>
+                        </a:rPr>
+                        <a:t> </a:t>
+                      </a:r>
+                      <a:endParaRPr lang="en-US" sz="1000" b="0" i="0" u="none" strike="noStrike">
+                        <a:solidFill>
+                          <a:srgbClr val="000000"/>
+                        </a:solidFill>
+                        <a:effectLst/>
+                        <a:latin typeface="Calibri"/>
+                      </a:endParaRPr>
+                    </a:p>
+                  </a:txBody>
+                  <a:tcPr marL="6838" marR="6838" marT="6838" marB="0" anchor="ctr"/>
+                </a:tc>
+                <a:tc>
+                  <a:txBody>
+                    <a:bodyPr/>
+                    <a:lstStyle/>
+                    <a:p>
+                      <a:pPr algn="l" fontAlgn="ctr"/>
+                      <a:r>
+                        <a:rPr lang="en-US" sz="1000" u="none" strike="noStrike">
+                          <a:effectLst/>
+                        </a:rPr>
+                        <a:t> </a:t>
+                      </a:r>
+                      <a:endParaRPr lang="en-US" sz="1000" b="0" i="0" u="none" strike="noStrike">
+                        <a:solidFill>
+                          <a:srgbClr val="000000"/>
+                        </a:solidFill>
+                        <a:effectLst/>
+                        <a:latin typeface="Calibri"/>
+                      </a:endParaRPr>
+                    </a:p>
+                  </a:txBody>
+                  <a:tcPr marL="6838" marR="6838" marT="6838" marB="0" anchor="ctr"/>
+                </a:tc>
+                <a:tc>
+                  <a:txBody>
+                    <a:bodyPr/>
+                    <a:lstStyle/>
+                    <a:p>
+                      <a:pPr algn="l" fontAlgn="ctr"/>
+                      <a:r>
+                        <a:rPr lang="en-US" sz="1000" u="none" strike="noStrike">
+                          <a:effectLst/>
+                        </a:rPr>
+                        <a:t> </a:t>
+                      </a:r>
+                      <a:endParaRPr lang="en-US" sz="1000" b="0" i="0" u="none" strike="noStrike">
+                        <a:solidFill>
+                          <a:srgbClr val="000000"/>
+                        </a:solidFill>
+                        <a:effectLst/>
+                        <a:latin typeface="Calibri"/>
+                      </a:endParaRPr>
+                    </a:p>
+                  </a:txBody>
+                  <a:tcPr marL="6838" marR="6838" marT="6838" marB="0" anchor="ctr"/>
+                </a:tc>
+                <a:tc>
+                  <a:txBody>
+                    <a:bodyPr/>
+                    <a:lstStyle/>
+                    <a:p>
+                      <a:pPr algn="l" fontAlgn="ctr"/>
+                      <a:r>
+                        <a:rPr lang="en-US" sz="1000" u="none" strike="noStrike">
+                          <a:effectLst/>
+                        </a:rPr>
+                        <a:t> </a:t>
+                      </a:r>
+                      <a:endParaRPr lang="en-US" sz="1000" b="0" i="0" u="none" strike="noStrike">
+                        <a:solidFill>
+                          <a:srgbClr val="000000"/>
+                        </a:solidFill>
+                        <a:effectLst/>
+                        <a:latin typeface="Calibri"/>
+                      </a:endParaRPr>
+                    </a:p>
+                  </a:txBody>
+                  <a:tcPr marL="6838" marR="6838" marT="6838" marB="0" anchor="ctr"/>
+                </a:tc>
+                <a:tc>
+                  <a:txBody>
+                    <a:bodyPr/>
+                    <a:lstStyle/>
+                    <a:p>
+                      <a:pPr algn="r" fontAlgn="ctr"/>
+                      <a:r>
+                        <a:rPr lang="en-US" sz="1000" u="none" strike="noStrike">
+                          <a:effectLst/>
+                        </a:rPr>
+                        <a:t> </a:t>
+                      </a:r>
+                      <a:endParaRPr lang="en-US" sz="1000" b="0" i="0" u="none" strike="noStrike">
+                        <a:solidFill>
+                          <a:srgbClr val="000000"/>
+                        </a:solidFill>
+                        <a:effectLst/>
+                        <a:latin typeface="Calibri"/>
+                      </a:endParaRPr>
+                    </a:p>
+                  </a:txBody>
+                  <a:tcPr marL="6838" marR="6838" marT="6838" marB="0" anchor="ctr"/>
+                </a:tc>
+                <a:tc>
+                  <a:txBody>
+                    <a:bodyPr/>
+                    <a:lstStyle/>
+                    <a:p>
+                      <a:pPr algn="l" fontAlgn="ctr"/>
+                      <a:r>
+                        <a:rPr lang="en-US" sz="1000" u="none" strike="noStrike">
+                          <a:effectLst/>
+                        </a:rPr>
+                        <a:t> </a:t>
+                      </a:r>
+                      <a:endParaRPr lang="en-US" sz="1000" b="0" i="0" u="none" strike="noStrike">
+                        <a:solidFill>
+                          <a:srgbClr val="000000"/>
+                        </a:solidFill>
+                        <a:effectLst/>
+                        <a:latin typeface="Calibri"/>
+                      </a:endParaRPr>
+                    </a:p>
+                  </a:txBody>
+                  <a:tcPr marL="6838" marR="6838" marT="6838" marB="0" anchor="ctr"/>
+                </a:tc>
+                <a:tc>
+                  <a:txBody>
+                    <a:bodyPr/>
+                    <a:lstStyle/>
+                    <a:p>
+                      <a:pPr algn="r" fontAlgn="ctr"/>
+                      <a:r>
+                        <a:rPr lang="en-US" sz="1000" u="none" strike="noStrike">
+                          <a:effectLst/>
+                        </a:rPr>
+                        <a:t> </a:t>
+                      </a:r>
+                      <a:endParaRPr lang="en-US" sz="1000" b="0" i="0" u="none" strike="noStrike">
+                        <a:solidFill>
+                          <a:srgbClr val="000000"/>
+                        </a:solidFill>
+                        <a:effectLst/>
+                        <a:latin typeface="Calibri"/>
+                      </a:endParaRPr>
+                    </a:p>
+                  </a:txBody>
+                  <a:tcPr marL="6838" marR="6838" marT="6838" marB="0" anchor="ctr"/>
+                </a:tc>
+              </a:tr>
+              <a:tr h="173675">
+                <a:tc>
+                  <a:txBody>
+                    <a:bodyPr/>
+                    <a:lstStyle/>
+                    <a:p>
+                      <a:pPr algn="l" fontAlgn="ctr"/>
+                      <a:r>
+                        <a:rPr lang="en-US" sz="1000" u="none" strike="noStrike">
+                          <a:effectLst/>
+                        </a:rPr>
+                        <a:t>6</a:t>
+                      </a:r>
+                      <a:endParaRPr lang="en-US" sz="1000" b="1" i="0" u="none" strike="noStrike">
+                        <a:solidFill>
+                          <a:srgbClr val="000000"/>
+                        </a:solidFill>
+                        <a:effectLst/>
+                        <a:latin typeface="Calibri"/>
+                      </a:endParaRPr>
+                    </a:p>
+                  </a:txBody>
+                  <a:tcPr marL="6838" marR="6838" marT="6838" marB="0" anchor="ctr"/>
+                </a:tc>
+                <a:tc>
+                  <a:txBody>
+                    <a:bodyPr/>
+                    <a:lstStyle/>
+                    <a:p>
+                      <a:pPr algn="l" fontAlgn="ctr"/>
+                      <a:r>
+                        <a:rPr lang="en-US" sz="1000" u="none" strike="noStrike">
+                          <a:effectLst/>
+                        </a:rPr>
+                        <a:t>MS Project </a:t>
+                      </a:r>
+                      <a:endParaRPr lang="en-US" sz="1000" b="1" i="0" u="none" strike="noStrike">
+                        <a:solidFill>
+                          <a:srgbClr val="000000"/>
+                        </a:solidFill>
+                        <a:effectLst/>
+                        <a:latin typeface="Calibri"/>
+                      </a:endParaRPr>
+                    </a:p>
+                  </a:txBody>
+                  <a:tcPr marL="6838" marR="6838" marT="6838" marB="0" anchor="ctr"/>
+                </a:tc>
+                <a:tc>
+                  <a:txBody>
+                    <a:bodyPr/>
+                    <a:lstStyle/>
+                    <a:p>
+                      <a:pPr algn="l" fontAlgn="ctr"/>
+                      <a:r>
+                        <a:rPr lang="en-US" sz="1000" u="none" strike="noStrike">
+                          <a:effectLst/>
+                        </a:rPr>
+                        <a:t>Sun 9/29/13</a:t>
+                      </a:r>
+                      <a:endParaRPr lang="en-US" sz="1000" b="1" i="0" u="none" strike="noStrike">
+                        <a:solidFill>
+                          <a:srgbClr val="000000"/>
+                        </a:solidFill>
+                        <a:effectLst/>
+                        <a:latin typeface="Calibri"/>
+                      </a:endParaRPr>
+                    </a:p>
+                  </a:txBody>
+                  <a:tcPr marL="6838" marR="6838" marT="6838" marB="0" anchor="ctr"/>
+                </a:tc>
+                <a:tc>
+                  <a:txBody>
+                    <a:bodyPr/>
+                    <a:lstStyle/>
+                    <a:p>
+                      <a:pPr algn="l" fontAlgn="ctr"/>
+                      <a:r>
+                        <a:rPr lang="en-US" sz="1000" u="none" strike="noStrike">
+                          <a:effectLst/>
+                        </a:rPr>
+                        <a:t>Thu 10/23/14</a:t>
+                      </a:r>
+                      <a:endParaRPr lang="en-US" sz="1000" b="1" i="0" u="none" strike="noStrike">
+                        <a:solidFill>
+                          <a:srgbClr val="000000"/>
+                        </a:solidFill>
+                        <a:effectLst/>
+                        <a:latin typeface="Calibri"/>
+                      </a:endParaRPr>
+                    </a:p>
+                  </a:txBody>
+                  <a:tcPr marL="6838" marR="6838" marT="6838" marB="0" anchor="ctr"/>
+                </a:tc>
+                <a:tc>
+                  <a:txBody>
+                    <a:bodyPr/>
+                    <a:lstStyle/>
+                    <a:p>
+                      <a:pPr algn="r" fontAlgn="ctr"/>
+                      <a:r>
+                        <a:rPr lang="en-US" sz="1000" u="none" strike="noStrike">
+                          <a:effectLst/>
+                        </a:rPr>
+                        <a:t>40</a:t>
+                      </a:r>
+                      <a:endParaRPr lang="en-US" sz="1000" b="1" i="0" u="none" strike="noStrike">
+                        <a:solidFill>
+                          <a:srgbClr val="000000"/>
+                        </a:solidFill>
+                        <a:effectLst/>
+                        <a:latin typeface="Calibri"/>
+                      </a:endParaRPr>
+                    </a:p>
+                  </a:txBody>
+                  <a:tcPr marL="6838" marR="6838" marT="6838" marB="0" anchor="ctr"/>
+                </a:tc>
+                <a:tc>
+                  <a:txBody>
+                    <a:bodyPr/>
+                    <a:lstStyle/>
+                    <a:p>
+                      <a:pPr algn="r" fontAlgn="ctr"/>
+                      <a:r>
+                        <a:rPr lang="en-US" sz="1000" u="none" strike="noStrike">
+                          <a:effectLst/>
+                        </a:rPr>
+                        <a:t>27</a:t>
+                      </a:r>
+                      <a:endParaRPr lang="en-US" sz="1000" b="1" i="0" u="none" strike="noStrike">
+                        <a:solidFill>
+                          <a:srgbClr val="000000"/>
+                        </a:solidFill>
+                        <a:effectLst/>
+                        <a:latin typeface="Calibri"/>
+                      </a:endParaRPr>
+                    </a:p>
+                  </a:txBody>
+                  <a:tcPr marL="6838" marR="6838" marT="6838" marB="0" anchor="ctr"/>
+                </a:tc>
+                <a:tc>
+                  <a:txBody>
+                    <a:bodyPr/>
+                    <a:lstStyle/>
+                    <a:p>
+                      <a:pPr algn="r" fontAlgn="ctr"/>
+                      <a:r>
+                        <a:rPr lang="en-US" sz="1000" u="none" strike="noStrike">
+                          <a:effectLst/>
+                        </a:rPr>
+                        <a:t>50</a:t>
+                      </a:r>
+                      <a:endParaRPr lang="en-US" sz="1000" b="1" i="0" u="none" strike="noStrike">
+                        <a:solidFill>
+                          <a:srgbClr val="000000"/>
+                        </a:solidFill>
+                        <a:effectLst/>
+                        <a:latin typeface="Calibri"/>
+                      </a:endParaRPr>
+                    </a:p>
+                  </a:txBody>
+                  <a:tcPr marL="6838" marR="6838" marT="6838" marB="0" anchor="ctr"/>
+                </a:tc>
+                <a:tc>
+                  <a:txBody>
+                    <a:bodyPr/>
+                    <a:lstStyle/>
+                    <a:p>
+                      <a:pPr algn="r" fontAlgn="ctr"/>
+                      <a:r>
+                        <a:rPr lang="en-US" sz="1000" u="none" strike="noStrike">
+                          <a:effectLst/>
+                        </a:rPr>
+                        <a:t>20</a:t>
+                      </a:r>
+                      <a:endParaRPr lang="en-US" sz="1000" b="1" i="0" u="none" strike="noStrike">
+                        <a:solidFill>
+                          <a:srgbClr val="000000"/>
+                        </a:solidFill>
+                        <a:effectLst/>
+                        <a:latin typeface="Calibri"/>
+                      </a:endParaRPr>
+                    </a:p>
+                  </a:txBody>
+                  <a:tcPr marL="6838" marR="6838" marT="6838" marB="0" anchor="ctr"/>
+                </a:tc>
+              </a:tr>
+              <a:tr h="173675">
+                <a:tc>
+                  <a:txBody>
+                    <a:bodyPr/>
+                    <a:lstStyle/>
+                    <a:p>
+                      <a:pPr algn="l" fontAlgn="ctr"/>
+                      <a:r>
+                        <a:rPr lang="en-US" sz="1000" u="none" strike="noStrike">
+                          <a:effectLst/>
+                        </a:rPr>
+                        <a:t>6.2</a:t>
+                      </a:r>
+                      <a:endParaRPr lang="en-US" sz="1000" b="1" i="0" u="none" strike="noStrike">
+                        <a:solidFill>
+                          <a:srgbClr val="000000"/>
+                        </a:solidFill>
+                        <a:effectLst/>
+                        <a:latin typeface="Calibri"/>
+                      </a:endParaRPr>
+                    </a:p>
+                  </a:txBody>
+                  <a:tcPr marL="6838" marR="6838" marT="6838" marB="0" anchor="ctr"/>
+                </a:tc>
+                <a:tc>
+                  <a:txBody>
+                    <a:bodyPr/>
+                    <a:lstStyle/>
+                    <a:p>
+                      <a:pPr algn="l" fontAlgn="ctr"/>
+                      <a:r>
+                        <a:rPr lang="en-US" sz="1000" u="none" strike="noStrike">
+                          <a:effectLst/>
+                        </a:rPr>
+                        <a:t>   SD 2</a:t>
+                      </a:r>
+                      <a:endParaRPr lang="en-US" sz="1000" b="1" i="0" u="none" strike="noStrike">
+                        <a:solidFill>
+                          <a:srgbClr val="000000"/>
+                        </a:solidFill>
+                        <a:effectLst/>
+                        <a:latin typeface="Calibri"/>
+                      </a:endParaRPr>
+                    </a:p>
+                  </a:txBody>
+                  <a:tcPr marL="6838" marR="6838" marT="6838" marB="0" anchor="ctr"/>
+                </a:tc>
+                <a:tc>
+                  <a:txBody>
+                    <a:bodyPr/>
+                    <a:lstStyle/>
+                    <a:p>
+                      <a:pPr algn="l" fontAlgn="ctr"/>
+                      <a:r>
+                        <a:rPr lang="en-US" sz="1000" u="none" strike="noStrike">
+                          <a:effectLst/>
+                        </a:rPr>
+                        <a:t>Thu 1/23/14</a:t>
+                      </a:r>
+                      <a:endParaRPr lang="en-US" sz="1000" b="1" i="0" u="none" strike="noStrike">
+                        <a:solidFill>
+                          <a:srgbClr val="000000"/>
+                        </a:solidFill>
+                        <a:effectLst/>
+                        <a:latin typeface="Calibri"/>
+                      </a:endParaRPr>
+                    </a:p>
+                  </a:txBody>
+                  <a:tcPr marL="6838" marR="6838" marT="6838" marB="0" anchor="ctr"/>
+                </a:tc>
+                <a:tc>
+                  <a:txBody>
+                    <a:bodyPr/>
+                    <a:lstStyle/>
+                    <a:p>
+                      <a:pPr algn="l" fontAlgn="ctr"/>
+                      <a:r>
+                        <a:rPr lang="en-US" sz="1000" u="none" strike="noStrike">
+                          <a:effectLst/>
+                        </a:rPr>
+                        <a:t>Thu 1/23/14</a:t>
+                      </a:r>
+                      <a:endParaRPr lang="en-US" sz="1000" b="1" i="0" u="none" strike="noStrike">
+                        <a:solidFill>
+                          <a:srgbClr val="000000"/>
+                        </a:solidFill>
+                        <a:effectLst/>
+                        <a:latin typeface="Calibri"/>
+                      </a:endParaRPr>
+                    </a:p>
+                  </a:txBody>
+                  <a:tcPr marL="6838" marR="6838" marT="6838" marB="0" anchor="ctr"/>
+                </a:tc>
+                <a:tc>
+                  <a:txBody>
+                    <a:bodyPr/>
+                    <a:lstStyle/>
+                    <a:p>
+                      <a:pPr algn="r" fontAlgn="ctr"/>
+                      <a:r>
+                        <a:rPr lang="en-US" sz="1000" u="none" strike="noStrike">
+                          <a:effectLst/>
+                        </a:rPr>
+                        <a:t>20</a:t>
+                      </a:r>
+                      <a:endParaRPr lang="en-US" sz="1000" b="1" i="0" u="none" strike="noStrike">
+                        <a:solidFill>
+                          <a:srgbClr val="000000"/>
+                        </a:solidFill>
+                        <a:effectLst/>
+                        <a:latin typeface="Calibri"/>
+                      </a:endParaRPr>
+                    </a:p>
+                  </a:txBody>
+                  <a:tcPr marL="6838" marR="6838" marT="6838" marB="0" anchor="ctr"/>
+                </a:tc>
+                <a:tc>
+                  <a:txBody>
+                    <a:bodyPr/>
+                    <a:lstStyle/>
+                    <a:p>
+                      <a:pPr algn="r" fontAlgn="ctr"/>
+                      <a:r>
+                        <a:rPr lang="en-US" sz="1000" u="none" strike="noStrike">
+                          <a:effectLst/>
+                        </a:rPr>
+                        <a:t>5</a:t>
+                      </a:r>
+                      <a:endParaRPr lang="en-US" sz="1000" b="1" i="0" u="none" strike="noStrike">
+                        <a:solidFill>
+                          <a:srgbClr val="000000"/>
+                        </a:solidFill>
+                        <a:effectLst/>
+                        <a:latin typeface="Calibri"/>
+                      </a:endParaRPr>
+                    </a:p>
+                  </a:txBody>
+                  <a:tcPr marL="6838" marR="6838" marT="6838" marB="0" anchor="ctr"/>
+                </a:tc>
+                <a:tc>
+                  <a:txBody>
+                    <a:bodyPr/>
+                    <a:lstStyle/>
+                    <a:p>
+                      <a:pPr algn="r" fontAlgn="ctr"/>
+                      <a:r>
+                        <a:rPr lang="en-US" sz="1000" u="none" strike="noStrike">
+                          <a:effectLst/>
+                        </a:rPr>
+                        <a:t>0</a:t>
+                      </a:r>
+                      <a:endParaRPr lang="en-US" sz="1000" b="1" i="0" u="none" strike="noStrike">
+                        <a:solidFill>
+                          <a:srgbClr val="000000"/>
+                        </a:solidFill>
+                        <a:effectLst/>
+                        <a:latin typeface="Calibri"/>
+                      </a:endParaRPr>
+                    </a:p>
+                  </a:txBody>
+                  <a:tcPr marL="6838" marR="6838" marT="6838" marB="0" anchor="ctr"/>
+                </a:tc>
+                <a:tc>
+                  <a:txBody>
+                    <a:bodyPr/>
+                    <a:lstStyle/>
+                    <a:p>
+                      <a:pPr algn="r" fontAlgn="ctr"/>
+                      <a:r>
+                        <a:rPr lang="en-US" sz="1000" u="none" strike="noStrike" dirty="0">
+                          <a:effectLst/>
+                        </a:rPr>
+                        <a:t>0</a:t>
+                      </a:r>
+                      <a:endParaRPr lang="en-US" sz="1000" b="1" i="0" u="none" strike="noStrike" dirty="0">
+                        <a:solidFill>
+                          <a:srgbClr val="000000"/>
+                        </a:solidFill>
+                        <a:effectLst/>
+                        <a:latin typeface="Calibri"/>
+                      </a:endParaRPr>
+                    </a:p>
+                  </a:txBody>
+                  <a:tcPr marL="6838" marR="6838" marT="6838" marB="0" anchor="ctr"/>
+                </a:tc>
+              </a:tr>
+            </a:tbl>
+          </a:graphicData>
+        </a:graphic>
+      </p:graphicFrame>
+    </p:spTree>
+    <p:extLst>
+      <p:ext uri="{BB962C8B-B14F-4D97-AF65-F5344CB8AC3E}">
+        <p14:creationId xmlns:p14="http://schemas.microsoft.com/office/powerpoint/2010/main" val="2952673283"/>
+      </p:ext>
+    </p:extLst>
+  </p:cSld>
+  <p:clrMapOvr>
+    <a:masterClrMapping/>
+  </p:clrMapOvr>
+</p:sld>
+</file>
+
+<file path=ppt/slides/slide3.xml><?xml version="1.0" encoding="utf-8"?>
+<p:sld xmlns:a="http://schemas.openxmlformats.org/drawingml/2006/main" xmlns:r="http://schemas.openxmlformats.org/officeDocument/2006/relationships" xmlns:p="http://schemas.openxmlformats.org/presentationml/2006/main">
+  <p:cSld>
+    <p:spTree>
+      <p:nvGrpSpPr>
+        <p:cNvPr id="1" name=""/>
+        <p:cNvGrpSpPr/>
+        <p:nvPr/>
+      </p:nvGrpSpPr>
+      <p:grpSpPr>
+        <a:xfrm>
+          <a:off x="0" y="0"/>
+          <a:ext cx="0" cy="0"/>
+          <a:chOff x="0" y="0"/>
+          <a:chExt cx="0" cy="0"/>
+        </a:xfrm>
+      </p:grpSpPr>
+      <p:sp>
+        <p:nvSpPr>
+          <p:cNvPr id="2" name="Title 1"/>
+          <p:cNvSpPr>
+            <a:spLocks noGrp="1"/>
+          </p:cNvSpPr>
+          <p:nvPr>
+            <p:ph type="title"/>
+          </p:nvPr>
+        </p:nvSpPr>
+        <p:spPr/>
+        <p:txBody>
+          <a:bodyPr/>
+          <a:lstStyle/>
+          <a:p>
+            <a:r>
+              <a:rPr lang="en-US" dirty="0" smtClean="0"/>
+              <a:t>ME and Sponsor Meetings</a:t>
+            </a:r>
+            <a:endParaRPr lang="en-US" dirty="0"/>
+          </a:p>
+        </p:txBody>
+      </p:sp>
+      <p:sp>
+        <p:nvSpPr>
+          <p:cNvPr id="3" name="Content Placeholder 2"/>
+          <p:cNvSpPr>
+            <a:spLocks noGrp="1"/>
+          </p:cNvSpPr>
+          <p:nvPr>
+            <p:ph idx="1"/>
+          </p:nvPr>
+        </p:nvSpPr>
+        <p:spPr/>
+        <p:txBody>
+          <a:bodyPr>
+            <a:normAutofit/>
+          </a:bodyPr>
+          <a:lstStyle/>
+          <a:p>
+            <a:r>
+              <a:rPr lang="en-US" sz="2400" dirty="0" smtClean="0"/>
+              <a:t>Productive meetings</a:t>
+            </a:r>
+          </a:p>
+          <a:p>
+            <a:pPr lvl="1"/>
+            <a:r>
+              <a:rPr lang="en-US" dirty="0" smtClean="0"/>
+              <a:t>Demonstrated Printer</a:t>
+            </a:r>
+          </a:p>
+          <a:p>
+            <a:pPr lvl="1"/>
+            <a:r>
+              <a:rPr lang="en-US" dirty="0" smtClean="0"/>
+              <a:t>Proof of Concept Worked</a:t>
+            </a:r>
+          </a:p>
+          <a:p>
+            <a:pPr lvl="1"/>
+            <a:r>
+              <a:rPr lang="en-US" dirty="0" smtClean="0"/>
+              <a:t>Configuration Parameters Finalized</a:t>
+            </a:r>
+          </a:p>
+          <a:p>
+            <a:pPr lvl="1"/>
+            <a:r>
+              <a:rPr lang="en-US" dirty="0" smtClean="0"/>
+              <a:t>Scope Balance / Prevent the Creep</a:t>
+            </a:r>
+          </a:p>
+        </p:txBody>
+      </p:sp>
+    </p:spTree>
+    <p:extLst>
+      <p:ext uri="{BB962C8B-B14F-4D97-AF65-F5344CB8AC3E}">
+        <p14:creationId xmlns:p14="http://schemas.microsoft.com/office/powerpoint/2010/main" val="764783277"/>
+      </p:ext>
+    </p:extLst>
+  </p:cSld>
+  <p:clrMapOvr>
+    <a:masterClrMapping/>
+  </p:clrMapOvr>
+</p:sld>
+</file>
+
+<file path=ppt/slides/slide4.xml><?xml version="1.0" encoding="utf-8"?>
+<p:sld xmlns:a="http://schemas.openxmlformats.org/drawingml/2006/main" xmlns:r="http://schemas.openxmlformats.org/officeDocument/2006/relationships" xmlns:p="http://schemas.openxmlformats.org/presentationml/2006/main">
+  <p:cSld>
+    <p:spTree>
+      <p:nvGrpSpPr>
+        <p:cNvPr id="1" name=""/>
+        <p:cNvGrpSpPr/>
+        <p:nvPr/>
+      </p:nvGrpSpPr>
+      <p:grpSpPr>
+        <a:xfrm>
+          <a:off x="0" y="0"/>
+          <a:ext cx="0" cy="0"/>
+          <a:chOff x="0" y="0"/>
+          <a:chExt cx="0" cy="0"/>
+        </a:xfrm>
+      </p:grpSpPr>
+      <p:sp>
+        <p:nvSpPr>
+          <p:cNvPr id="2" name="Title 1"/>
+          <p:cNvSpPr>
+            <a:spLocks noGrp="1"/>
+          </p:cNvSpPr>
+          <p:nvPr>
+            <p:ph type="title"/>
+          </p:nvPr>
+        </p:nvSpPr>
+        <p:spPr/>
+        <p:txBody>
+          <a:bodyPr/>
+          <a:lstStyle/>
+          <a:p>
+            <a:r>
+              <a:rPr lang="en-US" dirty="0" smtClean="0"/>
+              <a:t>GUI Prototype</a:t>
+            </a:r>
+            <a:endParaRPr lang="en-US" dirty="0"/>
+          </a:p>
+        </p:txBody>
+      </p:sp>
+      <p:pic>
+        <p:nvPicPr>
+          <p:cNvPr id="4" name="Picture 3"/>
+          <p:cNvPicPr>
+            <a:picLocks noChangeAspect="1"/>
+          </p:cNvPicPr>
+          <p:nvPr/>
+        </p:nvPicPr>
+        <p:blipFill>
+          <a:blip r:embed="rId2">
+            <a:extLst>
+              <a:ext uri="{28A0092B-C50C-407E-A947-70E740481C1C}">
+                <a14:useLocalDpi xmlns:a14="http://schemas.microsoft.com/office/drawing/2010/main" val="0"/>
+              </a:ext>
+            </a:extLst>
+          </a:blip>
+          <a:stretch>
+            <a:fillRect/>
+          </a:stretch>
+        </p:blipFill>
+        <p:spPr>
+          <a:xfrm>
+            <a:off x="2060621" y="1690688"/>
+            <a:ext cx="5022758" cy="4753638"/>
+          </a:xfrm>
+          <a:prstGeom prst="rect">
+            <a:avLst/>
+          </a:prstGeom>
+        </p:spPr>
+      </p:pic>
+    </p:spTree>
+    <p:extLst>
+      <p:ext uri="{BB962C8B-B14F-4D97-AF65-F5344CB8AC3E}">
+        <p14:creationId xmlns:p14="http://schemas.microsoft.com/office/powerpoint/2010/main" val="1111565420"/>
+      </p:ext>
+    </p:extLst>
+  </p:cSld>
+  <p:clrMapOvr>
+    <a:masterClrMapping/>
+  </p:clrMapOvr>
+</p:sld>
+</file>
+
+<file path=ppt/slides/slide5.xml><?xml version="1.0" encoding="utf-8"?>
+<p:sld xmlns:a="http://schemas.openxmlformats.org/drawingml/2006/main" xmlns:r="http://schemas.openxmlformats.org/officeDocument/2006/relationships" xmlns:p="http://schemas.openxmlformats.org/presentationml/2006/main">
+  <p:cSld>
+    <p:spTree>
+      <p:nvGrpSpPr>
+        <p:cNvPr id="1" name=""/>
+        <p:cNvGrpSpPr/>
+        <p:nvPr/>
+      </p:nvGrpSpPr>
+      <p:grpSpPr>
+        <a:xfrm>
+          <a:off x="0" y="0"/>
+          <a:ext cx="0" cy="0"/>
+          <a:chOff x="0" y="0"/>
+          <a:chExt cx="0" cy="0"/>
+        </a:xfrm>
+      </p:grpSpPr>
+      <p:sp>
+        <p:nvSpPr>
+          <p:cNvPr id="2" name="Title 1"/>
+          <p:cNvSpPr>
+            <a:spLocks noGrp="1"/>
+          </p:cNvSpPr>
+          <p:nvPr>
+            <p:ph type="title"/>
+          </p:nvPr>
+        </p:nvSpPr>
+        <p:spPr/>
+        <p:txBody>
+          <a:bodyPr/>
+          <a:lstStyle/>
+          <a:p>
+            <a:r>
+              <a:rPr lang="en-US" dirty="0" smtClean="0"/>
+              <a:t>GUI Prototype</a:t>
+            </a:r>
+            <a:endParaRPr lang="en-US" dirty="0"/>
+          </a:p>
+        </p:txBody>
+      </p:sp>
+      <p:pic>
+        <p:nvPicPr>
+          <p:cNvPr id="3" name="Picture 2"/>
+          <p:cNvPicPr>
+            <a:picLocks noChangeAspect="1"/>
+          </p:cNvPicPr>
+          <p:nvPr/>
+        </p:nvPicPr>
+        <p:blipFill>
+          <a:blip r:embed="rId2">
+            <a:extLst>
+              <a:ext uri="{28A0092B-C50C-407E-A947-70E740481C1C}">
+                <a14:useLocalDpi xmlns:a14="http://schemas.microsoft.com/office/drawing/2010/main" val="0"/>
+              </a:ext>
+            </a:extLst>
+          </a:blip>
+          <a:stretch>
+            <a:fillRect/>
+          </a:stretch>
+        </p:blipFill>
+        <p:spPr>
+          <a:xfrm>
+            <a:off x="2071339" y="1690688"/>
+            <a:ext cx="5001323" cy="4791744"/>
+          </a:xfrm>
+          <a:prstGeom prst="rect">
+            <a:avLst/>
+          </a:prstGeom>
+        </p:spPr>
+      </p:pic>
+    </p:spTree>
+    <p:extLst>
+      <p:ext uri="{BB962C8B-B14F-4D97-AF65-F5344CB8AC3E}">
+        <p14:creationId xmlns:p14="http://schemas.microsoft.com/office/powerpoint/2010/main" val="2530796209"/>
+      </p:ext>
+    </p:extLst>
+  </p:cSld>
+  <p:clrMapOvr>
+    <a:masterClrMapping/>
+  </p:clrMapOvr>
+</p:sld>
+</file>
+
+<file path=ppt/slides/slide6.xml><?xml version="1.0" encoding="utf-8"?>
+<p:sld xmlns:a="http://schemas.openxmlformats.org/drawingml/2006/main" xmlns:r="http://schemas.openxmlformats.org/officeDocument/2006/relationships" xmlns:p="http://schemas.openxmlformats.org/presentationml/2006/main">
+  <p:cSld>
+    <p:spTree>
+      <p:nvGrpSpPr>
+        <p:cNvPr id="1" name=""/>
+        <p:cNvGrpSpPr/>
+        <p:nvPr/>
+      </p:nvGrpSpPr>
+      <p:grpSpPr>
+        <a:xfrm>
+          <a:off x="0" y="0"/>
+          <a:ext cx="0" cy="0"/>
+          <a:chOff x="0" y="0"/>
+          <a:chExt cx="0" cy="0"/>
+        </a:xfrm>
+      </p:grpSpPr>
+      <p:sp>
+        <p:nvSpPr>
+          <p:cNvPr id="2" name="Title 1"/>
+          <p:cNvSpPr>
+            <a:spLocks noGrp="1"/>
+          </p:cNvSpPr>
+          <p:nvPr>
+            <p:ph type="title"/>
+          </p:nvPr>
+        </p:nvSpPr>
+        <p:spPr/>
+        <p:txBody>
+          <a:bodyPr/>
+          <a:lstStyle/>
+          <a:p>
+            <a:r>
+              <a:rPr lang="en-US" dirty="0" smtClean="0"/>
+              <a:t>GUI Prototype</a:t>
+            </a:r>
+            <a:endParaRPr lang="en-US" dirty="0"/>
+          </a:p>
+        </p:txBody>
+      </p:sp>
+      <p:pic>
+        <p:nvPicPr>
+          <p:cNvPr id="3" name="Picture 2"/>
+          <p:cNvPicPr>
+            <a:picLocks noChangeAspect="1"/>
+          </p:cNvPicPr>
+          <p:nvPr/>
+        </p:nvPicPr>
+        <p:blipFill>
+          <a:blip r:embed="rId2">
+            <a:extLst>
+              <a:ext uri="{28A0092B-C50C-407E-A947-70E740481C1C}">
+                <a14:useLocalDpi xmlns:a14="http://schemas.microsoft.com/office/drawing/2010/main" val="0"/>
+              </a:ext>
+            </a:extLst>
+          </a:blip>
+          <a:stretch>
+            <a:fillRect/>
+          </a:stretch>
+        </p:blipFill>
+        <p:spPr>
+          <a:xfrm>
+            <a:off x="2071339" y="1690688"/>
+            <a:ext cx="5001323" cy="4801270"/>
+          </a:xfrm>
+          <a:prstGeom prst="rect">
+            <a:avLst/>
+          </a:prstGeom>
+        </p:spPr>
+      </p:pic>
+    </p:spTree>
+    <p:extLst>
+      <p:ext uri="{BB962C8B-B14F-4D97-AF65-F5344CB8AC3E}">
+        <p14:creationId xmlns:p14="http://schemas.microsoft.com/office/powerpoint/2010/main" val="2801822609"/>
+      </p:ext>
+    </p:extLst>
+  </p:cSld>
+  <p:clrMapOvr>
+    <a:masterClrMapping/>
+  </p:clrMapOvr>
+</p:sld>
+</file>
+
+<file path=ppt/slides/slide7.xml><?xml version="1.0" encoding="utf-8"?>
+<p:sld xmlns:a="http://schemas.openxmlformats.org/drawingml/2006/main" xmlns:r="http://schemas.openxmlformats.org/officeDocument/2006/relationships" xmlns:p="http://schemas.openxmlformats.org/presentationml/2006/main">
+  <p:cSld>
+    <p:spTree>
+      <p:nvGrpSpPr>
+        <p:cNvPr id="1" name=""/>
+        <p:cNvGrpSpPr/>
+        <p:nvPr/>
+      </p:nvGrpSpPr>
+      <p:grpSpPr>
+        <a:xfrm>
+          <a:off x="0" y="0"/>
+          <a:ext cx="0" cy="0"/>
+          <a:chOff x="0" y="0"/>
+          <a:chExt cx="0" cy="0"/>
+        </a:xfrm>
+      </p:grpSpPr>
+      <p:sp>
+        <p:nvSpPr>
+          <p:cNvPr id="2" name="Title 1"/>
+          <p:cNvSpPr>
+            <a:spLocks noGrp="1"/>
+          </p:cNvSpPr>
+          <p:nvPr>
+            <p:ph type="title"/>
+          </p:nvPr>
+        </p:nvSpPr>
+        <p:spPr/>
+        <p:txBody>
+          <a:bodyPr/>
+          <a:lstStyle/>
+          <a:p>
+            <a:r>
+              <a:rPr lang="en-US" dirty="0" smtClean="0"/>
+              <a:t>GUI Prototype</a:t>
+            </a:r>
+            <a:endParaRPr lang="en-US" dirty="0"/>
+          </a:p>
+        </p:txBody>
+      </p:sp>
+      <p:pic>
+        <p:nvPicPr>
+          <p:cNvPr id="3" name="Picture 2"/>
+          <p:cNvPicPr>
+            <a:picLocks noChangeAspect="1"/>
+          </p:cNvPicPr>
+          <p:nvPr/>
+        </p:nvPicPr>
+        <p:blipFill>
+          <a:blip r:embed="rId2">
+            <a:extLst>
+              <a:ext uri="{28A0092B-C50C-407E-A947-70E740481C1C}">
+                <a14:useLocalDpi xmlns:a14="http://schemas.microsoft.com/office/drawing/2010/main" val="0"/>
+              </a:ext>
+            </a:extLst>
+          </a:blip>
+          <a:stretch>
+            <a:fillRect/>
+          </a:stretch>
+        </p:blipFill>
+        <p:spPr>
+          <a:xfrm>
+            <a:off x="2071339" y="1690689"/>
+            <a:ext cx="5001323" cy="4782217"/>
+          </a:xfrm>
+          <a:prstGeom prst="rect">
+            <a:avLst/>
+          </a:prstGeom>
+        </p:spPr>
+      </p:pic>
+    </p:spTree>
+    <p:extLst>
+      <p:ext uri="{BB962C8B-B14F-4D97-AF65-F5344CB8AC3E}">
+        <p14:creationId xmlns:p14="http://schemas.microsoft.com/office/powerpoint/2010/main" val="763665064"/>
+      </p:ext>
+    </p:extLst>
+  </p:cSld>
+  <p:clrMapOvr>
+    <a:masterClrMapping/>
+  </p:clrMapOvr>
+</p:sld>
+</file>
+
+<file path=ppt/slides/slide8.xml><?xml version="1.0" encoding="utf-8"?>
+<p:sld xmlns:a="http://schemas.openxmlformats.org/drawingml/2006/main" xmlns:r="http://schemas.openxmlformats.org/officeDocument/2006/relationships" xmlns:p="http://schemas.openxmlformats.org/presentationml/2006/main">
+  <p:cSld>
+    <p:spTree>
+      <p:nvGrpSpPr>
+        <p:cNvPr id="1" name=""/>
+        <p:cNvGrpSpPr/>
+        <p:nvPr/>
+      </p:nvGrpSpPr>
+      <p:grpSpPr>
+        <a:xfrm>
+          <a:off x="0" y="0"/>
+          <a:ext cx="0" cy="0"/>
+          <a:chOff x="0" y="0"/>
+          <a:chExt cx="0" cy="0"/>
+        </a:xfrm>
+      </p:grpSpPr>
+      <p:sp>
+        <p:nvSpPr>
+          <p:cNvPr id="2" name="Title 1"/>
+          <p:cNvSpPr>
+            <a:spLocks noGrp="1"/>
+          </p:cNvSpPr>
+          <p:nvPr>
+            <p:ph type="title"/>
+          </p:nvPr>
+        </p:nvSpPr>
+        <p:spPr/>
+        <p:txBody>
+          <a:bodyPr/>
+          <a:lstStyle/>
+          <a:p>
+            <a:r>
+              <a:rPr lang="en-US" dirty="0" smtClean="0"/>
+              <a:t>GUI Prototype  </a:t>
+            </a:r>
+            <a:endParaRPr lang="en-US" dirty="0"/>
+          </a:p>
+        </p:txBody>
+      </p:sp>
+      <p:pic>
+        <p:nvPicPr>
+          <p:cNvPr id="4" name="Picture 3"/>
+          <p:cNvPicPr>
+            <a:picLocks noChangeAspect="1"/>
+          </p:cNvPicPr>
+          <p:nvPr/>
+        </p:nvPicPr>
+        <p:blipFill>
+          <a:blip r:embed="rId2">
+            <a:extLst>
+              <a:ext uri="{28A0092B-C50C-407E-A947-70E740481C1C}">
+                <a14:useLocalDpi xmlns:a14="http://schemas.microsoft.com/office/drawing/2010/main" val="0"/>
+              </a:ext>
+            </a:extLst>
+          </a:blip>
+          <a:stretch>
+            <a:fillRect/>
+          </a:stretch>
+        </p:blipFill>
+        <p:spPr>
+          <a:xfrm>
+            <a:off x="2071339" y="1690688"/>
+            <a:ext cx="5001323" cy="4791744"/>
+          </a:xfrm>
+          <a:prstGeom prst="rect">
+            <a:avLst/>
+          </a:prstGeom>
+        </p:spPr>
+      </p:pic>
+    </p:spTree>
+    <p:extLst>
+      <p:ext uri="{BB962C8B-B14F-4D97-AF65-F5344CB8AC3E}">
+        <p14:creationId xmlns:p14="http://schemas.microsoft.com/office/powerpoint/2010/main" val="288371225"/>
+      </p:ext>
+    </p:extLst>
+  </p:cSld>
+  <p:clrMapOvr>
+    <a:masterClrMapping/>
+  </p:clrMapOvr>
+</p:sld>
+</file>
+
+<file path=ppt/slides/slide9.xml><?xml version="1.0" encoding="utf-8"?>
+<p:sld xmlns:a="http://schemas.openxmlformats.org/drawingml/2006/main" xmlns:r="http://schemas.openxmlformats.org/officeDocument/2006/relationships" xmlns:p="http://schemas.openxmlformats.org/presentationml/2006/main">
+  <p:cSld>
+    <p:spTree>
+      <p:nvGrpSpPr>
+        <p:cNvPr id="1" name=""/>
+        <p:cNvGrpSpPr/>
+        <p:nvPr/>
+      </p:nvGrpSpPr>
+      <p:grpSpPr>
+        <a:xfrm>
+          <a:off x="0" y="0"/>
+          <a:ext cx="0" cy="0"/>
+          <a:chOff x="0" y="0"/>
+          <a:chExt cx="0" cy="0"/>
+        </a:xfrm>
+      </p:grpSpPr>
+      <p:sp>
+        <p:nvSpPr>
+          <p:cNvPr id="2" name="Title 1"/>
+          <p:cNvSpPr>
+            <a:spLocks noGrp="1"/>
+          </p:cNvSpPr>
+          <p:nvPr>
+            <p:ph type="title"/>
+          </p:nvPr>
+        </p:nvSpPr>
+        <p:spPr/>
+        <p:txBody>
+          <a:bodyPr/>
+          <a:lstStyle/>
+          <a:p>
+            <a:r>
+              <a:rPr lang="en-US" dirty="0" smtClean="0"/>
+              <a:t>Subsections</a:t>
+            </a:r>
+            <a:endParaRPr lang="en-US" dirty="0"/>
+          </a:p>
+        </p:txBody>
+      </p:sp>
+      <p:sp>
+        <p:nvSpPr>
+          <p:cNvPr id="3" name="Content Placeholder 2"/>
+          <p:cNvSpPr>
+            <a:spLocks noGrp="1"/>
+          </p:cNvSpPr>
+          <p:nvPr>
+            <p:ph idx="1"/>
+          </p:nvPr>
+        </p:nvSpPr>
+        <p:spPr/>
+        <p:txBody>
+          <a:bodyPr>
+            <a:normAutofit/>
+          </a:bodyPr>
+          <a:lstStyle/>
+          <a:p>
+            <a:r>
+              <a:rPr lang="en-US" sz="2700" dirty="0"/>
+              <a:t>Make sure we meet our sponsor’s needs</a:t>
+            </a:r>
+          </a:p>
+          <a:p>
+            <a:pPr lvl="1"/>
+            <a:r>
+              <a:rPr lang="en-US" sz="2400" dirty="0"/>
+              <a:t>Provide “subsection” feature</a:t>
+            </a:r>
+          </a:p>
+          <a:p>
+            <a:r>
+              <a:rPr lang="en-US" sz="2700" dirty="0"/>
+              <a:t>Solutions</a:t>
+            </a:r>
+          </a:p>
+          <a:p>
+            <a:pPr lvl="1"/>
+            <a:r>
+              <a:rPr lang="en-US" sz="2400" dirty="0"/>
+              <a:t>Write </a:t>
+            </a:r>
+            <a:r>
+              <a:rPr lang="en-US" sz="2400" dirty="0" err="1"/>
+              <a:t>subsectioning</a:t>
+            </a:r>
+            <a:r>
+              <a:rPr lang="en-US" sz="2400" dirty="0"/>
+              <a:t> algorithm ourselves</a:t>
+            </a:r>
+          </a:p>
+          <a:p>
+            <a:pPr lvl="1"/>
+            <a:r>
+              <a:rPr lang="en-US" sz="2400" dirty="0"/>
+              <a:t>Use Blender</a:t>
+            </a:r>
+          </a:p>
+          <a:p>
+            <a:pPr lvl="1"/>
+            <a:r>
+              <a:rPr lang="en-US" sz="2400" dirty="0"/>
+              <a:t>Use </a:t>
+            </a:r>
+            <a:r>
+              <a:rPr lang="en-US" sz="2400" dirty="0" err="1"/>
+              <a:t>OpenSCAD</a:t>
+            </a:r>
+            <a:endParaRPr lang="en-US" sz="2400" dirty="0"/>
+          </a:p>
+        </p:txBody>
+      </p:sp>
+    </p:spTree>
+    <p:extLst>
+      <p:ext uri="{BB962C8B-B14F-4D97-AF65-F5344CB8AC3E}">
+        <p14:creationId xmlns:p14="http://schemas.microsoft.com/office/powerpoint/2010/main" val="3812711515"/>
+      </p:ext>
+    </p:extLst>
+  </p:cSld>
+  <p:clrMapOvr>
+    <a:masterClrMapping/>
+  </p:clrMapOvr>
 </p:sld>
 </file>
 
